--- a/Защита Диплом - Угольников Д.О..pptx
+++ b/Защита Диплом - Угольников Д.О..pptx
@@ -112,6 +112,11 @@
       </a:defRPr>
     </a:lvl9pPr>
   </p:defaultTextStyle>
+  <p:extLst>
+    <p:ext uri="{EFAFB233-063F-42B5-8137-9DF3F51BA10A}">
+      <p15:sldGuideLst xmlns:p15="http://schemas.microsoft.com/office/powerpoint/2012/main"/>
+    </p:ext>
+  </p:extLst>
 </p:presentation>
 </file>
 
@@ -514,7 +519,7 @@
                 <a:latin typeface="Times New Roman" panose="02020603050405020304" pitchFamily="18" charset="0"/>
                 <a:ea typeface="Calibri" panose="020F0502020204030204" pitchFamily="34" charset="0"/>
               </a:rPr>
-              <a:t>Добрый день, уважаемые члены комиссии! Я, Угольников Даниил - студент 4 курса группы 2‑ИС, представляю дипломный проект на тему «Маркетплейс по продаже товаров для компании </a:t>
+              <a:t>Добрый день, уважаемые члены комиссии! Я, Угольников Даниил - студент 4 курса группы 2‑ИС, представляю вам дипломный проект на тему «Маркетплейс по продаже товаров для компании </a:t>
             </a:r>
             <a:r>
               <a:rPr lang="ru-RU" sz="1800" dirty="0" err="1">
@@ -530,7 +535,7 @@
                 <a:latin typeface="Times New Roman" panose="02020603050405020304" pitchFamily="18" charset="0"/>
                 <a:ea typeface="Calibri" panose="020F0502020204030204" pitchFamily="34" charset="0"/>
               </a:rPr>
-              <a:t>».</a:t>
+              <a:t>», руководителем является Ведерникова Ирина Дмитриевна</a:t>
             </a:r>
             <a:endParaRPr lang="ru-RU" dirty="0"/>
           </a:p>

--- a/Защита Диплом - Угольников Д.О..pptx
+++ b/Защита Диплом - Угольников Д.О..pptx
@@ -5,7 +5,7 @@
     <p:sldMasterId id="2147483648" r:id="rId1"/>
   </p:sldMasterIdLst>
   <p:notesMasterIdLst>
-    <p:notesMasterId r:id="rId8"/>
+    <p:notesMasterId r:id="rId17"/>
   </p:notesMasterIdLst>
   <p:sldIdLst>
     <p:sldId id="256" r:id="rId2"/>
@@ -13,7 +13,16 @@
     <p:sldId id="257" r:id="rId4"/>
     <p:sldId id="259" r:id="rId5"/>
     <p:sldId id="260" r:id="rId6"/>
-    <p:sldId id="261" r:id="rId7"/>
+    <p:sldId id="262" r:id="rId7"/>
+    <p:sldId id="263" r:id="rId8"/>
+    <p:sldId id="265" r:id="rId9"/>
+    <p:sldId id="266" r:id="rId10"/>
+    <p:sldId id="267" r:id="rId11"/>
+    <p:sldId id="268" r:id="rId12"/>
+    <p:sldId id="269" r:id="rId13"/>
+    <p:sldId id="270" r:id="rId14"/>
+    <p:sldId id="271" r:id="rId15"/>
+    <p:sldId id="272" r:id="rId16"/>
   </p:sldIdLst>
   <p:sldSz cx="12192000" cy="6858000"/>
   <p:notesSz cx="6858000" cy="9144000"/>
@@ -577,6 +586,702 @@
 </p:notes>
 </file>
 
+<file path=ppt/notesSlides/notesSlide10.xml><?xml version="1.0" encoding="utf-8"?>
+<p:notes xmlns:a="http://schemas.openxmlformats.org/drawingml/2006/main" xmlns:r="http://schemas.openxmlformats.org/officeDocument/2006/relationships" xmlns:p="http://schemas.openxmlformats.org/presentationml/2006/main">
+  <p:cSld>
+    <p:spTree>
+      <p:nvGrpSpPr>
+        <p:cNvPr id="1" name=""/>
+        <p:cNvGrpSpPr/>
+        <p:nvPr/>
+      </p:nvGrpSpPr>
+      <p:grpSpPr>
+        <a:xfrm>
+          <a:off x="0" y="0"/>
+          <a:ext cx="0" cy="0"/>
+          <a:chOff x="0" y="0"/>
+          <a:chExt cx="0" cy="0"/>
+        </a:xfrm>
+      </p:grpSpPr>
+      <p:sp>
+        <p:nvSpPr>
+          <p:cNvPr id="2" name="Образ слайда 1"/>
+          <p:cNvSpPr>
+            <a:spLocks noGrp="1" noRot="1" noChangeAspect="1"/>
+          </p:cNvSpPr>
+          <p:nvPr>
+            <p:ph type="sldImg"/>
+          </p:nvPr>
+        </p:nvSpPr>
+        <p:spPr/>
+      </p:sp>
+      <p:sp>
+        <p:nvSpPr>
+          <p:cNvPr id="3" name="Заметки 2"/>
+          <p:cNvSpPr>
+            <a:spLocks noGrp="1"/>
+          </p:cNvSpPr>
+          <p:nvPr>
+            <p:ph type="body" idx="1"/>
+          </p:nvPr>
+        </p:nvSpPr>
+        <p:spPr/>
+        <p:txBody>
+          <a:bodyPr/>
+          <a:lstStyle/>
+          <a:p>
+            <a:r>
+              <a:rPr lang="ru-RU" sz="1800" dirty="0">
+                <a:effectLst/>
+                <a:latin typeface="Times New Roman" panose="02020603050405020304" pitchFamily="18" charset="0"/>
+                <a:ea typeface="Calibri" panose="020F0502020204030204" pitchFamily="34" charset="0"/>
+              </a:rPr>
+              <a:t>Ну а сейчас я перейду к демонстрации своего продукта</a:t>
+            </a:r>
+            <a:br>
+              <a:rPr lang="ru-RU" sz="1800" dirty="0">
+                <a:effectLst/>
+                <a:latin typeface="Times New Roman" panose="02020603050405020304" pitchFamily="18" charset="0"/>
+                <a:ea typeface="Calibri" panose="020F0502020204030204" pitchFamily="34" charset="0"/>
+              </a:rPr>
+            </a:br>
+            <a:r>
+              <a:rPr lang="ru-RU" sz="1800" i="1" dirty="0">
+                <a:effectLst/>
+                <a:latin typeface="Times New Roman" panose="02020603050405020304" pitchFamily="18" charset="0"/>
+                <a:ea typeface="Calibri" panose="020F0502020204030204" pitchFamily="34" charset="0"/>
+                <a:cs typeface="Times New Roman" panose="02020603050405020304" pitchFamily="18" charset="0"/>
+              </a:rPr>
+              <a:t>(Переключаюсь в браузер)</a:t>
+            </a:r>
+            <a:br>
+              <a:rPr lang="ru-RU" sz="1800" dirty="0">
+                <a:effectLst/>
+                <a:latin typeface="Times New Roman" panose="02020603050405020304" pitchFamily="18" charset="0"/>
+                <a:ea typeface="Calibri" panose="020F0502020204030204" pitchFamily="34" charset="0"/>
+              </a:rPr>
+            </a:br>
+            <a:r>
+              <a:rPr lang="ru-RU" sz="1800" dirty="0">
+                <a:effectLst/>
+                <a:latin typeface="Times New Roman" panose="02020603050405020304" pitchFamily="18" charset="0"/>
+                <a:ea typeface="Calibri" panose="020F0502020204030204" pitchFamily="34" charset="0"/>
+              </a:rPr>
+              <a:t>Показываю главную страницу, каталог, карточку товара и личный кабинет. Описываю основные сценарии: регистрация, поиск, оформление заказа.</a:t>
+            </a:r>
+            <a:endParaRPr lang="ru-RU" dirty="0"/>
+          </a:p>
+        </p:txBody>
+      </p:sp>
+      <p:sp>
+        <p:nvSpPr>
+          <p:cNvPr id="4" name="Номер слайда 3"/>
+          <p:cNvSpPr>
+            <a:spLocks noGrp="1"/>
+          </p:cNvSpPr>
+          <p:nvPr>
+            <p:ph type="sldNum" sz="quarter" idx="5"/>
+          </p:nvPr>
+        </p:nvSpPr>
+        <p:spPr/>
+        <p:txBody>
+          <a:bodyPr/>
+          <a:lstStyle/>
+          <a:p>
+            <a:fld id="{2784CFAC-717A-4B46-8D0C-4BBA4D435472}" type="slidenum">
+              <a:rPr lang="ru-RU" smtClean="0"/>
+              <a:t>10</a:t>
+            </a:fld>
+            <a:endParaRPr lang="ru-RU"/>
+          </a:p>
+        </p:txBody>
+      </p:sp>
+    </p:spTree>
+    <p:extLst>
+      <p:ext uri="{BB962C8B-B14F-4D97-AF65-F5344CB8AC3E}">
+        <p14:creationId xmlns:p14="http://schemas.microsoft.com/office/powerpoint/2010/main" val="3214782878"/>
+      </p:ext>
+    </p:extLst>
+  </p:cSld>
+  <p:clrMapOvr>
+    <a:masterClrMapping/>
+  </p:clrMapOvr>
+</p:notes>
+</file>
+
+<file path=ppt/notesSlides/notesSlide11.xml><?xml version="1.0" encoding="utf-8"?>
+<p:notes xmlns:a="http://schemas.openxmlformats.org/drawingml/2006/main" xmlns:r="http://schemas.openxmlformats.org/officeDocument/2006/relationships" xmlns:p="http://schemas.openxmlformats.org/presentationml/2006/main">
+  <p:cSld>
+    <p:spTree>
+      <p:nvGrpSpPr>
+        <p:cNvPr id="1" name=""/>
+        <p:cNvGrpSpPr/>
+        <p:nvPr/>
+      </p:nvGrpSpPr>
+      <p:grpSpPr>
+        <a:xfrm>
+          <a:off x="0" y="0"/>
+          <a:ext cx="0" cy="0"/>
+          <a:chOff x="0" y="0"/>
+          <a:chExt cx="0" cy="0"/>
+        </a:xfrm>
+      </p:grpSpPr>
+      <p:sp>
+        <p:nvSpPr>
+          <p:cNvPr id="2" name="Образ слайда 1"/>
+          <p:cNvSpPr>
+            <a:spLocks noGrp="1" noRot="1" noChangeAspect="1"/>
+          </p:cNvSpPr>
+          <p:nvPr>
+            <p:ph type="sldImg"/>
+          </p:nvPr>
+        </p:nvSpPr>
+        <p:spPr/>
+      </p:sp>
+      <p:sp>
+        <p:nvSpPr>
+          <p:cNvPr id="3" name="Заметки 2"/>
+          <p:cNvSpPr>
+            <a:spLocks noGrp="1"/>
+          </p:cNvSpPr>
+          <p:nvPr>
+            <p:ph type="body" idx="1"/>
+          </p:nvPr>
+        </p:nvSpPr>
+        <p:spPr/>
+        <p:txBody>
+          <a:bodyPr/>
+          <a:lstStyle/>
+          <a:p>
+            <a:r>
+              <a:rPr lang="ru-RU" sz="1800" dirty="0">
+                <a:effectLst/>
+                <a:latin typeface="Times New Roman" panose="02020603050405020304" pitchFamily="18" charset="0"/>
+                <a:ea typeface="Calibri" panose="020F0502020204030204" pitchFamily="34" charset="0"/>
+              </a:rPr>
+              <a:t>В качестве функционального и регрессионного тестирования был написан тест на </a:t>
+            </a:r>
+            <a:r>
+              <a:rPr lang="ru-RU" sz="1800" dirty="0" err="1">
+                <a:effectLst/>
+                <a:latin typeface="Times New Roman" panose="02020603050405020304" pitchFamily="18" charset="0"/>
+                <a:ea typeface="Calibri" panose="020F0502020204030204" pitchFamily="34" charset="0"/>
+              </a:rPr>
+              <a:t>Pytest+Selenium</a:t>
+            </a:r>
+            <a:r>
+              <a:rPr lang="ru-RU" sz="1800" dirty="0">
+                <a:effectLst/>
+                <a:latin typeface="Times New Roman" panose="02020603050405020304" pitchFamily="18" charset="0"/>
+                <a:ea typeface="Calibri" panose="020F0502020204030204" pitchFamily="34" charset="0"/>
+              </a:rPr>
+              <a:t>. Результаты тестирования вы можете видеть на экране</a:t>
+            </a:r>
+            <a:endParaRPr lang="ru-RU" dirty="0"/>
+          </a:p>
+        </p:txBody>
+      </p:sp>
+      <p:sp>
+        <p:nvSpPr>
+          <p:cNvPr id="4" name="Номер слайда 3"/>
+          <p:cNvSpPr>
+            <a:spLocks noGrp="1"/>
+          </p:cNvSpPr>
+          <p:nvPr>
+            <p:ph type="sldNum" sz="quarter" idx="5"/>
+          </p:nvPr>
+        </p:nvSpPr>
+        <p:spPr/>
+        <p:txBody>
+          <a:bodyPr/>
+          <a:lstStyle/>
+          <a:p>
+            <a:fld id="{2784CFAC-717A-4B46-8D0C-4BBA4D435472}" type="slidenum">
+              <a:rPr lang="ru-RU" smtClean="0"/>
+              <a:t>11</a:t>
+            </a:fld>
+            <a:endParaRPr lang="ru-RU"/>
+          </a:p>
+        </p:txBody>
+      </p:sp>
+    </p:spTree>
+    <p:extLst>
+      <p:ext uri="{BB962C8B-B14F-4D97-AF65-F5344CB8AC3E}">
+        <p14:creationId xmlns:p14="http://schemas.microsoft.com/office/powerpoint/2010/main" val="1825887993"/>
+      </p:ext>
+    </p:extLst>
+  </p:cSld>
+  <p:clrMapOvr>
+    <a:masterClrMapping/>
+  </p:clrMapOvr>
+</p:notes>
+</file>
+
+<file path=ppt/notesSlides/notesSlide12.xml><?xml version="1.0" encoding="utf-8"?>
+<p:notes xmlns:a="http://schemas.openxmlformats.org/drawingml/2006/main" xmlns:r="http://schemas.openxmlformats.org/officeDocument/2006/relationships" xmlns:p="http://schemas.openxmlformats.org/presentationml/2006/main">
+  <p:cSld>
+    <p:spTree>
+      <p:nvGrpSpPr>
+        <p:cNvPr id="1" name=""/>
+        <p:cNvGrpSpPr/>
+        <p:nvPr/>
+      </p:nvGrpSpPr>
+      <p:grpSpPr>
+        <a:xfrm>
+          <a:off x="0" y="0"/>
+          <a:ext cx="0" cy="0"/>
+          <a:chOff x="0" y="0"/>
+          <a:chExt cx="0" cy="0"/>
+        </a:xfrm>
+      </p:grpSpPr>
+      <p:sp>
+        <p:nvSpPr>
+          <p:cNvPr id="2" name="Образ слайда 1"/>
+          <p:cNvSpPr>
+            <a:spLocks noGrp="1" noRot="1" noChangeAspect="1"/>
+          </p:cNvSpPr>
+          <p:nvPr>
+            <p:ph type="sldImg"/>
+          </p:nvPr>
+        </p:nvSpPr>
+        <p:spPr/>
+      </p:sp>
+      <p:sp>
+        <p:nvSpPr>
+          <p:cNvPr id="3" name="Заметки 2"/>
+          <p:cNvSpPr>
+            <a:spLocks noGrp="1"/>
+          </p:cNvSpPr>
+          <p:nvPr>
+            <p:ph type="body" idx="1"/>
+          </p:nvPr>
+        </p:nvSpPr>
+        <p:spPr/>
+        <p:txBody>
+          <a:bodyPr/>
+          <a:lstStyle/>
+          <a:p>
+            <a:pPr marL="0" marR="0" lvl="0" indent="0" algn="l" defTabSz="914400" rtl="0" eaLnBrk="1" fontAlgn="auto" latinLnBrk="0" hangingPunct="1">
+              <a:lnSpc>
+                <a:spcPct val="100000"/>
+              </a:lnSpc>
+              <a:spcBef>
+                <a:spcPts val="0"/>
+              </a:spcBef>
+              <a:spcAft>
+                <a:spcPts val="0"/>
+              </a:spcAft>
+              <a:buClrTx/>
+              <a:buSzTx/>
+              <a:buFontTx/>
+              <a:buNone/>
+              <a:tabLst/>
+              <a:defRPr/>
+            </a:pPr>
+            <a:r>
+              <a:rPr lang="ru-RU" sz="1800" dirty="0">
+                <a:effectLst/>
+                <a:latin typeface="Times New Roman" panose="02020603050405020304" pitchFamily="18" charset="0"/>
+                <a:ea typeface="Times New Roman" panose="02020603050405020304" pitchFamily="18" charset="0"/>
+              </a:rPr>
+              <a:t>При развертывании проекта на хостинг, </a:t>
+            </a:r>
+            <a:r>
+              <a:rPr lang="en-US" sz="1800" dirty="0" err="1">
+                <a:effectLst/>
+                <a:latin typeface="Times New Roman" panose="02020603050405020304" pitchFamily="18" charset="0"/>
+                <a:ea typeface="Times New Roman" panose="02020603050405020304" pitchFamily="18" charset="0"/>
+              </a:rPr>
+              <a:t>Vercel</a:t>
+            </a:r>
+            <a:r>
+              <a:rPr lang="en-US" sz="1800" dirty="0">
+                <a:effectLst/>
+                <a:latin typeface="Times New Roman" panose="02020603050405020304" pitchFamily="18" charset="0"/>
+                <a:ea typeface="Times New Roman" panose="02020603050405020304" pitchFamily="18" charset="0"/>
+              </a:rPr>
+              <a:t> </a:t>
+            </a:r>
+            <a:r>
+              <a:rPr lang="ru-RU" sz="1800" dirty="0">
+                <a:effectLst/>
+                <a:latin typeface="Times New Roman" panose="02020603050405020304" pitchFamily="18" charset="0"/>
+                <a:ea typeface="Times New Roman" panose="02020603050405020304" pitchFamily="18" charset="0"/>
+              </a:rPr>
+              <a:t>проводит аудит скорости работы сайта, результаты аудита вы можете видеть на экране.</a:t>
+            </a:r>
+          </a:p>
+          <a:p>
+            <a:endParaRPr lang="ru-RU" dirty="0"/>
+          </a:p>
+        </p:txBody>
+      </p:sp>
+      <p:sp>
+        <p:nvSpPr>
+          <p:cNvPr id="4" name="Номер слайда 3"/>
+          <p:cNvSpPr>
+            <a:spLocks noGrp="1"/>
+          </p:cNvSpPr>
+          <p:nvPr>
+            <p:ph type="sldNum" sz="quarter" idx="5"/>
+          </p:nvPr>
+        </p:nvSpPr>
+        <p:spPr/>
+        <p:txBody>
+          <a:bodyPr/>
+          <a:lstStyle/>
+          <a:p>
+            <a:fld id="{2784CFAC-717A-4B46-8D0C-4BBA4D435472}" type="slidenum">
+              <a:rPr lang="ru-RU" smtClean="0"/>
+              <a:t>12</a:t>
+            </a:fld>
+            <a:endParaRPr lang="ru-RU"/>
+          </a:p>
+        </p:txBody>
+      </p:sp>
+    </p:spTree>
+    <p:extLst>
+      <p:ext uri="{BB962C8B-B14F-4D97-AF65-F5344CB8AC3E}">
+        <p14:creationId xmlns:p14="http://schemas.microsoft.com/office/powerpoint/2010/main" val="134422378"/>
+      </p:ext>
+    </p:extLst>
+  </p:cSld>
+  <p:clrMapOvr>
+    <a:masterClrMapping/>
+  </p:clrMapOvr>
+</p:notes>
+</file>
+
+<file path=ppt/notesSlides/notesSlide13.xml><?xml version="1.0" encoding="utf-8"?>
+<p:notes xmlns:a="http://schemas.openxmlformats.org/drawingml/2006/main" xmlns:r="http://schemas.openxmlformats.org/officeDocument/2006/relationships" xmlns:p="http://schemas.openxmlformats.org/presentationml/2006/main">
+  <p:cSld>
+    <p:spTree>
+      <p:nvGrpSpPr>
+        <p:cNvPr id="1" name=""/>
+        <p:cNvGrpSpPr/>
+        <p:nvPr/>
+      </p:nvGrpSpPr>
+      <p:grpSpPr>
+        <a:xfrm>
+          <a:off x="0" y="0"/>
+          <a:ext cx="0" cy="0"/>
+          <a:chOff x="0" y="0"/>
+          <a:chExt cx="0" cy="0"/>
+        </a:xfrm>
+      </p:grpSpPr>
+      <p:sp>
+        <p:nvSpPr>
+          <p:cNvPr id="2" name="Образ слайда 1"/>
+          <p:cNvSpPr>
+            <a:spLocks noGrp="1" noRot="1" noChangeAspect="1"/>
+          </p:cNvSpPr>
+          <p:nvPr>
+            <p:ph type="sldImg"/>
+          </p:nvPr>
+        </p:nvSpPr>
+        <p:spPr/>
+      </p:sp>
+      <p:sp>
+        <p:nvSpPr>
+          <p:cNvPr id="3" name="Заметки 2"/>
+          <p:cNvSpPr>
+            <a:spLocks noGrp="1"/>
+          </p:cNvSpPr>
+          <p:nvPr>
+            <p:ph type="body" idx="1"/>
+          </p:nvPr>
+        </p:nvSpPr>
+        <p:spPr/>
+        <p:txBody>
+          <a:bodyPr/>
+          <a:lstStyle/>
+          <a:p>
+            <a:r>
+              <a:rPr lang="ru-RU" sz="1800" dirty="0">
+                <a:effectLst/>
+                <a:latin typeface="Times New Roman" panose="02020603050405020304" pitchFamily="18" charset="0"/>
+                <a:ea typeface="Calibri" panose="020F0502020204030204" pitchFamily="34" charset="0"/>
+              </a:rPr>
+              <a:t>В качестве документации к веб-приложению были написаны рекомендации пользования для продавцов и пользователей. Их вы можете видеть на экране</a:t>
+            </a:r>
+            <a:endParaRPr lang="ru-RU" dirty="0"/>
+          </a:p>
+        </p:txBody>
+      </p:sp>
+      <p:sp>
+        <p:nvSpPr>
+          <p:cNvPr id="4" name="Номер слайда 3"/>
+          <p:cNvSpPr>
+            <a:spLocks noGrp="1"/>
+          </p:cNvSpPr>
+          <p:nvPr>
+            <p:ph type="sldNum" sz="quarter" idx="5"/>
+          </p:nvPr>
+        </p:nvSpPr>
+        <p:spPr/>
+        <p:txBody>
+          <a:bodyPr/>
+          <a:lstStyle/>
+          <a:p>
+            <a:fld id="{2784CFAC-717A-4B46-8D0C-4BBA4D435472}" type="slidenum">
+              <a:rPr lang="ru-RU" smtClean="0"/>
+              <a:t>13</a:t>
+            </a:fld>
+            <a:endParaRPr lang="ru-RU"/>
+          </a:p>
+        </p:txBody>
+      </p:sp>
+    </p:spTree>
+    <p:extLst>
+      <p:ext uri="{BB962C8B-B14F-4D97-AF65-F5344CB8AC3E}">
+        <p14:creationId xmlns:p14="http://schemas.microsoft.com/office/powerpoint/2010/main" val="2895480520"/>
+      </p:ext>
+    </p:extLst>
+  </p:cSld>
+  <p:clrMapOvr>
+    <a:masterClrMapping/>
+  </p:clrMapOvr>
+</p:notes>
+</file>
+
+<file path=ppt/notesSlides/notesSlide14.xml><?xml version="1.0" encoding="utf-8"?>
+<p:notes xmlns:a="http://schemas.openxmlformats.org/drawingml/2006/main" xmlns:r="http://schemas.openxmlformats.org/officeDocument/2006/relationships" xmlns:p="http://schemas.openxmlformats.org/presentationml/2006/main">
+  <p:cSld>
+    <p:spTree>
+      <p:nvGrpSpPr>
+        <p:cNvPr id="1" name=""/>
+        <p:cNvGrpSpPr/>
+        <p:nvPr/>
+      </p:nvGrpSpPr>
+      <p:grpSpPr>
+        <a:xfrm>
+          <a:off x="0" y="0"/>
+          <a:ext cx="0" cy="0"/>
+          <a:chOff x="0" y="0"/>
+          <a:chExt cx="0" cy="0"/>
+        </a:xfrm>
+      </p:grpSpPr>
+      <p:sp>
+        <p:nvSpPr>
+          <p:cNvPr id="2" name="Образ слайда 1"/>
+          <p:cNvSpPr>
+            <a:spLocks noGrp="1" noRot="1" noChangeAspect="1"/>
+          </p:cNvSpPr>
+          <p:nvPr>
+            <p:ph type="sldImg"/>
+          </p:nvPr>
+        </p:nvSpPr>
+        <p:spPr/>
+      </p:sp>
+      <p:sp>
+        <p:nvSpPr>
+          <p:cNvPr id="3" name="Заметки 2"/>
+          <p:cNvSpPr>
+            <a:spLocks noGrp="1"/>
+          </p:cNvSpPr>
+          <p:nvPr>
+            <p:ph type="body" idx="1"/>
+          </p:nvPr>
+        </p:nvSpPr>
+        <p:spPr/>
+        <p:txBody>
+          <a:bodyPr/>
+          <a:lstStyle/>
+          <a:p>
+            <a:r>
+              <a:rPr lang="ru-RU" sz="1800" dirty="0">
+                <a:effectLst/>
+                <a:latin typeface="Times New Roman" panose="02020603050405020304" pitchFamily="18" charset="0"/>
+                <a:ea typeface="Calibri" panose="020F0502020204030204" pitchFamily="34" charset="0"/>
+              </a:rPr>
+              <a:t>Так же были разработаны рекомендации для администратора</a:t>
+            </a:r>
+            <a:endParaRPr lang="ru-RU" dirty="0"/>
+          </a:p>
+        </p:txBody>
+      </p:sp>
+      <p:sp>
+        <p:nvSpPr>
+          <p:cNvPr id="4" name="Номер слайда 3"/>
+          <p:cNvSpPr>
+            <a:spLocks noGrp="1"/>
+          </p:cNvSpPr>
+          <p:nvPr>
+            <p:ph type="sldNum" sz="quarter" idx="5"/>
+          </p:nvPr>
+        </p:nvSpPr>
+        <p:spPr/>
+        <p:txBody>
+          <a:bodyPr/>
+          <a:lstStyle/>
+          <a:p>
+            <a:fld id="{2784CFAC-717A-4B46-8D0C-4BBA4D435472}" type="slidenum">
+              <a:rPr lang="ru-RU" smtClean="0"/>
+              <a:t>14</a:t>
+            </a:fld>
+            <a:endParaRPr lang="ru-RU"/>
+          </a:p>
+        </p:txBody>
+      </p:sp>
+    </p:spTree>
+    <p:extLst>
+      <p:ext uri="{BB962C8B-B14F-4D97-AF65-F5344CB8AC3E}">
+        <p14:creationId xmlns:p14="http://schemas.microsoft.com/office/powerpoint/2010/main" val="1276097068"/>
+      </p:ext>
+    </p:extLst>
+  </p:cSld>
+  <p:clrMapOvr>
+    <a:masterClrMapping/>
+  </p:clrMapOvr>
+</p:notes>
+</file>
+
+<file path=ppt/notesSlides/notesSlide15.xml><?xml version="1.0" encoding="utf-8"?>
+<p:notes xmlns:a="http://schemas.openxmlformats.org/drawingml/2006/main" xmlns:r="http://schemas.openxmlformats.org/officeDocument/2006/relationships" xmlns:p="http://schemas.openxmlformats.org/presentationml/2006/main">
+  <p:cSld>
+    <p:spTree>
+      <p:nvGrpSpPr>
+        <p:cNvPr id="1" name=""/>
+        <p:cNvGrpSpPr/>
+        <p:nvPr/>
+      </p:nvGrpSpPr>
+      <p:grpSpPr>
+        <a:xfrm>
+          <a:off x="0" y="0"/>
+          <a:ext cx="0" cy="0"/>
+          <a:chOff x="0" y="0"/>
+          <a:chExt cx="0" cy="0"/>
+        </a:xfrm>
+      </p:grpSpPr>
+      <p:sp>
+        <p:nvSpPr>
+          <p:cNvPr id="2" name="Образ слайда 1"/>
+          <p:cNvSpPr>
+            <a:spLocks noGrp="1" noRot="1" noChangeAspect="1"/>
+          </p:cNvSpPr>
+          <p:nvPr>
+            <p:ph type="sldImg"/>
+          </p:nvPr>
+        </p:nvSpPr>
+        <p:spPr/>
+      </p:sp>
+      <p:sp>
+        <p:nvSpPr>
+          <p:cNvPr id="3" name="Заметки 2"/>
+          <p:cNvSpPr>
+            <a:spLocks noGrp="1"/>
+          </p:cNvSpPr>
+          <p:nvPr>
+            <p:ph type="body" idx="1"/>
+          </p:nvPr>
+        </p:nvSpPr>
+        <p:spPr/>
+        <p:txBody>
+          <a:bodyPr/>
+          <a:lstStyle/>
+          <a:p>
+            <a:r>
+              <a:rPr lang="ru-RU" sz="1800" dirty="0">
+                <a:effectLst/>
+                <a:latin typeface="Times New Roman" panose="02020603050405020304" pitchFamily="18" charset="0"/>
+                <a:ea typeface="Calibri" panose="020F0502020204030204" pitchFamily="34" charset="0"/>
+              </a:rPr>
+              <a:t>В качестве заключения хочу сказать, что данный проект был очень интересен и многогранен из-за своей архитектуры и технологичных решений, за время работы над ним я изучил новый для себя фреймворк и переосмыслил своё понимание архитектуры веб-приложения.</a:t>
+            </a:r>
+            <a:br>
+              <a:rPr lang="ru-RU" sz="1800" dirty="0">
+                <a:effectLst/>
+                <a:latin typeface="Times New Roman" panose="02020603050405020304" pitchFamily="18" charset="0"/>
+                <a:ea typeface="Calibri" panose="020F0502020204030204" pitchFamily="34" charset="0"/>
+              </a:rPr>
+            </a:br>
+            <a:r>
+              <a:rPr lang="ru-RU" sz="1800" dirty="0">
+                <a:effectLst/>
+                <a:latin typeface="Times New Roman" panose="02020603050405020304" pitchFamily="18" charset="0"/>
+                <a:ea typeface="Times New Roman" panose="02020603050405020304" pitchFamily="18" charset="0"/>
+              </a:rPr>
+              <a:t>Проблема решена, цель достигнута, задачи выполнены.</a:t>
+            </a:r>
+            <a:br>
+              <a:rPr lang="ru-RU" sz="1800" dirty="0">
+                <a:effectLst/>
+                <a:latin typeface="Times New Roman" panose="02020603050405020304" pitchFamily="18" charset="0"/>
+                <a:ea typeface="Calibri" panose="020F0502020204030204" pitchFamily="34" charset="0"/>
+              </a:rPr>
+            </a:br>
+            <a:r>
+              <a:rPr lang="ru-RU" sz="1800" dirty="0">
+                <a:effectLst/>
+                <a:latin typeface="Times New Roman" panose="02020603050405020304" pitchFamily="18" charset="0"/>
+                <a:ea typeface="Calibri" panose="020F0502020204030204" pitchFamily="34" charset="0"/>
+              </a:rPr>
+              <a:t>Проект готов к дальнейшему сопровождению и масштабированию.</a:t>
+            </a:r>
+            <a:br>
+              <a:rPr lang="ru-RU" sz="1800" dirty="0">
+                <a:effectLst/>
+                <a:latin typeface="Times New Roman" panose="02020603050405020304" pitchFamily="18" charset="0"/>
+                <a:ea typeface="Calibri" panose="020F0502020204030204" pitchFamily="34" charset="0"/>
+              </a:rPr>
+            </a:br>
+            <a:r>
+              <a:rPr lang="ru-RU" sz="1800" dirty="0">
+                <a:effectLst/>
+                <a:latin typeface="Times New Roman" panose="02020603050405020304" pitchFamily="18" charset="0"/>
+                <a:ea typeface="Calibri" panose="020F0502020204030204" pitchFamily="34" charset="0"/>
+              </a:rPr>
+              <a:t>Благодарю за внимание, готов ответить на ваши вопросы.</a:t>
+            </a:r>
+          </a:p>
+          <a:p>
+            <a:r>
+              <a:rPr lang="ru-RU" sz="1800" i="1" dirty="0">
+                <a:effectLst/>
+                <a:latin typeface="Times New Roman" panose="02020603050405020304" pitchFamily="18" charset="0"/>
+              </a:rPr>
+              <a:t>(Обратно на слайд с веб-сайтом)</a:t>
+            </a:r>
+            <a:endParaRPr lang="ru-RU" i="1" dirty="0"/>
+          </a:p>
+        </p:txBody>
+      </p:sp>
+      <p:sp>
+        <p:nvSpPr>
+          <p:cNvPr id="4" name="Номер слайда 3"/>
+          <p:cNvSpPr>
+            <a:spLocks noGrp="1"/>
+          </p:cNvSpPr>
+          <p:nvPr>
+            <p:ph type="sldNum" sz="quarter" idx="5"/>
+          </p:nvPr>
+        </p:nvSpPr>
+        <p:spPr/>
+        <p:txBody>
+          <a:bodyPr/>
+          <a:lstStyle/>
+          <a:p>
+            <a:fld id="{2784CFAC-717A-4B46-8D0C-4BBA4D435472}" type="slidenum">
+              <a:rPr lang="ru-RU" smtClean="0"/>
+              <a:t>15</a:t>
+            </a:fld>
+            <a:endParaRPr lang="ru-RU"/>
+          </a:p>
+        </p:txBody>
+      </p:sp>
+    </p:spTree>
+    <p:extLst>
+      <p:ext uri="{BB962C8B-B14F-4D97-AF65-F5344CB8AC3E}">
+        <p14:creationId xmlns:p14="http://schemas.microsoft.com/office/powerpoint/2010/main" val="1761026"/>
+      </p:ext>
+    </p:extLst>
+  </p:cSld>
+  <p:clrMapOvr>
+    <a:masterClrMapping/>
+  </p:clrMapOvr>
+</p:notes>
+</file>
+
 <file path=ppt/notesSlides/notesSlide2.xml><?xml version="1.0" encoding="utf-8"?>
 <p:notes xmlns:a="http://schemas.openxmlformats.org/drawingml/2006/main" xmlns:r="http://schemas.openxmlformats.org/officeDocument/2006/relationships" xmlns:p="http://schemas.openxmlformats.org/presentationml/2006/main">
   <p:cSld>
@@ -1314,6 +2019,263 @@
           <a:bodyPr/>
           <a:lstStyle/>
           <a:p>
+            <a:r>
+              <a:rPr lang="ru-RU" sz="1800" dirty="0">
+                <a:effectLst/>
+                <a:latin typeface="Times New Roman" panose="02020603050405020304" pitchFamily="18" charset="0"/>
+                <a:ea typeface="Calibri" panose="020F0502020204030204" pitchFamily="34" charset="0"/>
+              </a:rPr>
+              <a:t>• </a:t>
+            </a:r>
+            <a:r>
+              <a:rPr lang="ru-RU" sz="1800" b="1" dirty="0">
+                <a:effectLst/>
+                <a:latin typeface="Times New Roman" panose="02020603050405020304" pitchFamily="18" charset="0"/>
+                <a:ea typeface="Calibri" panose="020F0502020204030204" pitchFamily="34" charset="0"/>
+                <a:cs typeface="Times New Roman" panose="02020603050405020304" pitchFamily="18" charset="0"/>
+              </a:rPr>
+              <a:t>Next.js 13</a:t>
+            </a:r>
+            <a:r>
+              <a:rPr lang="ru-RU" sz="1800" dirty="0">
+                <a:effectLst/>
+                <a:latin typeface="Times New Roman" panose="02020603050405020304" pitchFamily="18" charset="0"/>
+                <a:ea typeface="Calibri" panose="020F0502020204030204" pitchFamily="34" charset="0"/>
+              </a:rPr>
+              <a:t> с </a:t>
+            </a:r>
+            <a:r>
+              <a:rPr lang="ru-RU" sz="1800" dirty="0" err="1">
+                <a:effectLst/>
+                <a:latin typeface="Times New Roman" panose="02020603050405020304" pitchFamily="18" charset="0"/>
+                <a:ea typeface="Calibri" panose="020F0502020204030204" pitchFamily="34" charset="0"/>
+              </a:rPr>
+              <a:t>App</a:t>
+            </a:r>
+            <a:r>
+              <a:rPr lang="ru-RU" sz="1800" dirty="0">
+                <a:effectLst/>
+                <a:latin typeface="Times New Roman" panose="02020603050405020304" pitchFamily="18" charset="0"/>
+                <a:ea typeface="Calibri" panose="020F0502020204030204" pitchFamily="34" charset="0"/>
+              </a:rPr>
+              <a:t> </a:t>
+            </a:r>
+            <a:r>
+              <a:rPr lang="ru-RU" sz="1800" dirty="0" err="1">
+                <a:effectLst/>
+                <a:latin typeface="Times New Roman" panose="02020603050405020304" pitchFamily="18" charset="0"/>
+                <a:ea typeface="Calibri" panose="020F0502020204030204" pitchFamily="34" charset="0"/>
+              </a:rPr>
+              <a:t>Router</a:t>
+            </a:r>
+            <a:r>
+              <a:rPr lang="ru-RU" sz="1800" dirty="0">
+                <a:effectLst/>
+                <a:latin typeface="Times New Roman" panose="02020603050405020304" pitchFamily="18" charset="0"/>
+                <a:ea typeface="Calibri" panose="020F0502020204030204" pitchFamily="34" charset="0"/>
+              </a:rPr>
+              <a:t> для клиентской части.</a:t>
+            </a:r>
+            <a:br>
+              <a:rPr lang="ru-RU" sz="1800" dirty="0">
+                <a:effectLst/>
+                <a:latin typeface="Times New Roman" panose="02020603050405020304" pitchFamily="18" charset="0"/>
+                <a:ea typeface="Calibri" panose="020F0502020204030204" pitchFamily="34" charset="0"/>
+              </a:rPr>
+            </a:br>
+            <a:r>
+              <a:rPr lang="en-US" sz="1800" dirty="0">
+                <a:effectLst/>
+                <a:latin typeface="Times New Roman" panose="02020603050405020304" pitchFamily="18" charset="0"/>
+                <a:ea typeface="Calibri" panose="020F0502020204030204" pitchFamily="34" charset="0"/>
+              </a:rPr>
+              <a:t>- </a:t>
+            </a:r>
+            <a:r>
+              <a:rPr lang="en-US" sz="1800" b="1" dirty="0">
+                <a:effectLst/>
+                <a:latin typeface="Times New Roman" panose="02020603050405020304" pitchFamily="18" charset="0"/>
+                <a:ea typeface="Calibri" panose="020F0502020204030204" pitchFamily="34" charset="0"/>
+              </a:rPr>
+              <a:t>Next API</a:t>
+            </a:r>
+            <a:r>
+              <a:rPr lang="en-US" sz="1800" dirty="0">
+                <a:effectLst/>
+                <a:latin typeface="Times New Roman" panose="02020603050405020304" pitchFamily="18" charset="0"/>
+                <a:ea typeface="Calibri" panose="020F0502020204030204" pitchFamily="34" charset="0"/>
+              </a:rPr>
+              <a:t> - </a:t>
+            </a:r>
+            <a:r>
+              <a:rPr lang="ru-RU" sz="1800" dirty="0">
+                <a:effectLst/>
+                <a:latin typeface="Times New Roman" panose="02020603050405020304" pitchFamily="18" charset="0"/>
+                <a:ea typeface="Calibri" panose="020F0502020204030204" pitchFamily="34" charset="0"/>
+              </a:rPr>
+              <a:t>для серверной части</a:t>
+            </a:r>
+            <a:br>
+              <a:rPr lang="ru-RU" sz="1800" dirty="0">
+                <a:effectLst/>
+                <a:latin typeface="Times New Roman" panose="02020603050405020304" pitchFamily="18" charset="0"/>
+                <a:ea typeface="Calibri" panose="020F0502020204030204" pitchFamily="34" charset="0"/>
+              </a:rPr>
+            </a:br>
+            <a:r>
+              <a:rPr lang="ru-RU" sz="1800" dirty="0">
+                <a:effectLst/>
+                <a:latin typeface="Times New Roman" panose="02020603050405020304" pitchFamily="18" charset="0"/>
+                <a:ea typeface="Calibri" panose="020F0502020204030204" pitchFamily="34" charset="0"/>
+              </a:rPr>
+              <a:t>• В качестве </a:t>
+            </a:r>
+            <a:r>
+              <a:rPr lang="ru-RU" sz="1800" dirty="0" err="1">
+                <a:effectLst/>
+                <a:latin typeface="Times New Roman" panose="02020603050405020304" pitchFamily="18" charset="0"/>
+                <a:ea typeface="Calibri" panose="020F0502020204030204" pitchFamily="34" charset="0"/>
+              </a:rPr>
+              <a:t>инструментра</a:t>
+            </a:r>
+            <a:r>
+              <a:rPr lang="ru-RU" sz="1800" dirty="0">
+                <a:effectLst/>
+                <a:latin typeface="Times New Roman" panose="02020603050405020304" pitchFamily="18" charset="0"/>
+                <a:ea typeface="Calibri" panose="020F0502020204030204" pitchFamily="34" charset="0"/>
+              </a:rPr>
+              <a:t> для работы с </a:t>
+            </a:r>
+            <a:r>
+              <a:rPr lang="ru-RU" sz="1800" dirty="0" err="1">
+                <a:effectLst/>
+                <a:latin typeface="Times New Roman" panose="02020603050405020304" pitchFamily="18" charset="0"/>
+                <a:ea typeface="Calibri" panose="020F0502020204030204" pitchFamily="34" charset="0"/>
+              </a:rPr>
+              <a:t>бд</a:t>
+            </a:r>
+            <a:r>
+              <a:rPr lang="ru-RU" sz="1800" dirty="0">
+                <a:effectLst/>
+                <a:latin typeface="Times New Roman" panose="02020603050405020304" pitchFamily="18" charset="0"/>
+                <a:ea typeface="Calibri" panose="020F0502020204030204" pitchFamily="34" charset="0"/>
+              </a:rPr>
+              <a:t> - </a:t>
+            </a:r>
+            <a:r>
+              <a:rPr lang="ru-RU" sz="1800" b="1" dirty="0" err="1">
+                <a:effectLst/>
+                <a:latin typeface="Times New Roman" panose="02020603050405020304" pitchFamily="18" charset="0"/>
+                <a:ea typeface="Calibri" panose="020F0502020204030204" pitchFamily="34" charset="0"/>
+                <a:cs typeface="Times New Roman" panose="02020603050405020304" pitchFamily="18" charset="0"/>
+              </a:rPr>
+              <a:t>Prisma</a:t>
+            </a:r>
+            <a:r>
+              <a:rPr lang="ru-RU" sz="1800" b="1" dirty="0">
+                <a:effectLst/>
+                <a:latin typeface="Times New Roman" panose="02020603050405020304" pitchFamily="18" charset="0"/>
+                <a:ea typeface="Calibri" panose="020F0502020204030204" pitchFamily="34" charset="0"/>
+                <a:cs typeface="Times New Roman" panose="02020603050405020304" pitchFamily="18" charset="0"/>
+              </a:rPr>
+              <a:t> ORM</a:t>
+            </a:r>
+            <a:r>
+              <a:rPr lang="ru-RU" sz="1800" dirty="0">
+                <a:effectLst/>
+                <a:latin typeface="Times New Roman" panose="02020603050405020304" pitchFamily="18" charset="0"/>
+                <a:ea typeface="Calibri" panose="020F0502020204030204" pitchFamily="34" charset="0"/>
+              </a:rPr>
+              <a:t>.</a:t>
+            </a:r>
+            <a:br>
+              <a:rPr lang="ru-RU" sz="1800" dirty="0">
+                <a:effectLst/>
+                <a:latin typeface="Times New Roman" panose="02020603050405020304" pitchFamily="18" charset="0"/>
+                <a:ea typeface="Calibri" panose="020F0502020204030204" pitchFamily="34" charset="0"/>
+              </a:rPr>
+            </a:br>
+            <a:r>
+              <a:rPr lang="ru-RU" sz="1800" dirty="0">
+                <a:effectLst/>
+                <a:latin typeface="Times New Roman" panose="02020603050405020304" pitchFamily="18" charset="0"/>
+                <a:ea typeface="Calibri" panose="020F0502020204030204" pitchFamily="34" charset="0"/>
+              </a:rPr>
+              <a:t>• </a:t>
+            </a:r>
+            <a:r>
+              <a:rPr lang="ru-RU" sz="1800" b="1" dirty="0">
+                <a:effectLst/>
+                <a:latin typeface="Times New Roman" panose="02020603050405020304" pitchFamily="18" charset="0"/>
+                <a:ea typeface="Calibri" panose="020F0502020204030204" pitchFamily="34" charset="0"/>
+                <a:cs typeface="Times New Roman" panose="02020603050405020304" pitchFamily="18" charset="0"/>
+              </a:rPr>
+              <a:t>NextAuth.js</a:t>
+            </a:r>
+            <a:r>
+              <a:rPr lang="ru-RU" sz="1800" dirty="0">
+                <a:effectLst/>
+                <a:latin typeface="Times New Roman" panose="02020603050405020304" pitchFamily="18" charset="0"/>
+                <a:ea typeface="Calibri" panose="020F0502020204030204" pitchFamily="34" charset="0"/>
+              </a:rPr>
+              <a:t> для аутентификации.</a:t>
+            </a:r>
+            <a:br>
+              <a:rPr lang="ru-RU" sz="1800" dirty="0">
+                <a:effectLst/>
+                <a:latin typeface="Times New Roman" panose="02020603050405020304" pitchFamily="18" charset="0"/>
+                <a:ea typeface="Calibri" panose="020F0502020204030204" pitchFamily="34" charset="0"/>
+              </a:rPr>
+            </a:br>
+            <a:r>
+              <a:rPr lang="ru-RU" sz="1800" dirty="0">
+                <a:effectLst/>
+                <a:latin typeface="Times New Roman" panose="02020603050405020304" pitchFamily="18" charset="0"/>
+                <a:ea typeface="Calibri" panose="020F0502020204030204" pitchFamily="34" charset="0"/>
+              </a:rPr>
+              <a:t>• </a:t>
+            </a:r>
+            <a:r>
+              <a:rPr lang="ru-RU" sz="1800" b="1" dirty="0" err="1">
+                <a:effectLst/>
+                <a:latin typeface="Times New Roman" panose="02020603050405020304" pitchFamily="18" charset="0"/>
+                <a:ea typeface="Calibri" panose="020F0502020204030204" pitchFamily="34" charset="0"/>
+                <a:cs typeface="Times New Roman" panose="02020603050405020304" pitchFamily="18" charset="0"/>
+              </a:rPr>
+              <a:t>Tailwind</a:t>
+            </a:r>
+            <a:r>
+              <a:rPr lang="ru-RU" sz="1800" b="1" dirty="0">
+                <a:effectLst/>
+                <a:latin typeface="Times New Roman" panose="02020603050405020304" pitchFamily="18" charset="0"/>
+                <a:ea typeface="Calibri" panose="020F0502020204030204" pitchFamily="34" charset="0"/>
+                <a:cs typeface="Times New Roman" panose="02020603050405020304" pitchFamily="18" charset="0"/>
+              </a:rPr>
+              <a:t> CSS</a:t>
+            </a:r>
+            <a:r>
+              <a:rPr lang="ru-RU" sz="1800" dirty="0">
+                <a:effectLst/>
+                <a:latin typeface="Times New Roman" panose="02020603050405020304" pitchFamily="18" charset="0"/>
+                <a:ea typeface="Calibri" panose="020F0502020204030204" pitchFamily="34" charset="0"/>
+              </a:rPr>
+              <a:t> —CSS‑фреймворк для стилизации.</a:t>
+            </a:r>
+            <a:br>
+              <a:rPr lang="ru-RU" sz="1800" dirty="0">
+                <a:effectLst/>
+                <a:latin typeface="Times New Roman" panose="02020603050405020304" pitchFamily="18" charset="0"/>
+                <a:ea typeface="Calibri" panose="020F0502020204030204" pitchFamily="34" charset="0"/>
+              </a:rPr>
+            </a:br>
+            <a:r>
+              <a:rPr lang="ru-RU" sz="1800" dirty="0">
+                <a:effectLst/>
+                <a:latin typeface="Times New Roman" panose="02020603050405020304" pitchFamily="18" charset="0"/>
+                <a:ea typeface="Calibri" panose="020F0502020204030204" pitchFamily="34" charset="0"/>
+              </a:rPr>
+              <a:t>Такой набор технологий обеспечивает производительность, безопасность и SEO‑оптимизацию.</a:t>
+            </a:r>
             <a:endParaRPr lang="ru-RU" dirty="0"/>
           </a:p>
         </p:txBody>
@@ -1344,7 +2306,459 @@
     </p:spTree>
     <p:extLst>
       <p:ext uri="{BB962C8B-B14F-4D97-AF65-F5344CB8AC3E}">
-        <p14:creationId xmlns:p14="http://schemas.microsoft.com/office/powerpoint/2010/main" val="2083916765"/>
+        <p14:creationId xmlns:p14="http://schemas.microsoft.com/office/powerpoint/2010/main" val="2768787386"/>
+      </p:ext>
+    </p:extLst>
+  </p:cSld>
+  <p:clrMapOvr>
+    <a:masterClrMapping/>
+  </p:clrMapOvr>
+</p:notes>
+</file>
+
+<file path=ppt/notesSlides/notesSlide7.xml><?xml version="1.0" encoding="utf-8"?>
+<p:notes xmlns:a="http://schemas.openxmlformats.org/drawingml/2006/main" xmlns:r="http://schemas.openxmlformats.org/officeDocument/2006/relationships" xmlns:p="http://schemas.openxmlformats.org/presentationml/2006/main">
+  <p:cSld>
+    <p:spTree>
+      <p:nvGrpSpPr>
+        <p:cNvPr id="1" name=""/>
+        <p:cNvGrpSpPr/>
+        <p:nvPr/>
+      </p:nvGrpSpPr>
+      <p:grpSpPr>
+        <a:xfrm>
+          <a:off x="0" y="0"/>
+          <a:ext cx="0" cy="0"/>
+          <a:chOff x="0" y="0"/>
+          <a:chExt cx="0" cy="0"/>
+        </a:xfrm>
+      </p:grpSpPr>
+      <p:sp>
+        <p:nvSpPr>
+          <p:cNvPr id="2" name="Образ слайда 1"/>
+          <p:cNvSpPr>
+            <a:spLocks noGrp="1" noRot="1" noChangeAspect="1"/>
+          </p:cNvSpPr>
+          <p:nvPr>
+            <p:ph type="sldImg"/>
+          </p:nvPr>
+        </p:nvSpPr>
+        <p:spPr/>
+      </p:sp>
+      <p:sp>
+        <p:nvSpPr>
+          <p:cNvPr id="3" name="Заметки 2"/>
+          <p:cNvSpPr>
+            <a:spLocks noGrp="1"/>
+          </p:cNvSpPr>
+          <p:nvPr>
+            <p:ph type="body" idx="1"/>
+          </p:nvPr>
+        </p:nvSpPr>
+        <p:spPr/>
+        <p:txBody>
+          <a:bodyPr/>
+          <a:lstStyle/>
+          <a:p>
+            <a:r>
+              <a:rPr lang="ru-RU" sz="1800" dirty="0">
+                <a:effectLst/>
+                <a:latin typeface="Times New Roman" panose="02020603050405020304" pitchFamily="18" charset="0"/>
+                <a:ea typeface="Calibri" panose="020F0502020204030204" pitchFamily="34" charset="0"/>
+              </a:rPr>
+              <a:t>На данном слайде вы можете видеть самые популярные среды разработки. После анализа их преимуществ был выбран </a:t>
+            </a:r>
+            <a:r>
+              <a:rPr lang="en-US" sz="1800" dirty="0">
+                <a:effectLst/>
+                <a:latin typeface="Times New Roman" panose="02020603050405020304" pitchFamily="18" charset="0"/>
+                <a:ea typeface="Calibri" panose="020F0502020204030204" pitchFamily="34" charset="0"/>
+              </a:rPr>
+              <a:t>Trae IDE, </a:t>
+            </a:r>
+            <a:r>
+              <a:rPr lang="ru-RU" sz="1800" dirty="0">
+                <a:effectLst/>
+                <a:latin typeface="Times New Roman" panose="02020603050405020304" pitchFamily="18" charset="0"/>
+                <a:ea typeface="Calibri" panose="020F0502020204030204" pitchFamily="34" charset="0"/>
+              </a:rPr>
+              <a:t>так как он</a:t>
+            </a:r>
+            <a:r>
+              <a:rPr lang="en-US" sz="1800" dirty="0">
+                <a:effectLst/>
+                <a:latin typeface="Times New Roman" panose="02020603050405020304" pitchFamily="18" charset="0"/>
+                <a:ea typeface="Calibri" panose="020F0502020204030204" pitchFamily="34" charset="0"/>
+              </a:rPr>
+              <a:t> </a:t>
+            </a:r>
+            <a:r>
+              <a:rPr lang="en-US" sz="1800" dirty="0" err="1">
+                <a:effectLst/>
+                <a:latin typeface="Times New Roman" panose="02020603050405020304" pitchFamily="18" charset="0"/>
+                <a:ea typeface="Calibri" panose="020F0502020204030204" pitchFamily="34" charset="0"/>
+              </a:rPr>
+              <a:t>специально</a:t>
+            </a:r>
+            <a:r>
+              <a:rPr lang="en-US" sz="1800" dirty="0">
+                <a:effectLst/>
+                <a:latin typeface="Times New Roman" panose="02020603050405020304" pitchFamily="18" charset="0"/>
+                <a:ea typeface="Calibri" panose="020F0502020204030204" pitchFamily="34" charset="0"/>
+              </a:rPr>
+              <a:t> </a:t>
+            </a:r>
+            <a:r>
+              <a:rPr lang="en-US" sz="1800" dirty="0" err="1">
+                <a:effectLst/>
+                <a:latin typeface="Times New Roman" panose="02020603050405020304" pitchFamily="18" charset="0"/>
+                <a:ea typeface="Calibri" panose="020F0502020204030204" pitchFamily="34" charset="0"/>
+              </a:rPr>
+              <a:t>создан</a:t>
+            </a:r>
+            <a:r>
+              <a:rPr lang="en-US" sz="1800" dirty="0">
+                <a:effectLst/>
+                <a:latin typeface="Times New Roman" panose="02020603050405020304" pitchFamily="18" charset="0"/>
+                <a:ea typeface="Calibri" panose="020F0502020204030204" pitchFamily="34" charset="0"/>
+              </a:rPr>
+              <a:t> </a:t>
+            </a:r>
+            <a:r>
+              <a:rPr lang="en-US" sz="1800" dirty="0" err="1">
+                <a:effectLst/>
+                <a:latin typeface="Times New Roman" panose="02020603050405020304" pitchFamily="18" charset="0"/>
+                <a:ea typeface="Calibri" panose="020F0502020204030204" pitchFamily="34" charset="0"/>
+              </a:rPr>
+              <a:t>для</a:t>
+            </a:r>
+            <a:r>
+              <a:rPr lang="en-US" sz="1800" dirty="0">
+                <a:effectLst/>
+                <a:latin typeface="Times New Roman" panose="02020603050405020304" pitchFamily="18" charset="0"/>
+                <a:ea typeface="Calibri" panose="020F0502020204030204" pitchFamily="34" charset="0"/>
+              </a:rPr>
+              <a:t> </a:t>
+            </a:r>
+            <a:r>
+              <a:rPr lang="en-US" sz="1800" dirty="0" err="1">
+                <a:effectLst/>
+                <a:latin typeface="Times New Roman" panose="02020603050405020304" pitchFamily="18" charset="0"/>
+                <a:ea typeface="Calibri" panose="020F0502020204030204" pitchFamily="34" charset="0"/>
+              </a:rPr>
+              <a:t>веб‑разработки</a:t>
+            </a:r>
+            <a:r>
+              <a:rPr lang="en-US" sz="1800" dirty="0">
+                <a:effectLst/>
+                <a:latin typeface="Times New Roman" panose="02020603050405020304" pitchFamily="18" charset="0"/>
+                <a:ea typeface="Calibri" panose="020F0502020204030204" pitchFamily="34" charset="0"/>
+              </a:rPr>
+              <a:t> и </a:t>
+            </a:r>
+            <a:r>
+              <a:rPr lang="ru-RU" sz="1800" dirty="0">
+                <a:effectLst/>
+                <a:latin typeface="Times New Roman" panose="02020603050405020304" pitchFamily="18" charset="0"/>
+                <a:ea typeface="Calibri" panose="020F0502020204030204" pitchFamily="34" charset="0"/>
+              </a:rPr>
+              <a:t>он </a:t>
+            </a:r>
+            <a:r>
+              <a:rPr lang="en-US" sz="1800" dirty="0" err="1">
+                <a:effectLst/>
+                <a:latin typeface="Times New Roman" panose="02020603050405020304" pitchFamily="18" charset="0"/>
+                <a:ea typeface="Calibri" panose="020F0502020204030204" pitchFamily="34" charset="0"/>
+              </a:rPr>
+              <a:t>работает</a:t>
+            </a:r>
+            <a:r>
+              <a:rPr lang="en-US" sz="1800" dirty="0">
+                <a:effectLst/>
+                <a:latin typeface="Times New Roman" panose="02020603050405020304" pitchFamily="18" charset="0"/>
+                <a:ea typeface="Calibri" panose="020F0502020204030204" pitchFamily="34" charset="0"/>
+              </a:rPr>
+              <a:t> с </a:t>
+            </a:r>
+            <a:r>
+              <a:rPr lang="en-US" sz="1800" dirty="0" err="1">
+                <a:effectLst/>
+                <a:latin typeface="Times New Roman" panose="02020603050405020304" pitchFamily="18" charset="0"/>
+                <a:ea typeface="Calibri" panose="020F0502020204030204" pitchFamily="34" charset="0"/>
+              </a:rPr>
+              <a:t>современными</a:t>
+            </a:r>
+            <a:r>
+              <a:rPr lang="en-US" sz="1800" dirty="0">
+                <a:effectLst/>
+                <a:latin typeface="Times New Roman" panose="02020603050405020304" pitchFamily="18" charset="0"/>
+                <a:ea typeface="Calibri" panose="020F0502020204030204" pitchFamily="34" charset="0"/>
+              </a:rPr>
+              <a:t> </a:t>
+            </a:r>
+            <a:r>
+              <a:rPr lang="en-US" sz="1800" dirty="0" err="1">
+                <a:effectLst/>
+                <a:latin typeface="Times New Roman" panose="02020603050405020304" pitchFamily="18" charset="0"/>
+                <a:ea typeface="Calibri" panose="020F0502020204030204" pitchFamily="34" charset="0"/>
+              </a:rPr>
+              <a:t>технологиями</a:t>
+            </a:r>
+            <a:r>
+              <a:rPr lang="en-US" sz="1800" dirty="0">
+                <a:effectLst/>
+                <a:latin typeface="Times New Roman" panose="02020603050405020304" pitchFamily="18" charset="0"/>
+                <a:ea typeface="Calibri" panose="020F0502020204030204" pitchFamily="34" charset="0"/>
+              </a:rPr>
+              <a:t>, </a:t>
+            </a:r>
+            <a:r>
+              <a:rPr lang="en-US" sz="1800" dirty="0" err="1">
+                <a:effectLst/>
+                <a:latin typeface="Times New Roman" panose="02020603050405020304" pitchFamily="18" charset="0"/>
+                <a:ea typeface="Calibri" panose="020F0502020204030204" pitchFamily="34" charset="0"/>
+              </a:rPr>
+              <a:t>такими</a:t>
+            </a:r>
+            <a:r>
+              <a:rPr lang="en-US" sz="1800" dirty="0">
+                <a:effectLst/>
+                <a:latin typeface="Times New Roman" panose="02020603050405020304" pitchFamily="18" charset="0"/>
+                <a:ea typeface="Calibri" panose="020F0502020204030204" pitchFamily="34" charset="0"/>
+              </a:rPr>
+              <a:t> </a:t>
+            </a:r>
+            <a:r>
+              <a:rPr lang="en-US" sz="1800" dirty="0" err="1">
+                <a:effectLst/>
+                <a:latin typeface="Times New Roman" panose="02020603050405020304" pitchFamily="18" charset="0"/>
+                <a:ea typeface="Calibri" panose="020F0502020204030204" pitchFamily="34" charset="0"/>
+              </a:rPr>
+              <a:t>как</a:t>
+            </a:r>
+            <a:r>
+              <a:rPr lang="en-US" sz="1800" dirty="0">
+                <a:effectLst/>
+                <a:latin typeface="Times New Roman" panose="02020603050405020304" pitchFamily="18" charset="0"/>
+                <a:ea typeface="Calibri" panose="020F0502020204030204" pitchFamily="34" charset="0"/>
+              </a:rPr>
+              <a:t> Next.js и Tailwind CSS</a:t>
+            </a:r>
+            <a:endParaRPr lang="ru-RU" dirty="0"/>
+          </a:p>
+        </p:txBody>
+      </p:sp>
+      <p:sp>
+        <p:nvSpPr>
+          <p:cNvPr id="4" name="Номер слайда 3"/>
+          <p:cNvSpPr>
+            <a:spLocks noGrp="1"/>
+          </p:cNvSpPr>
+          <p:nvPr>
+            <p:ph type="sldNum" sz="quarter" idx="5"/>
+          </p:nvPr>
+        </p:nvSpPr>
+        <p:spPr/>
+        <p:txBody>
+          <a:bodyPr/>
+          <a:lstStyle/>
+          <a:p>
+            <a:fld id="{2784CFAC-717A-4B46-8D0C-4BBA4D435472}" type="slidenum">
+              <a:rPr lang="ru-RU" smtClean="0"/>
+              <a:t>7</a:t>
+            </a:fld>
+            <a:endParaRPr lang="ru-RU"/>
+          </a:p>
+        </p:txBody>
+      </p:sp>
+    </p:spTree>
+    <p:extLst>
+      <p:ext uri="{BB962C8B-B14F-4D97-AF65-F5344CB8AC3E}">
+        <p14:creationId xmlns:p14="http://schemas.microsoft.com/office/powerpoint/2010/main" val="138491341"/>
+      </p:ext>
+    </p:extLst>
+  </p:cSld>
+  <p:clrMapOvr>
+    <a:masterClrMapping/>
+  </p:clrMapOvr>
+</p:notes>
+</file>
+
+<file path=ppt/notesSlides/notesSlide8.xml><?xml version="1.0" encoding="utf-8"?>
+<p:notes xmlns:a="http://schemas.openxmlformats.org/drawingml/2006/main" xmlns:r="http://schemas.openxmlformats.org/officeDocument/2006/relationships" xmlns:p="http://schemas.openxmlformats.org/presentationml/2006/main">
+  <p:cSld>
+    <p:spTree>
+      <p:nvGrpSpPr>
+        <p:cNvPr id="1" name=""/>
+        <p:cNvGrpSpPr/>
+        <p:nvPr/>
+      </p:nvGrpSpPr>
+      <p:grpSpPr>
+        <a:xfrm>
+          <a:off x="0" y="0"/>
+          <a:ext cx="0" cy="0"/>
+          <a:chOff x="0" y="0"/>
+          <a:chExt cx="0" cy="0"/>
+        </a:xfrm>
+      </p:grpSpPr>
+      <p:sp>
+        <p:nvSpPr>
+          <p:cNvPr id="2" name="Образ слайда 1"/>
+          <p:cNvSpPr>
+            <a:spLocks noGrp="1" noRot="1" noChangeAspect="1"/>
+          </p:cNvSpPr>
+          <p:nvPr>
+            <p:ph type="sldImg"/>
+          </p:nvPr>
+        </p:nvSpPr>
+        <p:spPr/>
+      </p:sp>
+      <p:sp>
+        <p:nvSpPr>
+          <p:cNvPr id="3" name="Заметки 2"/>
+          <p:cNvSpPr>
+            <a:spLocks noGrp="1"/>
+          </p:cNvSpPr>
+          <p:nvPr>
+            <p:ph type="body" idx="1"/>
+          </p:nvPr>
+        </p:nvSpPr>
+        <p:spPr/>
+        <p:txBody>
+          <a:bodyPr/>
+          <a:lstStyle/>
+          <a:p>
+            <a:r>
+              <a:rPr lang="ru-RU" sz="1800" dirty="0">
+                <a:effectLst/>
+                <a:latin typeface="Times New Roman" panose="02020603050405020304" pitchFamily="18" charset="0"/>
+                <a:ea typeface="Calibri" panose="020F0502020204030204" pitchFamily="34" charset="0"/>
+              </a:rPr>
+              <a:t>Для начала разработки потребовалось сформировать варианты дизайна для выборки наилучшего, их вы можете видеть на экране</a:t>
+            </a:r>
+            <a:endParaRPr lang="ru-RU" dirty="0"/>
+          </a:p>
+        </p:txBody>
+      </p:sp>
+      <p:sp>
+        <p:nvSpPr>
+          <p:cNvPr id="4" name="Номер слайда 3"/>
+          <p:cNvSpPr>
+            <a:spLocks noGrp="1"/>
+          </p:cNvSpPr>
+          <p:nvPr>
+            <p:ph type="sldNum" sz="quarter" idx="5"/>
+          </p:nvPr>
+        </p:nvSpPr>
+        <p:spPr/>
+        <p:txBody>
+          <a:bodyPr/>
+          <a:lstStyle/>
+          <a:p>
+            <a:fld id="{2784CFAC-717A-4B46-8D0C-4BBA4D435472}" type="slidenum">
+              <a:rPr lang="ru-RU" smtClean="0"/>
+              <a:t>8</a:t>
+            </a:fld>
+            <a:endParaRPr lang="ru-RU"/>
+          </a:p>
+        </p:txBody>
+      </p:sp>
+    </p:spTree>
+    <p:extLst>
+      <p:ext uri="{BB962C8B-B14F-4D97-AF65-F5344CB8AC3E}">
+        <p14:creationId xmlns:p14="http://schemas.microsoft.com/office/powerpoint/2010/main" val="1137489819"/>
+      </p:ext>
+    </p:extLst>
+  </p:cSld>
+  <p:clrMapOvr>
+    <a:masterClrMapping/>
+  </p:clrMapOvr>
+</p:notes>
+</file>
+
+<file path=ppt/notesSlides/notesSlide9.xml><?xml version="1.0" encoding="utf-8"?>
+<p:notes xmlns:a="http://schemas.openxmlformats.org/drawingml/2006/main" xmlns:r="http://schemas.openxmlformats.org/officeDocument/2006/relationships" xmlns:p="http://schemas.openxmlformats.org/presentationml/2006/main">
+  <p:cSld>
+    <p:spTree>
+      <p:nvGrpSpPr>
+        <p:cNvPr id="1" name=""/>
+        <p:cNvGrpSpPr/>
+        <p:nvPr/>
+      </p:nvGrpSpPr>
+      <p:grpSpPr>
+        <a:xfrm>
+          <a:off x="0" y="0"/>
+          <a:ext cx="0" cy="0"/>
+          <a:chOff x="0" y="0"/>
+          <a:chExt cx="0" cy="0"/>
+        </a:xfrm>
+      </p:grpSpPr>
+      <p:sp>
+        <p:nvSpPr>
+          <p:cNvPr id="2" name="Образ слайда 1"/>
+          <p:cNvSpPr>
+            <a:spLocks noGrp="1" noRot="1" noChangeAspect="1"/>
+          </p:cNvSpPr>
+          <p:nvPr>
+            <p:ph type="sldImg"/>
+          </p:nvPr>
+        </p:nvSpPr>
+        <p:spPr/>
+      </p:sp>
+      <p:sp>
+        <p:nvSpPr>
+          <p:cNvPr id="3" name="Заметки 2"/>
+          <p:cNvSpPr>
+            <a:spLocks noGrp="1"/>
+          </p:cNvSpPr>
+          <p:nvPr>
+            <p:ph type="body" idx="1"/>
+          </p:nvPr>
+        </p:nvSpPr>
+        <p:spPr/>
+        <p:txBody>
+          <a:bodyPr/>
+          <a:lstStyle/>
+          <a:p>
+            <a:r>
+              <a:rPr lang="ru-RU" sz="1800" dirty="0">
+                <a:effectLst/>
+                <a:latin typeface="Times New Roman" panose="02020603050405020304" pitchFamily="18" charset="0"/>
+                <a:ea typeface="Calibri" panose="020F0502020204030204" pitchFamily="34" charset="0"/>
+              </a:rPr>
+              <a:t>В качестве основного цвета был выбран — глубокий синий с фиолетовым оттенком.</a:t>
+            </a:r>
+            <a:endParaRPr lang="ru-RU" dirty="0"/>
+          </a:p>
+        </p:txBody>
+      </p:sp>
+      <p:sp>
+        <p:nvSpPr>
+          <p:cNvPr id="4" name="Номер слайда 3"/>
+          <p:cNvSpPr>
+            <a:spLocks noGrp="1"/>
+          </p:cNvSpPr>
+          <p:nvPr>
+            <p:ph type="sldNum" sz="quarter" idx="5"/>
+          </p:nvPr>
+        </p:nvSpPr>
+        <p:spPr/>
+        <p:txBody>
+          <a:bodyPr/>
+          <a:lstStyle/>
+          <a:p>
+            <a:fld id="{2784CFAC-717A-4B46-8D0C-4BBA4D435472}" type="slidenum">
+              <a:rPr lang="ru-RU" smtClean="0"/>
+              <a:t>9</a:t>
+            </a:fld>
+            <a:endParaRPr lang="ru-RU"/>
+          </a:p>
+        </p:txBody>
+      </p:sp>
+    </p:spTree>
+    <p:extLst>
+      <p:ext uri="{BB962C8B-B14F-4D97-AF65-F5344CB8AC3E}">
+        <p14:creationId xmlns:p14="http://schemas.microsoft.com/office/powerpoint/2010/main" val="1481550939"/>
       </p:ext>
     </p:extLst>
   </p:cSld>
@@ -4848,6 +6262,728 @@
 </p:sld>
 </file>
 
+<file path=ppt/slides/slide10.xml><?xml version="1.0" encoding="utf-8"?>
+<p:sld xmlns:a="http://schemas.openxmlformats.org/drawingml/2006/main" xmlns:r="http://schemas.openxmlformats.org/officeDocument/2006/relationships" xmlns:p="http://schemas.openxmlformats.org/presentationml/2006/main">
+  <p:cSld>
+    <p:spTree>
+      <p:nvGrpSpPr>
+        <p:cNvPr id="1" name=""/>
+        <p:cNvGrpSpPr/>
+        <p:nvPr/>
+      </p:nvGrpSpPr>
+      <p:grpSpPr>
+        <a:xfrm>
+          <a:off x="0" y="0"/>
+          <a:ext cx="0" cy="0"/>
+          <a:chOff x="0" y="0"/>
+          <a:chExt cx="0" cy="0"/>
+        </a:xfrm>
+      </p:grpSpPr>
+      <p:sp>
+        <p:nvSpPr>
+          <p:cNvPr id="2" name="Заголовок 1">
+            <a:extLst>
+              <a:ext uri="{FF2B5EF4-FFF2-40B4-BE49-F238E27FC236}">
+                <a16:creationId xmlns:a16="http://schemas.microsoft.com/office/drawing/2014/main" id="{12CF625C-6495-41E5-8C78-E72C76DAFC9A}"/>
+              </a:ext>
+            </a:extLst>
+          </p:cNvPr>
+          <p:cNvSpPr>
+            <a:spLocks noGrp="1"/>
+          </p:cNvSpPr>
+          <p:nvPr>
+            <p:ph type="title"/>
+          </p:nvPr>
+        </p:nvSpPr>
+        <p:spPr>
+          <a:xfrm>
+            <a:off x="838200" y="316488"/>
+            <a:ext cx="10515600" cy="870288"/>
+          </a:xfrm>
+        </p:spPr>
+        <p:txBody>
+          <a:bodyPr>
+            <a:normAutofit/>
+          </a:bodyPr>
+          <a:lstStyle/>
+          <a:p>
+            <a:r>
+              <a:rPr lang="ru-RU" sz="3800" dirty="0"/>
+              <a:t>Продукт</a:t>
+            </a:r>
+          </a:p>
+        </p:txBody>
+      </p:sp>
+      <p:pic>
+        <p:nvPicPr>
+          <p:cNvPr id="4" name="Рисунок 3">
+            <a:hlinkClick r:id="rId3"/>
+            <a:extLst>
+              <a:ext uri="{FF2B5EF4-FFF2-40B4-BE49-F238E27FC236}">
+                <a16:creationId xmlns:a16="http://schemas.microsoft.com/office/drawing/2014/main" id="{2D848C5B-0A66-44A5-B7AC-825D5DCE2C3C}"/>
+              </a:ext>
+            </a:extLst>
+          </p:cNvPr>
+          <p:cNvPicPr>
+            <a:picLocks noChangeAspect="1"/>
+          </p:cNvPicPr>
+          <p:nvPr/>
+        </p:nvPicPr>
+        <p:blipFill>
+          <a:blip r:embed="rId4"/>
+          <a:stretch>
+            <a:fillRect/>
+          </a:stretch>
+        </p:blipFill>
+        <p:spPr>
+          <a:xfrm>
+            <a:off x="834338" y="1356968"/>
+            <a:ext cx="10519462" cy="5122759"/>
+          </a:xfrm>
+          <a:prstGeom prst="roundRect">
+            <a:avLst>
+              <a:gd name="adj" fmla="val 2918"/>
+            </a:avLst>
+          </a:prstGeom>
+          <a:ln w="28575">
+            <a:solidFill>
+              <a:srgbClr val="4438CA"/>
+            </a:solidFill>
+          </a:ln>
+        </p:spPr>
+      </p:pic>
+    </p:spTree>
+    <p:extLst>
+      <p:ext uri="{BB962C8B-B14F-4D97-AF65-F5344CB8AC3E}">
+        <p14:creationId xmlns:p14="http://schemas.microsoft.com/office/powerpoint/2010/main" val="631252363"/>
+      </p:ext>
+    </p:extLst>
+  </p:cSld>
+  <p:clrMapOvr>
+    <a:masterClrMapping/>
+  </p:clrMapOvr>
+</p:sld>
+</file>
+
+<file path=ppt/slides/slide11.xml><?xml version="1.0" encoding="utf-8"?>
+<p:sld xmlns:a="http://schemas.openxmlformats.org/drawingml/2006/main" xmlns:r="http://schemas.openxmlformats.org/officeDocument/2006/relationships" xmlns:p="http://schemas.openxmlformats.org/presentationml/2006/main">
+  <p:cSld>
+    <p:spTree>
+      <p:nvGrpSpPr>
+        <p:cNvPr id="1" name=""/>
+        <p:cNvGrpSpPr/>
+        <p:nvPr/>
+      </p:nvGrpSpPr>
+      <p:grpSpPr>
+        <a:xfrm>
+          <a:off x="0" y="0"/>
+          <a:ext cx="0" cy="0"/>
+          <a:chOff x="0" y="0"/>
+          <a:chExt cx="0" cy="0"/>
+        </a:xfrm>
+      </p:grpSpPr>
+      <p:sp>
+        <p:nvSpPr>
+          <p:cNvPr id="2" name="Заголовок 1">
+            <a:extLst>
+              <a:ext uri="{FF2B5EF4-FFF2-40B4-BE49-F238E27FC236}">
+                <a16:creationId xmlns:a16="http://schemas.microsoft.com/office/drawing/2014/main" id="{12CF625C-6495-41E5-8C78-E72C76DAFC9A}"/>
+              </a:ext>
+            </a:extLst>
+          </p:cNvPr>
+          <p:cNvSpPr>
+            <a:spLocks noGrp="1"/>
+          </p:cNvSpPr>
+          <p:nvPr>
+            <p:ph type="title"/>
+          </p:nvPr>
+        </p:nvSpPr>
+        <p:spPr>
+          <a:xfrm>
+            <a:off x="838200" y="217634"/>
+            <a:ext cx="10515600" cy="870288"/>
+          </a:xfrm>
+        </p:spPr>
+        <p:txBody>
+          <a:bodyPr>
+            <a:normAutofit/>
+          </a:bodyPr>
+          <a:lstStyle/>
+          <a:p>
+            <a:r>
+              <a:rPr lang="ru-RU" sz="3800" dirty="0"/>
+              <a:t>Тестирование и аналитика</a:t>
+            </a:r>
+          </a:p>
+        </p:txBody>
+      </p:sp>
+      <p:grpSp>
+        <p:nvGrpSpPr>
+          <p:cNvPr id="8" name="Группа 7">
+            <a:extLst>
+              <a:ext uri="{FF2B5EF4-FFF2-40B4-BE49-F238E27FC236}">
+                <a16:creationId xmlns:a16="http://schemas.microsoft.com/office/drawing/2014/main" id="{8B5099EB-F5D9-48BA-AE3B-54D172D00507}"/>
+              </a:ext>
+            </a:extLst>
+          </p:cNvPr>
+          <p:cNvGrpSpPr/>
+          <p:nvPr/>
+        </p:nvGrpSpPr>
+        <p:grpSpPr>
+          <a:xfrm>
+            <a:off x="1981123" y="1871495"/>
+            <a:ext cx="8229754" cy="3115009"/>
+            <a:chOff x="1981123" y="2184623"/>
+            <a:chExt cx="8229754" cy="3115009"/>
+          </a:xfrm>
+        </p:grpSpPr>
+        <p:pic>
+          <p:nvPicPr>
+            <p:cNvPr id="5" name="Рисунок 4" descr="How To Test Python Exception Handling Using Pytest Assert (A Simple Guide)  | Pytest with Eric">
+              <a:extLst>
+                <a:ext uri="{FF2B5EF4-FFF2-40B4-BE49-F238E27FC236}">
+                  <a16:creationId xmlns:a16="http://schemas.microsoft.com/office/drawing/2014/main" id="{191F86F9-9421-4844-B768-FECB2F60FB9D}"/>
+                </a:ext>
+              </a:extLst>
+            </p:cNvPr>
+            <p:cNvPicPr/>
+            <p:nvPr/>
+          </p:nvPicPr>
+          <p:blipFill rotWithShape="1">
+            <a:blip r:embed="rId3">
+              <a:extLst>
+                <a:ext uri="{28A0092B-C50C-407E-A947-70E740481C1C}">
+                  <a14:useLocalDpi xmlns:a14="http://schemas.microsoft.com/office/drawing/2010/main" val="0"/>
+                </a:ext>
+              </a:extLst>
+            </a:blip>
+            <a:srcRect t="9310"/>
+            <a:stretch/>
+          </p:blipFill>
+          <p:spPr bwMode="auto">
+            <a:xfrm>
+              <a:off x="1981123" y="2981831"/>
+              <a:ext cx="8229754" cy="2317801"/>
+            </a:xfrm>
+            <a:prstGeom prst="rect">
+              <a:avLst/>
+            </a:prstGeom>
+            <a:noFill/>
+            <a:ln>
+              <a:noFill/>
+            </a:ln>
+            <a:extLst>
+              <a:ext uri="{53640926-AAD7-44D8-BBD7-CCE9431645EC}">
+                <a14:shadowObscured xmlns:a14="http://schemas.microsoft.com/office/drawing/2010/main"/>
+              </a:ext>
+            </a:extLst>
+          </p:spPr>
+        </p:pic>
+        <p:sp>
+          <p:nvSpPr>
+            <p:cNvPr id="3" name="TextBox 2">
+              <a:extLst>
+                <a:ext uri="{FF2B5EF4-FFF2-40B4-BE49-F238E27FC236}">
+                  <a16:creationId xmlns:a16="http://schemas.microsoft.com/office/drawing/2014/main" id="{A71123DD-284B-4A34-94B2-4D5AD7E0E2CE}"/>
+                </a:ext>
+              </a:extLst>
+            </p:cNvPr>
+            <p:cNvSpPr txBox="1"/>
+            <p:nvPr/>
+          </p:nvSpPr>
+          <p:spPr>
+            <a:xfrm>
+              <a:off x="4118919" y="2184623"/>
+              <a:ext cx="3954162" cy="461665"/>
+            </a:xfrm>
+            <a:prstGeom prst="rect">
+              <a:avLst/>
+            </a:prstGeom>
+            <a:noFill/>
+          </p:spPr>
+          <p:txBody>
+            <a:bodyPr wrap="square" rtlCol="0">
+              <a:spAutoFit/>
+            </a:bodyPr>
+            <a:lstStyle/>
+            <a:p>
+              <a:pPr algn="ctr"/>
+              <a:r>
+                <a:rPr lang="en-US" sz="2400" dirty="0" err="1"/>
+                <a:t>Pytest</a:t>
+              </a:r>
+              <a:r>
+                <a:rPr lang="en-US" sz="2400" dirty="0"/>
+                <a:t> + Selenium</a:t>
+              </a:r>
+              <a:endParaRPr lang="ru-RU" sz="2400" dirty="0"/>
+            </a:p>
+          </p:txBody>
+        </p:sp>
+      </p:grpSp>
+    </p:spTree>
+    <p:extLst>
+      <p:ext uri="{BB962C8B-B14F-4D97-AF65-F5344CB8AC3E}">
+        <p14:creationId xmlns:p14="http://schemas.microsoft.com/office/powerpoint/2010/main" val="3919989001"/>
+      </p:ext>
+    </p:extLst>
+  </p:cSld>
+  <p:clrMapOvr>
+    <a:masterClrMapping/>
+  </p:clrMapOvr>
+</p:sld>
+</file>
+
+<file path=ppt/slides/slide12.xml><?xml version="1.0" encoding="utf-8"?>
+<p:sld xmlns:a="http://schemas.openxmlformats.org/drawingml/2006/main" xmlns:r="http://schemas.openxmlformats.org/officeDocument/2006/relationships" xmlns:p="http://schemas.openxmlformats.org/presentationml/2006/main">
+  <p:cSld>
+    <p:spTree>
+      <p:nvGrpSpPr>
+        <p:cNvPr id="1" name=""/>
+        <p:cNvGrpSpPr/>
+        <p:nvPr/>
+      </p:nvGrpSpPr>
+      <p:grpSpPr>
+        <a:xfrm>
+          <a:off x="0" y="0"/>
+          <a:ext cx="0" cy="0"/>
+          <a:chOff x="0" y="0"/>
+          <a:chExt cx="0" cy="0"/>
+        </a:xfrm>
+      </p:grpSpPr>
+      <p:sp>
+        <p:nvSpPr>
+          <p:cNvPr id="2" name="Заголовок 1">
+            <a:extLst>
+              <a:ext uri="{FF2B5EF4-FFF2-40B4-BE49-F238E27FC236}">
+                <a16:creationId xmlns:a16="http://schemas.microsoft.com/office/drawing/2014/main" id="{12CF625C-6495-41E5-8C78-E72C76DAFC9A}"/>
+              </a:ext>
+            </a:extLst>
+          </p:cNvPr>
+          <p:cNvSpPr>
+            <a:spLocks noGrp="1"/>
+          </p:cNvSpPr>
+          <p:nvPr>
+            <p:ph type="title"/>
+          </p:nvPr>
+        </p:nvSpPr>
+        <p:spPr>
+          <a:xfrm>
+            <a:off x="838200" y="217634"/>
+            <a:ext cx="10515600" cy="870288"/>
+          </a:xfrm>
+        </p:spPr>
+        <p:txBody>
+          <a:bodyPr>
+            <a:normAutofit/>
+          </a:bodyPr>
+          <a:lstStyle/>
+          <a:p>
+            <a:r>
+              <a:rPr lang="ru-RU" sz="3800" dirty="0"/>
+              <a:t>Тестирование и аналитика</a:t>
+            </a:r>
+          </a:p>
+        </p:txBody>
+      </p:sp>
+      <p:pic>
+        <p:nvPicPr>
+          <p:cNvPr id="7" name="Рисунок 6">
+            <a:extLst>
+              <a:ext uri="{FF2B5EF4-FFF2-40B4-BE49-F238E27FC236}">
+                <a16:creationId xmlns:a16="http://schemas.microsoft.com/office/drawing/2014/main" id="{9ABB5C38-39F5-406B-8D45-C9D0246234FB}"/>
+              </a:ext>
+            </a:extLst>
+          </p:cNvPr>
+          <p:cNvPicPr>
+            <a:picLocks noChangeAspect="1"/>
+          </p:cNvPicPr>
+          <p:nvPr/>
+        </p:nvPicPr>
+        <p:blipFill>
+          <a:blip r:embed="rId3"/>
+          <a:stretch>
+            <a:fillRect/>
+          </a:stretch>
+        </p:blipFill>
+        <p:spPr>
+          <a:xfrm>
+            <a:off x="778652" y="1087922"/>
+            <a:ext cx="10634696" cy="5109025"/>
+          </a:xfrm>
+          <a:prstGeom prst="rect">
+            <a:avLst/>
+          </a:prstGeom>
+        </p:spPr>
+      </p:pic>
+    </p:spTree>
+    <p:extLst>
+      <p:ext uri="{BB962C8B-B14F-4D97-AF65-F5344CB8AC3E}">
+        <p14:creationId xmlns:p14="http://schemas.microsoft.com/office/powerpoint/2010/main" val="3624478439"/>
+      </p:ext>
+    </p:extLst>
+  </p:cSld>
+  <p:clrMapOvr>
+    <a:masterClrMapping/>
+  </p:clrMapOvr>
+</p:sld>
+</file>
+
+<file path=ppt/slides/slide13.xml><?xml version="1.0" encoding="utf-8"?>
+<p:sld xmlns:a="http://schemas.openxmlformats.org/drawingml/2006/main" xmlns:r="http://schemas.openxmlformats.org/officeDocument/2006/relationships" xmlns:p="http://schemas.openxmlformats.org/presentationml/2006/main">
+  <p:cSld>
+    <p:spTree>
+      <p:nvGrpSpPr>
+        <p:cNvPr id="1" name=""/>
+        <p:cNvGrpSpPr/>
+        <p:nvPr/>
+      </p:nvGrpSpPr>
+      <p:grpSpPr>
+        <a:xfrm>
+          <a:off x="0" y="0"/>
+          <a:ext cx="0" cy="0"/>
+          <a:chOff x="0" y="0"/>
+          <a:chExt cx="0" cy="0"/>
+        </a:xfrm>
+      </p:grpSpPr>
+      <p:sp>
+        <p:nvSpPr>
+          <p:cNvPr id="2" name="Заголовок 1">
+            <a:extLst>
+              <a:ext uri="{FF2B5EF4-FFF2-40B4-BE49-F238E27FC236}">
+                <a16:creationId xmlns:a16="http://schemas.microsoft.com/office/drawing/2014/main" id="{12CF625C-6495-41E5-8C78-E72C76DAFC9A}"/>
+              </a:ext>
+            </a:extLst>
+          </p:cNvPr>
+          <p:cNvSpPr>
+            <a:spLocks noGrp="1"/>
+          </p:cNvSpPr>
+          <p:nvPr>
+            <p:ph type="title"/>
+          </p:nvPr>
+        </p:nvSpPr>
+        <p:spPr>
+          <a:xfrm>
+            <a:off x="838200" y="217634"/>
+            <a:ext cx="10515600" cy="870288"/>
+          </a:xfrm>
+        </p:spPr>
+        <p:txBody>
+          <a:bodyPr>
+            <a:normAutofit/>
+          </a:bodyPr>
+          <a:lstStyle/>
+          <a:p>
+            <a:r>
+              <a:rPr lang="ru-RU" sz="3800" dirty="0"/>
+              <a:t>Рекомендации</a:t>
+            </a:r>
+          </a:p>
+        </p:txBody>
+      </p:sp>
+      <p:pic>
+        <p:nvPicPr>
+          <p:cNvPr id="11" name="Рисунок 10">
+            <a:extLst>
+              <a:ext uri="{FF2B5EF4-FFF2-40B4-BE49-F238E27FC236}">
+                <a16:creationId xmlns:a16="http://schemas.microsoft.com/office/drawing/2014/main" id="{A0BDA7F6-42A1-429A-97A4-087F96B6034D}"/>
+              </a:ext>
+            </a:extLst>
+          </p:cNvPr>
+          <p:cNvPicPr>
+            <a:picLocks noChangeAspect="1"/>
+          </p:cNvPicPr>
+          <p:nvPr/>
+        </p:nvPicPr>
+        <p:blipFill>
+          <a:blip r:embed="rId3"/>
+          <a:stretch>
+            <a:fillRect/>
+          </a:stretch>
+        </p:blipFill>
+        <p:spPr>
+          <a:xfrm>
+            <a:off x="565725" y="1446974"/>
+            <a:ext cx="5277587" cy="4458322"/>
+          </a:xfrm>
+          <a:prstGeom prst="rect">
+            <a:avLst/>
+          </a:prstGeom>
+        </p:spPr>
+      </p:pic>
+      <p:pic>
+        <p:nvPicPr>
+          <p:cNvPr id="13" name="Рисунок 12">
+            <a:extLst>
+              <a:ext uri="{FF2B5EF4-FFF2-40B4-BE49-F238E27FC236}">
+                <a16:creationId xmlns:a16="http://schemas.microsoft.com/office/drawing/2014/main" id="{83157AA7-5C15-4077-B471-E83D061E38BA}"/>
+              </a:ext>
+            </a:extLst>
+          </p:cNvPr>
+          <p:cNvPicPr>
+            <a:picLocks noChangeAspect="1"/>
+          </p:cNvPicPr>
+          <p:nvPr/>
+        </p:nvPicPr>
+        <p:blipFill>
+          <a:blip r:embed="rId4"/>
+          <a:stretch>
+            <a:fillRect/>
+          </a:stretch>
+        </p:blipFill>
+        <p:spPr>
+          <a:xfrm>
+            <a:off x="5953122" y="827904"/>
+            <a:ext cx="5113872" cy="5696462"/>
+          </a:xfrm>
+          <a:prstGeom prst="rect">
+            <a:avLst/>
+          </a:prstGeom>
+        </p:spPr>
+      </p:pic>
+    </p:spTree>
+    <p:extLst>
+      <p:ext uri="{BB962C8B-B14F-4D97-AF65-F5344CB8AC3E}">
+        <p14:creationId xmlns:p14="http://schemas.microsoft.com/office/powerpoint/2010/main" val="4164431767"/>
+      </p:ext>
+    </p:extLst>
+  </p:cSld>
+  <p:clrMapOvr>
+    <a:masterClrMapping/>
+  </p:clrMapOvr>
+</p:sld>
+</file>
+
+<file path=ppt/slides/slide14.xml><?xml version="1.0" encoding="utf-8"?>
+<p:sld xmlns:a="http://schemas.openxmlformats.org/drawingml/2006/main" xmlns:r="http://schemas.openxmlformats.org/officeDocument/2006/relationships" xmlns:p="http://schemas.openxmlformats.org/presentationml/2006/main">
+  <p:cSld>
+    <p:spTree>
+      <p:nvGrpSpPr>
+        <p:cNvPr id="1" name=""/>
+        <p:cNvGrpSpPr/>
+        <p:nvPr/>
+      </p:nvGrpSpPr>
+      <p:grpSpPr>
+        <a:xfrm>
+          <a:off x="0" y="0"/>
+          <a:ext cx="0" cy="0"/>
+          <a:chOff x="0" y="0"/>
+          <a:chExt cx="0" cy="0"/>
+        </a:xfrm>
+      </p:grpSpPr>
+      <p:sp>
+        <p:nvSpPr>
+          <p:cNvPr id="2" name="Заголовок 1">
+            <a:extLst>
+              <a:ext uri="{FF2B5EF4-FFF2-40B4-BE49-F238E27FC236}">
+                <a16:creationId xmlns:a16="http://schemas.microsoft.com/office/drawing/2014/main" id="{12CF625C-6495-41E5-8C78-E72C76DAFC9A}"/>
+              </a:ext>
+            </a:extLst>
+          </p:cNvPr>
+          <p:cNvSpPr>
+            <a:spLocks noGrp="1"/>
+          </p:cNvSpPr>
+          <p:nvPr>
+            <p:ph type="title"/>
+          </p:nvPr>
+        </p:nvSpPr>
+        <p:spPr>
+          <a:xfrm>
+            <a:off x="838200" y="217634"/>
+            <a:ext cx="10515600" cy="870288"/>
+          </a:xfrm>
+        </p:spPr>
+        <p:txBody>
+          <a:bodyPr>
+            <a:normAutofit/>
+          </a:bodyPr>
+          <a:lstStyle/>
+          <a:p>
+            <a:r>
+              <a:rPr lang="ru-RU" sz="3800" dirty="0"/>
+              <a:t>Рекомендации</a:t>
+            </a:r>
+          </a:p>
+        </p:txBody>
+      </p:sp>
+      <p:pic>
+        <p:nvPicPr>
+          <p:cNvPr id="4" name="Рисунок 3">
+            <a:extLst>
+              <a:ext uri="{FF2B5EF4-FFF2-40B4-BE49-F238E27FC236}">
+                <a16:creationId xmlns:a16="http://schemas.microsoft.com/office/drawing/2014/main" id="{8B75D312-F3F6-43FB-8A7C-9CAC516B359A}"/>
+              </a:ext>
+            </a:extLst>
+          </p:cNvPr>
+          <p:cNvPicPr>
+            <a:picLocks noChangeAspect="1"/>
+          </p:cNvPicPr>
+          <p:nvPr/>
+        </p:nvPicPr>
+        <p:blipFill>
+          <a:blip r:embed="rId3"/>
+          <a:stretch>
+            <a:fillRect/>
+          </a:stretch>
+        </p:blipFill>
+        <p:spPr>
+          <a:xfrm>
+            <a:off x="3710439" y="1087922"/>
+            <a:ext cx="5422158" cy="5436973"/>
+          </a:xfrm>
+          <a:prstGeom prst="rect">
+            <a:avLst/>
+          </a:prstGeom>
+        </p:spPr>
+      </p:pic>
+    </p:spTree>
+    <p:extLst>
+      <p:ext uri="{BB962C8B-B14F-4D97-AF65-F5344CB8AC3E}">
+        <p14:creationId xmlns:p14="http://schemas.microsoft.com/office/powerpoint/2010/main" val="2667097427"/>
+      </p:ext>
+    </p:extLst>
+  </p:cSld>
+  <p:clrMapOvr>
+    <a:masterClrMapping/>
+  </p:clrMapOvr>
+</p:sld>
+</file>
+
+<file path=ppt/slides/slide15.xml><?xml version="1.0" encoding="utf-8"?>
+<p:sld xmlns:a="http://schemas.openxmlformats.org/drawingml/2006/main" xmlns:r="http://schemas.openxmlformats.org/officeDocument/2006/relationships" xmlns:p="http://schemas.openxmlformats.org/presentationml/2006/main">
+  <p:cSld>
+    <p:spTree>
+      <p:nvGrpSpPr>
+        <p:cNvPr id="1" name=""/>
+        <p:cNvGrpSpPr/>
+        <p:nvPr/>
+      </p:nvGrpSpPr>
+      <p:grpSpPr>
+        <a:xfrm>
+          <a:off x="0" y="0"/>
+          <a:ext cx="0" cy="0"/>
+          <a:chOff x="0" y="0"/>
+          <a:chExt cx="0" cy="0"/>
+        </a:xfrm>
+      </p:grpSpPr>
+      <p:sp>
+        <p:nvSpPr>
+          <p:cNvPr id="2" name="Заголовок 1">
+            <a:extLst>
+              <a:ext uri="{FF2B5EF4-FFF2-40B4-BE49-F238E27FC236}">
+                <a16:creationId xmlns:a16="http://schemas.microsoft.com/office/drawing/2014/main" id="{12CF625C-6495-41E5-8C78-E72C76DAFC9A}"/>
+              </a:ext>
+            </a:extLst>
+          </p:cNvPr>
+          <p:cNvSpPr>
+            <a:spLocks noGrp="1"/>
+          </p:cNvSpPr>
+          <p:nvPr>
+            <p:ph type="title"/>
+          </p:nvPr>
+        </p:nvSpPr>
+        <p:spPr>
+          <a:xfrm>
+            <a:off x="838200" y="217634"/>
+            <a:ext cx="10515600" cy="870288"/>
+          </a:xfrm>
+        </p:spPr>
+        <p:txBody>
+          <a:bodyPr>
+            <a:normAutofit/>
+          </a:bodyPr>
+          <a:lstStyle/>
+          <a:p>
+            <a:r>
+              <a:rPr lang="ru-RU" sz="3800" dirty="0"/>
+              <a:t>Заключение</a:t>
+            </a:r>
+          </a:p>
+        </p:txBody>
+      </p:sp>
+      <p:sp>
+        <p:nvSpPr>
+          <p:cNvPr id="3" name="TextBox 2">
+            <a:extLst>
+              <a:ext uri="{FF2B5EF4-FFF2-40B4-BE49-F238E27FC236}">
+                <a16:creationId xmlns:a16="http://schemas.microsoft.com/office/drawing/2014/main" id="{1E068C4B-D6C9-433B-B659-68E1AE7DA0EF}"/>
+              </a:ext>
+            </a:extLst>
+          </p:cNvPr>
+          <p:cNvSpPr txBox="1"/>
+          <p:nvPr/>
+        </p:nvSpPr>
+        <p:spPr>
+          <a:xfrm>
+            <a:off x="1110049" y="1346886"/>
+            <a:ext cx="9971902" cy="4549835"/>
+          </a:xfrm>
+          <a:prstGeom prst="rect">
+            <a:avLst/>
+          </a:prstGeom>
+          <a:noFill/>
+        </p:spPr>
+        <p:txBody>
+          <a:bodyPr wrap="square" rtlCol="0">
+            <a:spAutoFit/>
+          </a:bodyPr>
+          <a:lstStyle/>
+          <a:p>
+            <a:pPr>
+              <a:lnSpc>
+                <a:spcPct val="150000"/>
+              </a:lnSpc>
+            </a:pPr>
+            <a:r>
+              <a:rPr lang="ru-RU" sz="2800" dirty="0"/>
+              <a:t>Данный проект качественно улучшил мои навыки в создании клиентского интерфейса и логики, а так же понимание в разработке архитектуры крупных веб-приложений.</a:t>
+            </a:r>
+          </a:p>
+          <a:p>
+            <a:pPr>
+              <a:lnSpc>
+                <a:spcPct val="150000"/>
+              </a:lnSpc>
+            </a:pPr>
+            <a:endParaRPr lang="ru-RU" sz="2800" dirty="0"/>
+          </a:p>
+          <a:p>
+            <a:pPr>
+              <a:lnSpc>
+                <a:spcPct val="150000"/>
+              </a:lnSpc>
+            </a:pPr>
+            <a:r>
+              <a:rPr lang="ru-RU" sz="2800" dirty="0"/>
+              <a:t>Проблема решена, цель достигнута, задачи выполнены.</a:t>
+            </a:r>
+          </a:p>
+          <a:p>
+            <a:pPr>
+              <a:lnSpc>
+                <a:spcPct val="150000"/>
+              </a:lnSpc>
+            </a:pPr>
+            <a:r>
+              <a:rPr lang="ru-RU" sz="2800" dirty="0"/>
+              <a:t>Проект готов к дальнейшему сопровождению и масштабированию.</a:t>
+            </a:r>
+          </a:p>
+        </p:txBody>
+      </p:sp>
+    </p:spTree>
+    <p:extLst>
+      <p:ext uri="{BB962C8B-B14F-4D97-AF65-F5344CB8AC3E}">
+        <p14:creationId xmlns:p14="http://schemas.microsoft.com/office/powerpoint/2010/main" val="2881999792"/>
+      </p:ext>
+    </p:extLst>
+  </p:cSld>
+  <p:clrMapOvr>
+    <a:masterClrMapping/>
+  </p:clrMapOvr>
+</p:sld>
+</file>
+
 <file path=ppt/slides/slide2.xml><?xml version="1.0" encoding="utf-8"?>
 <p:sld xmlns:a="http://schemas.openxmlformats.org/drawingml/2006/main" xmlns:r="http://schemas.openxmlformats.org/officeDocument/2006/relationships" xmlns:p="http://schemas.openxmlformats.org/presentationml/2006/main">
   <p:cSld>
@@ -4883,7 +7019,7 @@
         </p:nvSpPr>
         <p:spPr>
           <a:xfrm>
-            <a:off x="838200" y="365126"/>
+            <a:off x="838200" y="284630"/>
             <a:ext cx="10515600" cy="870288"/>
           </a:xfrm>
         </p:spPr>
@@ -5013,64 +7149,29 @@
       </p:grpSpPr>
       <p:sp>
         <p:nvSpPr>
-          <p:cNvPr id="2" name="Заголовок 1">
-            <a:extLst>
-              <a:ext uri="{FF2B5EF4-FFF2-40B4-BE49-F238E27FC236}">
-                <a16:creationId xmlns:a16="http://schemas.microsoft.com/office/drawing/2014/main" id="{12CF625C-6495-41E5-8C78-E72C76DAFC9A}"/>
-              </a:ext>
-            </a:extLst>
-          </p:cNvPr>
-          <p:cNvSpPr>
-            <a:spLocks noGrp="1"/>
-          </p:cNvSpPr>
-          <p:nvPr>
-            <p:ph type="title"/>
+          <p:cNvPr id="3" name="Объект 2">
+            <a:extLst>
+              <a:ext uri="{FF2B5EF4-FFF2-40B4-BE49-F238E27FC236}">
+                <a16:creationId xmlns:a16="http://schemas.microsoft.com/office/drawing/2014/main" id="{483DED15-1E0A-42DC-8DB5-CE7F13BE555C}"/>
+              </a:ext>
+            </a:extLst>
+          </p:cNvPr>
+          <p:cNvSpPr>
+            <a:spLocks noGrp="1"/>
+          </p:cNvSpPr>
+          <p:nvPr>
+            <p:ph idx="1"/>
           </p:nvPr>
         </p:nvSpPr>
         <p:spPr>
           <a:xfrm>
-            <a:off x="838200" y="316488"/>
-            <a:ext cx="10515600" cy="870288"/>
+            <a:off x="838200" y="395415"/>
+            <a:ext cx="10515600" cy="6091881"/>
           </a:xfrm>
         </p:spPr>
         <p:txBody>
           <a:bodyPr>
-            <a:normAutofit/>
-          </a:bodyPr>
-          <a:lstStyle/>
-          <a:p>
-            <a:r>
-              <a:rPr lang="ru-RU" sz="3800" dirty="0"/>
-              <a:t>Актуальность</a:t>
-            </a:r>
-          </a:p>
-        </p:txBody>
-      </p:sp>
-      <p:sp>
-        <p:nvSpPr>
-          <p:cNvPr id="3" name="Объект 2">
-            <a:extLst>
-              <a:ext uri="{FF2B5EF4-FFF2-40B4-BE49-F238E27FC236}">
-                <a16:creationId xmlns:a16="http://schemas.microsoft.com/office/drawing/2014/main" id="{483DED15-1E0A-42DC-8DB5-CE7F13BE555C}"/>
-              </a:ext>
-            </a:extLst>
-          </p:cNvPr>
-          <p:cNvSpPr>
-            <a:spLocks noGrp="1"/>
-          </p:cNvSpPr>
-          <p:nvPr>
-            <p:ph idx="1"/>
-          </p:nvPr>
-        </p:nvSpPr>
-        <p:spPr>
-          <a:xfrm>
-            <a:off x="838200" y="1235414"/>
-            <a:ext cx="10515600" cy="5097292"/>
-          </a:xfrm>
-        </p:spPr>
-        <p:txBody>
-          <a:bodyPr>
-            <a:normAutofit/>
+            <a:normAutofit fontScale="92500"/>
           </a:bodyPr>
           <a:lstStyle/>
           <a:p>
@@ -5081,14 +7182,14 @@
               <a:buNone/>
             </a:pPr>
             <a:r>
-              <a:rPr lang="ru-RU" sz="2000" b="1" dirty="0">
+              <a:rPr lang="ru-RU" sz="2400" b="1" dirty="0">
                 <a:effectLst/>
                 <a:ea typeface="Calibri" panose="020F0502020204030204" pitchFamily="34" charset="0"/>
               </a:rPr>
               <a:t>Проблема</a:t>
             </a:r>
             <a:r>
-              <a:rPr lang="ru-RU" sz="2000" dirty="0">
+              <a:rPr lang="ru-RU" sz="2400" dirty="0">
                 <a:effectLst/>
                 <a:ea typeface="Calibri" panose="020F0502020204030204" pitchFamily="34" charset="0"/>
               </a:rPr>
@@ -5103,28 +7204,28 @@
               <a:buNone/>
             </a:pPr>
             <a:r>
-              <a:rPr lang="ru-RU" sz="2000" b="1" dirty="0">
+              <a:rPr lang="ru-RU" sz="2400" b="1" dirty="0">
                 <a:effectLst/>
                 <a:ea typeface="Calibri" panose="020F0502020204030204" pitchFamily="34" charset="0"/>
               </a:rPr>
               <a:t>Цель</a:t>
             </a:r>
             <a:r>
-              <a:rPr lang="ru-RU" sz="2000" dirty="0">
+              <a:rPr lang="ru-RU" sz="2400" dirty="0">
                 <a:effectLst/>
                 <a:ea typeface="Calibri" panose="020F0502020204030204" pitchFamily="34" charset="0"/>
               </a:rPr>
               <a:t>: Разработка маркетплейс-площадки для компании «</a:t>
             </a:r>
             <a:r>
-              <a:rPr lang="ru-RU" sz="2000" dirty="0" err="1">
+              <a:rPr lang="ru-RU" sz="2400" dirty="0" err="1">
                 <a:effectLst/>
                 <a:ea typeface="Calibri" panose="020F0502020204030204" pitchFamily="34" charset="0"/>
               </a:rPr>
               <a:t>ruMarket</a:t>
             </a:r>
             <a:r>
-              <a:rPr lang="ru-RU" sz="2000" dirty="0">
+              <a:rPr lang="ru-RU" sz="2400" dirty="0">
                 <a:effectLst/>
                 <a:ea typeface="Calibri" panose="020F0502020204030204" pitchFamily="34" charset="0"/>
               </a:rPr>
@@ -5139,14 +7240,14 @@
               <a:buNone/>
             </a:pPr>
             <a:r>
-              <a:rPr lang="ru-RU" sz="2000" b="1" dirty="0">
+              <a:rPr lang="ru-RU" sz="2400" b="1" dirty="0">
                 <a:effectLst/>
                 <a:ea typeface="Calibri" panose="020F0502020204030204" pitchFamily="34" charset="0"/>
               </a:rPr>
               <a:t>Задачи</a:t>
             </a:r>
             <a:r>
-              <a:rPr lang="ru-RU" sz="2000" dirty="0">
+              <a:rPr lang="ru-RU" sz="2400" dirty="0">
                 <a:effectLst/>
                 <a:ea typeface="Calibri" panose="020F0502020204030204" pitchFamily="34" charset="0"/>
               </a:rPr>
@@ -5162,7 +7263,7 @@
               <a:buAutoNum type="arabicPeriod"/>
             </a:pPr>
             <a:r>
-              <a:rPr lang="ru-RU" sz="2000" dirty="0">
+              <a:rPr lang="ru-RU" sz="2400" dirty="0">
                 <a:effectLst/>
                 <a:ea typeface="Calibri" panose="020F0502020204030204" pitchFamily="34" charset="0"/>
               </a:rPr>
@@ -5178,7 +7279,7 @@
               <a:buAutoNum type="arabicPeriod"/>
             </a:pPr>
             <a:r>
-              <a:rPr lang="ru-RU" sz="2000" dirty="0">
+              <a:rPr lang="ru-RU" sz="2400" dirty="0">
                 <a:effectLst/>
                 <a:ea typeface="Calibri" panose="020F0502020204030204" pitchFamily="34" charset="0"/>
               </a:rPr>
@@ -5194,21 +7295,21 @@
               <a:buAutoNum type="arabicPeriod"/>
             </a:pPr>
             <a:r>
-              <a:rPr lang="ru-RU" sz="2000" dirty="0">
+              <a:rPr lang="ru-RU" sz="2400" dirty="0">
                 <a:effectLst/>
                 <a:ea typeface="Calibri" panose="020F0502020204030204" pitchFamily="34" charset="0"/>
               </a:rPr>
               <a:t>Разработать маркетплейс для компании «</a:t>
             </a:r>
             <a:r>
-              <a:rPr lang="ru-RU" sz="2000" dirty="0" err="1">
+              <a:rPr lang="ru-RU" sz="2400" dirty="0" err="1">
                 <a:effectLst/>
                 <a:ea typeface="Calibri" panose="020F0502020204030204" pitchFamily="34" charset="0"/>
               </a:rPr>
               <a:t>ruMarket</a:t>
             </a:r>
             <a:r>
-              <a:rPr lang="ru-RU" sz="2000" dirty="0">
+              <a:rPr lang="ru-RU" sz="2400" dirty="0">
                 <a:effectLst/>
                 <a:ea typeface="Calibri" panose="020F0502020204030204" pitchFamily="34" charset="0"/>
               </a:rPr>
@@ -5224,7 +7325,7 @@
               <a:buAutoNum type="arabicPeriod"/>
             </a:pPr>
             <a:r>
-              <a:rPr lang="ru-RU" sz="2000" dirty="0">
+              <a:rPr lang="ru-RU" sz="2400" dirty="0">
                 <a:effectLst/>
                 <a:ea typeface="Calibri" panose="020F0502020204030204" pitchFamily="34" charset="0"/>
               </a:rPr>
@@ -5240,7 +7341,7 @@
               <a:buAutoNum type="arabicPeriod"/>
             </a:pPr>
             <a:r>
-              <a:rPr lang="ru-RU" sz="2000" dirty="0">
+              <a:rPr lang="ru-RU" sz="2400" dirty="0">
                 <a:effectLst/>
                 <a:ea typeface="Calibri" panose="020F0502020204030204" pitchFamily="34" charset="0"/>
               </a:rPr>
@@ -5248,7 +7349,7 @@
             </a:r>
           </a:p>
           <a:p>
-            <a:endParaRPr lang="ru-RU" sz="3200" dirty="0"/>
+            <a:endParaRPr lang="ru-RU" sz="3600" dirty="0"/>
           </a:p>
         </p:txBody>
       </p:sp>
@@ -5432,7 +7533,7 @@
         </p:blipFill>
         <p:spPr bwMode="auto">
           <a:xfrm>
-            <a:off x="6766803" y="668675"/>
+            <a:off x="7029450" y="708398"/>
             <a:ext cx="4757636" cy="2720602"/>
           </a:xfrm>
           <a:prstGeom prst="rect">
@@ -5479,7 +7580,7 @@
         </p:blipFill>
         <p:spPr bwMode="auto">
           <a:xfrm>
-            <a:off x="7296479" y="3597716"/>
+            <a:off x="7510931" y="3597716"/>
             <a:ext cx="4276155" cy="2591609"/>
           </a:xfrm>
           <a:prstGeom prst="rect">
@@ -5674,10 +7775,1234 @@
           </a:p>
         </p:txBody>
       </p:sp>
+      <p:pic>
+        <p:nvPicPr>
+          <p:cNvPr id="3" name="Рисунок 2">
+            <a:extLst>
+              <a:ext uri="{FF2B5EF4-FFF2-40B4-BE49-F238E27FC236}">
+                <a16:creationId xmlns:a16="http://schemas.microsoft.com/office/drawing/2014/main" id="{167923F5-A5B0-4BCD-B44B-0E584F556AA4}"/>
+              </a:ext>
+            </a:extLst>
+          </p:cNvPr>
+          <p:cNvPicPr>
+            <a:picLocks noChangeAspect="1"/>
+          </p:cNvPicPr>
+          <p:nvPr/>
+        </p:nvPicPr>
+        <p:blipFill rotWithShape="1">
+          <a:blip r:embed="rId3">
+            <a:extLst>
+              <a:ext uri="{BEBA8EAE-BF5A-486C-A8C5-ECC9F3942E4B}">
+                <a14:imgProps xmlns:a14="http://schemas.microsoft.com/office/drawing/2010/main">
+                  <a14:imgLayer r:embed="rId4">
+                    <a14:imgEffect>
+                      <a14:brightnessContrast bright="40000" contrast="40000"/>
+                    </a14:imgEffect>
+                  </a14:imgLayer>
+                </a14:imgProps>
+              </a:ext>
+            </a:extLst>
+          </a:blip>
+          <a:srcRect l="21332" t="33235" r="21331" b="29925"/>
+          <a:stretch/>
+        </p:blipFill>
+        <p:spPr>
+          <a:xfrm>
+            <a:off x="838200" y="2936550"/>
+            <a:ext cx="2928553" cy="984900"/>
+          </a:xfrm>
+          <a:prstGeom prst="rect">
+            <a:avLst/>
+          </a:prstGeom>
+          <a:solidFill>
+            <a:srgbClr val="FFFFFF">
+              <a:shade val="85000"/>
+            </a:srgbClr>
+          </a:solidFill>
+          <a:ln w="88900" cap="sq">
+            <a:solidFill>
+              <a:srgbClr val="FFFFFF"/>
+            </a:solidFill>
+            <a:miter lim="800000"/>
+          </a:ln>
+          <a:effectLst>
+            <a:outerShdw blurRad="55000" dist="18000" dir="5400000" algn="tl" rotWithShape="0">
+              <a:srgbClr val="000000">
+                <a:alpha val="40000"/>
+              </a:srgbClr>
+            </a:outerShdw>
+          </a:effectLst>
+          <a:scene3d>
+            <a:camera prst="orthographicFront"/>
+            <a:lightRig rig="twoPt" dir="t">
+              <a:rot lat="0" lon="0" rev="7200000"/>
+            </a:lightRig>
+          </a:scene3d>
+          <a:sp3d>
+            <a:bevelT w="25400" h="19050"/>
+            <a:contourClr>
+              <a:srgbClr val="FFFFFF"/>
+            </a:contourClr>
+          </a:sp3d>
+        </p:spPr>
+      </p:pic>
+      <p:sp>
+        <p:nvSpPr>
+          <p:cNvPr id="4" name="TextBox 3">
+            <a:extLst>
+              <a:ext uri="{FF2B5EF4-FFF2-40B4-BE49-F238E27FC236}">
+                <a16:creationId xmlns:a16="http://schemas.microsoft.com/office/drawing/2014/main" id="{A41368F9-E93D-4DB1-B119-5CBA5063180A}"/>
+              </a:ext>
+            </a:extLst>
+          </p:cNvPr>
+          <p:cNvSpPr txBox="1"/>
+          <p:nvPr/>
+        </p:nvSpPr>
+        <p:spPr>
+          <a:xfrm>
+            <a:off x="1048265" y="4048789"/>
+            <a:ext cx="2508422" cy="830997"/>
+          </a:xfrm>
+          <a:prstGeom prst="rect">
+            <a:avLst/>
+          </a:prstGeom>
+          <a:noFill/>
+        </p:spPr>
+        <p:txBody>
+          <a:bodyPr wrap="square" rtlCol="0">
+            <a:spAutoFit/>
+          </a:bodyPr>
+          <a:lstStyle/>
+          <a:p>
+            <a:pPr algn="ctr"/>
+            <a:r>
+              <a:rPr lang="ru-RU" sz="2400" u="sng" dirty="0"/>
+              <a:t>Клиентская и серверная часть</a:t>
+            </a:r>
+          </a:p>
+        </p:txBody>
+      </p:sp>
+      <p:pic>
+        <p:nvPicPr>
+          <p:cNvPr id="1026" name="Picture 2" descr="Picture background">
+            <a:extLst>
+              <a:ext uri="{FF2B5EF4-FFF2-40B4-BE49-F238E27FC236}">
+                <a16:creationId xmlns:a16="http://schemas.microsoft.com/office/drawing/2014/main" id="{61021CFE-4DD3-489F-A331-5DAD8ACEB964}"/>
+              </a:ext>
+            </a:extLst>
+          </p:cNvPr>
+          <p:cNvPicPr>
+            <a:picLocks noChangeAspect="1" noChangeArrowheads="1"/>
+          </p:cNvPicPr>
+          <p:nvPr/>
+        </p:nvPicPr>
+        <p:blipFill rotWithShape="1">
+          <a:blip r:embed="rId5">
+            <a:extLst>
+              <a:ext uri="{BEBA8EAE-BF5A-486C-A8C5-ECC9F3942E4B}">
+                <a14:imgProps xmlns:a14="http://schemas.microsoft.com/office/drawing/2010/main">
+                  <a14:imgLayer r:embed="rId6">
+                    <a14:imgEffect>
+                      <a14:brightnessContrast bright="40000" contrast="40000"/>
+                    </a14:imgEffect>
+                  </a14:imgLayer>
+                </a14:imgProps>
+              </a:ext>
+              <a:ext uri="{28A0092B-C50C-407E-A947-70E740481C1C}">
+                <a14:useLocalDpi xmlns:a14="http://schemas.microsoft.com/office/drawing/2010/main" val="0"/>
+              </a:ext>
+            </a:extLst>
+          </a:blip>
+          <a:srcRect l="23923" t="35454" r="23270" b="33480"/>
+          <a:stretch/>
+        </p:blipFill>
+        <p:spPr bwMode="auto">
+          <a:xfrm>
+            <a:off x="7988644" y="2789714"/>
+            <a:ext cx="3365156" cy="1131736"/>
+          </a:xfrm>
+          <a:prstGeom prst="rect">
+            <a:avLst/>
+          </a:prstGeom>
+          <a:solidFill>
+            <a:schemeClr val="bg1"/>
+          </a:solidFill>
+          <a:ln w="88900" cap="sq">
+            <a:solidFill>
+              <a:srgbClr val="FFFFFF"/>
+            </a:solidFill>
+            <a:miter lim="800000"/>
+          </a:ln>
+          <a:effectLst>
+            <a:outerShdw blurRad="55000" dist="18000" dir="5400000" algn="tl" rotWithShape="0">
+              <a:srgbClr val="000000">
+                <a:alpha val="40000"/>
+              </a:srgbClr>
+            </a:outerShdw>
+          </a:effectLst>
+          <a:scene3d>
+            <a:camera prst="orthographicFront"/>
+            <a:lightRig rig="twoPt" dir="t">
+              <a:rot lat="0" lon="0" rev="7200000"/>
+            </a:lightRig>
+          </a:scene3d>
+          <a:sp3d>
+            <a:bevelT w="25400" h="19050"/>
+            <a:contourClr>
+              <a:srgbClr val="FFFFFF"/>
+            </a:contourClr>
+          </a:sp3d>
+        </p:spPr>
+      </p:pic>
+      <p:sp>
+        <p:nvSpPr>
+          <p:cNvPr id="6" name="TextBox 5">
+            <a:extLst>
+              <a:ext uri="{FF2B5EF4-FFF2-40B4-BE49-F238E27FC236}">
+                <a16:creationId xmlns:a16="http://schemas.microsoft.com/office/drawing/2014/main" id="{E5E335A4-D011-4D57-8CC6-3E145DB2EC73}"/>
+              </a:ext>
+            </a:extLst>
+          </p:cNvPr>
+          <p:cNvSpPr txBox="1"/>
+          <p:nvPr/>
+        </p:nvSpPr>
+        <p:spPr>
+          <a:xfrm>
+            <a:off x="7766223" y="4048788"/>
+            <a:ext cx="3809998" cy="830997"/>
+          </a:xfrm>
+          <a:prstGeom prst="rect">
+            <a:avLst/>
+          </a:prstGeom>
+          <a:noFill/>
+        </p:spPr>
+        <p:txBody>
+          <a:bodyPr wrap="square" rtlCol="0">
+            <a:spAutoFit/>
+          </a:bodyPr>
+          <a:lstStyle/>
+          <a:p>
+            <a:pPr algn="ctr"/>
+            <a:r>
+              <a:rPr lang="ru-RU" sz="2400" u="sng" dirty="0"/>
+              <a:t>Инструмент для работы с базой данных</a:t>
+            </a:r>
+          </a:p>
+        </p:txBody>
+      </p:sp>
+      <p:pic>
+        <p:nvPicPr>
+          <p:cNvPr id="2054" name="Picture 6">
+            <a:extLst>
+              <a:ext uri="{FF2B5EF4-FFF2-40B4-BE49-F238E27FC236}">
+                <a16:creationId xmlns:a16="http://schemas.microsoft.com/office/drawing/2014/main" id="{403D9CC9-33B8-472B-A020-52ADBE01A649}"/>
+              </a:ext>
+            </a:extLst>
+          </p:cNvPr>
+          <p:cNvPicPr>
+            <a:picLocks noChangeAspect="1" noChangeArrowheads="1"/>
+          </p:cNvPicPr>
+          <p:nvPr/>
+        </p:nvPicPr>
+        <p:blipFill rotWithShape="1">
+          <a:blip r:embed="rId7">
+            <a:extLst>
+              <a:ext uri="{28A0092B-C50C-407E-A947-70E740481C1C}">
+                <a14:useLocalDpi xmlns:a14="http://schemas.microsoft.com/office/drawing/2010/main" val="0"/>
+              </a:ext>
+            </a:extLst>
+          </a:blip>
+          <a:srcRect t="42188" b="22528"/>
+          <a:stretch/>
+        </p:blipFill>
+        <p:spPr bwMode="auto">
+          <a:xfrm>
+            <a:off x="4068246" y="3027405"/>
+            <a:ext cx="3606549" cy="779434"/>
+          </a:xfrm>
+          <a:prstGeom prst="rect">
+            <a:avLst/>
+          </a:prstGeom>
+          <a:solidFill>
+            <a:schemeClr val="bg1"/>
+          </a:solidFill>
+          <a:ln w="88900" cap="sq">
+            <a:solidFill>
+              <a:srgbClr val="FFFFFF"/>
+            </a:solidFill>
+            <a:miter lim="800000"/>
+          </a:ln>
+          <a:effectLst>
+            <a:outerShdw blurRad="55000" dist="18000" dir="5400000" algn="tl" rotWithShape="0">
+              <a:srgbClr val="000000">
+                <a:alpha val="40000"/>
+              </a:srgbClr>
+            </a:outerShdw>
+          </a:effectLst>
+          <a:scene3d>
+            <a:camera prst="orthographicFront"/>
+            <a:lightRig rig="twoPt" dir="t">
+              <a:rot lat="0" lon="0" rev="7200000"/>
+            </a:lightRig>
+          </a:scene3d>
+          <a:sp3d>
+            <a:bevelT w="25400" h="19050"/>
+            <a:contourClr>
+              <a:srgbClr val="FFFFFF"/>
+            </a:contourClr>
+          </a:sp3d>
+        </p:spPr>
+      </p:pic>
+      <p:sp>
+        <p:nvSpPr>
+          <p:cNvPr id="10" name="TextBox 9">
+            <a:extLst>
+              <a:ext uri="{FF2B5EF4-FFF2-40B4-BE49-F238E27FC236}">
+                <a16:creationId xmlns:a16="http://schemas.microsoft.com/office/drawing/2014/main" id="{FD74466F-099A-4AB7-886D-B57FF5EEE9D9}"/>
+              </a:ext>
+            </a:extLst>
+          </p:cNvPr>
+          <p:cNvSpPr txBox="1"/>
+          <p:nvPr/>
+        </p:nvSpPr>
+        <p:spPr>
+          <a:xfrm>
+            <a:off x="4242489" y="4048788"/>
+            <a:ext cx="3258062" cy="830997"/>
+          </a:xfrm>
+          <a:prstGeom prst="rect">
+            <a:avLst/>
+          </a:prstGeom>
+          <a:noFill/>
+        </p:spPr>
+        <p:txBody>
+          <a:bodyPr wrap="square" rtlCol="0">
+            <a:spAutoFit/>
+          </a:bodyPr>
+          <a:lstStyle/>
+          <a:p>
+            <a:pPr algn="ctr"/>
+            <a:r>
+              <a:rPr lang="ru-RU" sz="2400" u="sng" dirty="0"/>
+              <a:t>Фреймворк для стилизации</a:t>
+            </a:r>
+          </a:p>
+        </p:txBody>
+      </p:sp>
     </p:spTree>
     <p:extLst>
       <p:ext uri="{BB962C8B-B14F-4D97-AF65-F5344CB8AC3E}">
-        <p14:creationId xmlns:p14="http://schemas.microsoft.com/office/powerpoint/2010/main" val="3857296085"/>
+        <p14:creationId xmlns:p14="http://schemas.microsoft.com/office/powerpoint/2010/main" val="1104843183"/>
+      </p:ext>
+    </p:extLst>
+  </p:cSld>
+  <p:clrMapOvr>
+    <a:masterClrMapping/>
+  </p:clrMapOvr>
+</p:sld>
+</file>
+
+<file path=ppt/slides/slide7.xml><?xml version="1.0" encoding="utf-8"?>
+<p:sld xmlns:a="http://schemas.openxmlformats.org/drawingml/2006/main" xmlns:r="http://schemas.openxmlformats.org/officeDocument/2006/relationships" xmlns:p="http://schemas.openxmlformats.org/presentationml/2006/main">
+  <p:cSld>
+    <p:spTree>
+      <p:nvGrpSpPr>
+        <p:cNvPr id="1" name=""/>
+        <p:cNvGrpSpPr/>
+        <p:nvPr/>
+      </p:nvGrpSpPr>
+      <p:grpSpPr>
+        <a:xfrm>
+          <a:off x="0" y="0"/>
+          <a:ext cx="0" cy="0"/>
+          <a:chOff x="0" y="0"/>
+          <a:chExt cx="0" cy="0"/>
+        </a:xfrm>
+      </p:grpSpPr>
+      <p:sp>
+        <p:nvSpPr>
+          <p:cNvPr id="2" name="Заголовок 1">
+            <a:extLst>
+              <a:ext uri="{FF2B5EF4-FFF2-40B4-BE49-F238E27FC236}">
+                <a16:creationId xmlns:a16="http://schemas.microsoft.com/office/drawing/2014/main" id="{12CF625C-6495-41E5-8C78-E72C76DAFC9A}"/>
+              </a:ext>
+            </a:extLst>
+          </p:cNvPr>
+          <p:cNvSpPr>
+            <a:spLocks noGrp="1"/>
+          </p:cNvSpPr>
+          <p:nvPr>
+            <p:ph type="title"/>
+          </p:nvPr>
+        </p:nvSpPr>
+        <p:spPr>
+          <a:xfrm>
+            <a:off x="838200" y="316488"/>
+            <a:ext cx="10515600" cy="870288"/>
+          </a:xfrm>
+        </p:spPr>
+        <p:txBody>
+          <a:bodyPr>
+            <a:normAutofit/>
+          </a:bodyPr>
+          <a:lstStyle/>
+          <a:p>
+            <a:r>
+              <a:rPr lang="ru-RU" sz="3800" dirty="0"/>
+              <a:t>Среды разработки</a:t>
+            </a:r>
+          </a:p>
+        </p:txBody>
+      </p:sp>
+      <p:sp>
+        <p:nvSpPr>
+          <p:cNvPr id="5" name="TextBox 4">
+            <a:extLst>
+              <a:ext uri="{FF2B5EF4-FFF2-40B4-BE49-F238E27FC236}">
+                <a16:creationId xmlns:a16="http://schemas.microsoft.com/office/drawing/2014/main" id="{56D0A974-DD06-4F73-A054-73142525FDD3}"/>
+              </a:ext>
+            </a:extLst>
+          </p:cNvPr>
+          <p:cNvSpPr txBox="1"/>
+          <p:nvPr/>
+        </p:nvSpPr>
+        <p:spPr>
+          <a:xfrm>
+            <a:off x="2891035" y="3429000"/>
+            <a:ext cx="1765472" cy="830997"/>
+          </a:xfrm>
+          <a:prstGeom prst="rect">
+            <a:avLst/>
+          </a:prstGeom>
+          <a:noFill/>
+        </p:spPr>
+        <p:txBody>
+          <a:bodyPr wrap="square" rtlCol="0">
+            <a:spAutoFit/>
+          </a:bodyPr>
+          <a:lstStyle/>
+          <a:p>
+            <a:pPr algn="ctr"/>
+            <a:r>
+              <a:rPr lang="en-US" sz="2400" dirty="0"/>
+              <a:t>Visual Studio Code</a:t>
+            </a:r>
+            <a:endParaRPr lang="ru-RU" sz="2400" dirty="0"/>
+          </a:p>
+        </p:txBody>
+      </p:sp>
+      <p:pic>
+        <p:nvPicPr>
+          <p:cNvPr id="3074" name="Picture 2">
+            <a:extLst>
+              <a:ext uri="{FF2B5EF4-FFF2-40B4-BE49-F238E27FC236}">
+                <a16:creationId xmlns:a16="http://schemas.microsoft.com/office/drawing/2014/main" id="{B1DAAFB4-C482-4532-A245-54BB0F68ADC2}"/>
+              </a:ext>
+            </a:extLst>
+          </p:cNvPr>
+          <p:cNvPicPr>
+            <a:picLocks noChangeAspect="1" noChangeArrowheads="1"/>
+          </p:cNvPicPr>
+          <p:nvPr/>
+        </p:nvPicPr>
+        <p:blipFill>
+          <a:blip r:embed="rId3">
+            <a:extLst>
+              <a:ext uri="{28A0092B-C50C-407E-A947-70E740481C1C}">
+                <a14:useLocalDpi xmlns:a14="http://schemas.microsoft.com/office/drawing/2010/main" val="0"/>
+              </a:ext>
+            </a:extLst>
+          </a:blip>
+          <a:srcRect/>
+          <a:stretch>
+            <a:fillRect/>
+          </a:stretch>
+        </p:blipFill>
+        <p:spPr bwMode="auto">
+          <a:xfrm>
+            <a:off x="510100" y="1634176"/>
+            <a:ext cx="2143125" cy="2143125"/>
+          </a:xfrm>
+          <a:prstGeom prst="rect">
+            <a:avLst/>
+          </a:prstGeom>
+          <a:noFill/>
+          <a:extLst>
+            <a:ext uri="{909E8E84-426E-40DD-AFC4-6F175D3DCCD1}">
+              <a14:hiddenFill xmlns:a14="http://schemas.microsoft.com/office/drawing/2010/main">
+                <a:solidFill>
+                  <a:srgbClr val="FFFFFF"/>
+                </a:solidFill>
+              </a14:hiddenFill>
+            </a:ext>
+          </a:extLst>
+        </p:spPr>
+      </p:pic>
+      <p:pic>
+        <p:nvPicPr>
+          <p:cNvPr id="3076" name="Picture 4" descr="Picture background">
+            <a:extLst>
+              <a:ext uri="{FF2B5EF4-FFF2-40B4-BE49-F238E27FC236}">
+                <a16:creationId xmlns:a16="http://schemas.microsoft.com/office/drawing/2014/main" id="{C5FD4344-2DCF-4606-945F-95A58EC53630}"/>
+              </a:ext>
+            </a:extLst>
+          </p:cNvPr>
+          <p:cNvPicPr>
+            <a:picLocks noChangeAspect="1" noChangeArrowheads="1"/>
+          </p:cNvPicPr>
+          <p:nvPr/>
+        </p:nvPicPr>
+        <p:blipFill rotWithShape="1">
+          <a:blip r:embed="rId4">
+            <a:extLst>
+              <a:ext uri="{28A0092B-C50C-407E-A947-70E740481C1C}">
+                <a14:useLocalDpi xmlns:a14="http://schemas.microsoft.com/office/drawing/2010/main" val="0"/>
+              </a:ext>
+            </a:extLst>
+          </a:blip>
+          <a:srcRect l="26481" t="17305" r="27534" b="15856"/>
+          <a:stretch/>
+        </p:blipFill>
+        <p:spPr bwMode="auto">
+          <a:xfrm>
+            <a:off x="2542014" y="4322379"/>
+            <a:ext cx="2463514" cy="2014151"/>
+          </a:xfrm>
+          <a:prstGeom prst="rect">
+            <a:avLst/>
+          </a:prstGeom>
+          <a:noFill/>
+          <a:extLst>
+            <a:ext uri="{909E8E84-426E-40DD-AFC4-6F175D3DCCD1}">
+              <a14:hiddenFill xmlns:a14="http://schemas.microsoft.com/office/drawing/2010/main">
+                <a:solidFill>
+                  <a:srgbClr val="FFFFFF"/>
+                </a:solidFill>
+              </a14:hiddenFill>
+            </a:ext>
+          </a:extLst>
+        </p:spPr>
+      </p:pic>
+      <p:sp>
+        <p:nvSpPr>
+          <p:cNvPr id="12" name="TextBox 11">
+            <a:extLst>
+              <a:ext uri="{FF2B5EF4-FFF2-40B4-BE49-F238E27FC236}">
+                <a16:creationId xmlns:a16="http://schemas.microsoft.com/office/drawing/2014/main" id="{E80EA925-F754-4B26-BB1E-93C089AB29D1}"/>
+              </a:ext>
+            </a:extLst>
+          </p:cNvPr>
+          <p:cNvSpPr txBox="1"/>
+          <p:nvPr/>
+        </p:nvSpPr>
+        <p:spPr>
+          <a:xfrm>
+            <a:off x="321273" y="3801416"/>
+            <a:ext cx="2520778" cy="461665"/>
+          </a:xfrm>
+          <a:prstGeom prst="rect">
+            <a:avLst/>
+          </a:prstGeom>
+          <a:noFill/>
+        </p:spPr>
+        <p:txBody>
+          <a:bodyPr wrap="square" rtlCol="0">
+            <a:spAutoFit/>
+          </a:bodyPr>
+          <a:lstStyle/>
+          <a:p>
+            <a:pPr algn="ctr"/>
+            <a:r>
+              <a:rPr lang="en-US" sz="2400" u="sng" dirty="0"/>
+              <a:t>Trae IDE</a:t>
+            </a:r>
+            <a:endParaRPr lang="ru-RU" sz="2400" u="sng" dirty="0"/>
+          </a:p>
+        </p:txBody>
+      </p:sp>
+      <p:pic>
+        <p:nvPicPr>
+          <p:cNvPr id="3078" name="Picture 6" descr="Picture background">
+            <a:extLst>
+              <a:ext uri="{FF2B5EF4-FFF2-40B4-BE49-F238E27FC236}">
+                <a16:creationId xmlns:a16="http://schemas.microsoft.com/office/drawing/2014/main" id="{1C85050E-F9F4-4897-891D-B7A9ED9AD489}"/>
+              </a:ext>
+            </a:extLst>
+          </p:cNvPr>
+          <p:cNvPicPr>
+            <a:picLocks noChangeAspect="1" noChangeArrowheads="1"/>
+          </p:cNvPicPr>
+          <p:nvPr/>
+        </p:nvPicPr>
+        <p:blipFill>
+          <a:blip r:embed="rId5">
+            <a:extLst>
+              <a:ext uri="{28A0092B-C50C-407E-A947-70E740481C1C}">
+                <a14:useLocalDpi xmlns:a14="http://schemas.microsoft.com/office/drawing/2010/main" val="0"/>
+              </a:ext>
+            </a:extLst>
+          </a:blip>
+          <a:srcRect/>
+          <a:stretch>
+            <a:fillRect/>
+          </a:stretch>
+        </p:blipFill>
+        <p:spPr bwMode="auto">
+          <a:xfrm>
+            <a:off x="5246753" y="1876861"/>
+            <a:ext cx="1660674" cy="1660674"/>
+          </a:xfrm>
+          <a:prstGeom prst="rect">
+            <a:avLst/>
+          </a:prstGeom>
+          <a:noFill/>
+          <a:extLst>
+            <a:ext uri="{909E8E84-426E-40DD-AFC4-6F175D3DCCD1}">
+              <a14:hiddenFill xmlns:a14="http://schemas.microsoft.com/office/drawing/2010/main">
+                <a:solidFill>
+                  <a:srgbClr val="FFFFFF"/>
+                </a:solidFill>
+              </a14:hiddenFill>
+            </a:ext>
+          </a:extLst>
+        </p:spPr>
+      </p:pic>
+      <p:sp>
+        <p:nvSpPr>
+          <p:cNvPr id="14" name="TextBox 13">
+            <a:extLst>
+              <a:ext uri="{FF2B5EF4-FFF2-40B4-BE49-F238E27FC236}">
+                <a16:creationId xmlns:a16="http://schemas.microsoft.com/office/drawing/2014/main" id="{EEA2E056-35FB-410E-B15C-FBFF59D13E0F}"/>
+              </a:ext>
+            </a:extLst>
+          </p:cNvPr>
+          <p:cNvSpPr txBox="1"/>
+          <p:nvPr/>
+        </p:nvSpPr>
+        <p:spPr>
+          <a:xfrm>
+            <a:off x="5024438" y="3616749"/>
+            <a:ext cx="2143124" cy="830997"/>
+          </a:xfrm>
+          <a:prstGeom prst="rect">
+            <a:avLst/>
+          </a:prstGeom>
+          <a:noFill/>
+        </p:spPr>
+        <p:txBody>
+          <a:bodyPr wrap="square" rtlCol="0">
+            <a:spAutoFit/>
+          </a:bodyPr>
+          <a:lstStyle/>
+          <a:p>
+            <a:pPr algn="ctr"/>
+            <a:r>
+              <a:rPr lang="en-US" sz="2400" dirty="0"/>
+              <a:t>JetBrains WebStorm</a:t>
+            </a:r>
+            <a:endParaRPr lang="ru-RU" sz="2400" dirty="0"/>
+          </a:p>
+        </p:txBody>
+      </p:sp>
+      <p:pic>
+        <p:nvPicPr>
+          <p:cNvPr id="3080" name="Picture 8" descr="Picture background">
+            <a:extLst>
+              <a:ext uri="{FF2B5EF4-FFF2-40B4-BE49-F238E27FC236}">
+                <a16:creationId xmlns:a16="http://schemas.microsoft.com/office/drawing/2014/main" id="{C21DBD84-69B4-4A11-B8D6-4FB8331B67C8}"/>
+              </a:ext>
+            </a:extLst>
+          </p:cNvPr>
+          <p:cNvPicPr>
+            <a:picLocks noChangeAspect="1" noChangeArrowheads="1"/>
+          </p:cNvPicPr>
+          <p:nvPr/>
+        </p:nvPicPr>
+        <p:blipFill>
+          <a:blip r:embed="rId6">
+            <a:extLst>
+              <a:ext uri="{28A0092B-C50C-407E-A947-70E740481C1C}">
+                <a14:useLocalDpi xmlns:a14="http://schemas.microsoft.com/office/drawing/2010/main" val="0"/>
+              </a:ext>
+            </a:extLst>
+          </a:blip>
+          <a:srcRect/>
+          <a:stretch>
+            <a:fillRect/>
+          </a:stretch>
+        </p:blipFill>
+        <p:spPr bwMode="auto">
+          <a:xfrm>
+            <a:off x="6837450" y="4032247"/>
+            <a:ext cx="2463515" cy="2463515"/>
+          </a:xfrm>
+          <a:prstGeom prst="rect">
+            <a:avLst/>
+          </a:prstGeom>
+          <a:noFill/>
+          <a:extLst>
+            <a:ext uri="{909E8E84-426E-40DD-AFC4-6F175D3DCCD1}">
+              <a14:hiddenFill xmlns:a14="http://schemas.microsoft.com/office/drawing/2010/main">
+                <a:solidFill>
+                  <a:srgbClr val="FFFFFF"/>
+                </a:solidFill>
+              </a14:hiddenFill>
+            </a:ext>
+          </a:extLst>
+        </p:spPr>
+      </p:pic>
+      <p:sp>
+        <p:nvSpPr>
+          <p:cNvPr id="16" name="TextBox 15">
+            <a:extLst>
+              <a:ext uri="{FF2B5EF4-FFF2-40B4-BE49-F238E27FC236}">
+                <a16:creationId xmlns:a16="http://schemas.microsoft.com/office/drawing/2014/main" id="{3CEF2051-6CCC-43E2-9989-DB272B50FD08}"/>
+              </a:ext>
+            </a:extLst>
+          </p:cNvPr>
+          <p:cNvSpPr txBox="1"/>
+          <p:nvPr/>
+        </p:nvSpPr>
+        <p:spPr>
+          <a:xfrm>
+            <a:off x="7186471" y="3616749"/>
+            <a:ext cx="1765472" cy="461665"/>
+          </a:xfrm>
+          <a:prstGeom prst="rect">
+            <a:avLst/>
+          </a:prstGeom>
+          <a:noFill/>
+        </p:spPr>
+        <p:txBody>
+          <a:bodyPr wrap="square" rtlCol="0">
+            <a:spAutoFit/>
+          </a:bodyPr>
+          <a:lstStyle/>
+          <a:p>
+            <a:pPr algn="ctr"/>
+            <a:r>
+              <a:rPr lang="en-US" sz="2400" dirty="0"/>
+              <a:t>Sublime Text</a:t>
+            </a:r>
+            <a:endParaRPr lang="ru-RU" sz="2400" dirty="0"/>
+          </a:p>
+        </p:txBody>
+      </p:sp>
+      <p:pic>
+        <p:nvPicPr>
+          <p:cNvPr id="3082" name="Picture 10" descr="Picture background">
+            <a:extLst>
+              <a:ext uri="{FF2B5EF4-FFF2-40B4-BE49-F238E27FC236}">
+                <a16:creationId xmlns:a16="http://schemas.microsoft.com/office/drawing/2014/main" id="{31E38E3F-762E-45E4-864B-9F5D0A8C9716}"/>
+              </a:ext>
+            </a:extLst>
+          </p:cNvPr>
+          <p:cNvPicPr>
+            <a:picLocks noChangeAspect="1" noChangeArrowheads="1"/>
+          </p:cNvPicPr>
+          <p:nvPr/>
+        </p:nvPicPr>
+        <p:blipFill rotWithShape="1">
+          <a:blip r:embed="rId7">
+            <a:extLst>
+              <a:ext uri="{28A0092B-C50C-407E-A947-70E740481C1C}">
+                <a14:useLocalDpi xmlns:a14="http://schemas.microsoft.com/office/drawing/2010/main" val="0"/>
+              </a:ext>
+            </a:extLst>
+          </a:blip>
+          <a:srcRect t="-8703" b="-12414"/>
+          <a:stretch/>
+        </p:blipFill>
+        <p:spPr bwMode="auto">
+          <a:xfrm>
+            <a:off x="9500955" y="1583289"/>
+            <a:ext cx="2143124" cy="2244897"/>
+          </a:xfrm>
+          <a:prstGeom prst="rect">
+            <a:avLst/>
+          </a:prstGeom>
+          <a:noFill/>
+          <a:extLst>
+            <a:ext uri="{909E8E84-426E-40DD-AFC4-6F175D3DCCD1}">
+              <a14:hiddenFill xmlns:a14="http://schemas.microsoft.com/office/drawing/2010/main">
+                <a:solidFill>
+                  <a:srgbClr val="FFFFFF"/>
+                </a:solidFill>
+              </a14:hiddenFill>
+            </a:ext>
+          </a:extLst>
+        </p:spPr>
+      </p:pic>
+      <p:sp>
+        <p:nvSpPr>
+          <p:cNvPr id="18" name="TextBox 17">
+            <a:extLst>
+              <a:ext uri="{FF2B5EF4-FFF2-40B4-BE49-F238E27FC236}">
+                <a16:creationId xmlns:a16="http://schemas.microsoft.com/office/drawing/2014/main" id="{0A19A5A5-8D3A-49DE-B673-9510FDD9DE68}"/>
+              </a:ext>
+            </a:extLst>
+          </p:cNvPr>
+          <p:cNvSpPr txBox="1"/>
+          <p:nvPr/>
+        </p:nvSpPr>
+        <p:spPr>
+          <a:xfrm>
+            <a:off x="9538776" y="3616749"/>
+            <a:ext cx="2143124" cy="461665"/>
+          </a:xfrm>
+          <a:prstGeom prst="rect">
+            <a:avLst/>
+          </a:prstGeom>
+          <a:noFill/>
+        </p:spPr>
+        <p:txBody>
+          <a:bodyPr wrap="square" rtlCol="0">
+            <a:spAutoFit/>
+          </a:bodyPr>
+          <a:lstStyle/>
+          <a:p>
+            <a:pPr algn="ctr"/>
+            <a:r>
+              <a:rPr lang="en-US" sz="2400" dirty="0"/>
+              <a:t>Notepad++</a:t>
+            </a:r>
+            <a:endParaRPr lang="ru-RU" sz="2400" dirty="0"/>
+          </a:p>
+        </p:txBody>
+      </p:sp>
+    </p:spTree>
+    <p:extLst>
+      <p:ext uri="{BB962C8B-B14F-4D97-AF65-F5344CB8AC3E}">
+        <p14:creationId xmlns:p14="http://schemas.microsoft.com/office/powerpoint/2010/main" val="804317512"/>
+      </p:ext>
+    </p:extLst>
+  </p:cSld>
+  <p:clrMapOvr>
+    <a:masterClrMapping/>
+  </p:clrMapOvr>
+</p:sld>
+</file>
+
+<file path=ppt/slides/slide8.xml><?xml version="1.0" encoding="utf-8"?>
+<p:sld xmlns:a="http://schemas.openxmlformats.org/drawingml/2006/main" xmlns:r="http://schemas.openxmlformats.org/officeDocument/2006/relationships" xmlns:p="http://schemas.openxmlformats.org/presentationml/2006/main">
+  <p:cSld>
+    <p:spTree>
+      <p:nvGrpSpPr>
+        <p:cNvPr id="1" name=""/>
+        <p:cNvGrpSpPr/>
+        <p:nvPr/>
+      </p:nvGrpSpPr>
+      <p:grpSpPr>
+        <a:xfrm>
+          <a:off x="0" y="0"/>
+          <a:ext cx="0" cy="0"/>
+          <a:chOff x="0" y="0"/>
+          <a:chExt cx="0" cy="0"/>
+        </a:xfrm>
+      </p:grpSpPr>
+      <p:sp>
+        <p:nvSpPr>
+          <p:cNvPr id="2" name="Заголовок 1">
+            <a:extLst>
+              <a:ext uri="{FF2B5EF4-FFF2-40B4-BE49-F238E27FC236}">
+                <a16:creationId xmlns:a16="http://schemas.microsoft.com/office/drawing/2014/main" id="{12CF625C-6495-41E5-8C78-E72C76DAFC9A}"/>
+              </a:ext>
+            </a:extLst>
+          </p:cNvPr>
+          <p:cNvSpPr>
+            <a:spLocks noGrp="1"/>
+          </p:cNvSpPr>
+          <p:nvPr>
+            <p:ph type="title"/>
+          </p:nvPr>
+        </p:nvSpPr>
+        <p:spPr>
+          <a:xfrm>
+            <a:off x="838200" y="316488"/>
+            <a:ext cx="10515600" cy="870288"/>
+          </a:xfrm>
+        </p:spPr>
+        <p:txBody>
+          <a:bodyPr>
+            <a:normAutofit/>
+          </a:bodyPr>
+          <a:lstStyle/>
+          <a:p>
+            <a:r>
+              <a:rPr lang="ru-RU" sz="3800" dirty="0"/>
+              <a:t>Дизайн</a:t>
+            </a:r>
+          </a:p>
+        </p:txBody>
+      </p:sp>
+      <p:pic>
+        <p:nvPicPr>
+          <p:cNvPr id="13" name="Рисунок 12">
+            <a:extLst>
+              <a:ext uri="{FF2B5EF4-FFF2-40B4-BE49-F238E27FC236}">
+                <a16:creationId xmlns:a16="http://schemas.microsoft.com/office/drawing/2014/main" id="{87A70CA5-84EF-41EE-B671-D973640D7FF8}"/>
+              </a:ext>
+            </a:extLst>
+          </p:cNvPr>
+          <p:cNvPicPr/>
+          <p:nvPr/>
+        </p:nvPicPr>
+        <p:blipFill>
+          <a:blip r:embed="rId3"/>
+          <a:stretch>
+            <a:fillRect/>
+          </a:stretch>
+        </p:blipFill>
+        <p:spPr>
+          <a:xfrm>
+            <a:off x="1185940" y="1605505"/>
+            <a:ext cx="3151282" cy="2063576"/>
+          </a:xfrm>
+          <a:prstGeom prst="rect">
+            <a:avLst/>
+          </a:prstGeom>
+          <a:ln>
+            <a:solidFill>
+              <a:schemeClr val="tx1"/>
+            </a:solidFill>
+          </a:ln>
+        </p:spPr>
+      </p:pic>
+      <p:pic>
+        <p:nvPicPr>
+          <p:cNvPr id="15" name="Рисунок 14">
+            <a:extLst>
+              <a:ext uri="{FF2B5EF4-FFF2-40B4-BE49-F238E27FC236}">
+                <a16:creationId xmlns:a16="http://schemas.microsoft.com/office/drawing/2014/main" id="{1F40D946-C9AC-4A0E-AA5D-77D762881FD6}"/>
+              </a:ext>
+            </a:extLst>
+          </p:cNvPr>
+          <p:cNvPicPr/>
+          <p:nvPr/>
+        </p:nvPicPr>
+        <p:blipFill>
+          <a:blip r:embed="rId4"/>
+          <a:stretch>
+            <a:fillRect/>
+          </a:stretch>
+        </p:blipFill>
+        <p:spPr>
+          <a:xfrm>
+            <a:off x="4520359" y="4108094"/>
+            <a:ext cx="3151282" cy="2063577"/>
+          </a:xfrm>
+          <a:prstGeom prst="rect">
+            <a:avLst/>
+          </a:prstGeom>
+          <a:ln>
+            <a:solidFill>
+              <a:schemeClr val="tx1"/>
+            </a:solidFill>
+          </a:ln>
+        </p:spPr>
+      </p:pic>
+      <p:pic>
+        <p:nvPicPr>
+          <p:cNvPr id="4" name="Рисунок 3" descr="Изображение выглядит как текст, программное обеспечение, снимок экрана, дизайн&#10;&#10;Контент, сгенерированный ИИ, может содержать ошибки.">
+            <a:extLst>
+              <a:ext uri="{FF2B5EF4-FFF2-40B4-BE49-F238E27FC236}">
+                <a16:creationId xmlns:a16="http://schemas.microsoft.com/office/drawing/2014/main" id="{1F371845-58EA-4793-AD92-EA4444C522FE}"/>
+              </a:ext>
+            </a:extLst>
+          </p:cNvPr>
+          <p:cNvPicPr>
+            <a:picLocks noChangeAspect="1"/>
+          </p:cNvPicPr>
+          <p:nvPr/>
+        </p:nvPicPr>
+        <p:blipFill>
+          <a:blip r:embed="rId5">
+            <a:extLst>
+              <a:ext uri="{28A0092B-C50C-407E-A947-70E740481C1C}">
+                <a14:useLocalDpi xmlns:a14="http://schemas.microsoft.com/office/drawing/2010/main" val="0"/>
+              </a:ext>
+            </a:extLst>
+          </a:blip>
+          <a:stretch>
+            <a:fillRect/>
+          </a:stretch>
+        </p:blipFill>
+        <p:spPr>
+          <a:xfrm>
+            <a:off x="7854780" y="1605505"/>
+            <a:ext cx="3151280" cy="2063577"/>
+          </a:xfrm>
+          <a:prstGeom prst="rect">
+            <a:avLst/>
+          </a:prstGeom>
+        </p:spPr>
+      </p:pic>
+      <p:sp>
+        <p:nvSpPr>
+          <p:cNvPr id="3" name="TextBox 2">
+            <a:extLst>
+              <a:ext uri="{FF2B5EF4-FFF2-40B4-BE49-F238E27FC236}">
+                <a16:creationId xmlns:a16="http://schemas.microsoft.com/office/drawing/2014/main" id="{C7F2F341-E4A3-4B6B-9FD2-556562ED2E93}"/>
+              </a:ext>
+            </a:extLst>
+          </p:cNvPr>
+          <p:cNvSpPr txBox="1"/>
+          <p:nvPr/>
+        </p:nvSpPr>
+        <p:spPr>
+          <a:xfrm>
+            <a:off x="1185938" y="3941805"/>
+            <a:ext cx="3151283" cy="830997"/>
+          </a:xfrm>
+          <a:prstGeom prst="rect">
+            <a:avLst/>
+          </a:prstGeom>
+          <a:noFill/>
+        </p:spPr>
+        <p:txBody>
+          <a:bodyPr wrap="square" rtlCol="0">
+            <a:spAutoFit/>
+          </a:bodyPr>
+          <a:lstStyle/>
+          <a:p>
+            <a:pPr algn="ctr"/>
+            <a:r>
+              <a:rPr lang="ru-RU" sz="2400" dirty="0"/>
+              <a:t>Глубокий оливково-зеленый</a:t>
+            </a:r>
+          </a:p>
+        </p:txBody>
+      </p:sp>
+      <p:sp>
+        <p:nvSpPr>
+          <p:cNvPr id="9" name="TextBox 8">
+            <a:extLst>
+              <a:ext uri="{FF2B5EF4-FFF2-40B4-BE49-F238E27FC236}">
+                <a16:creationId xmlns:a16="http://schemas.microsoft.com/office/drawing/2014/main" id="{D82BF704-AB51-4EB3-9507-243739B33DFF}"/>
+              </a:ext>
+            </a:extLst>
+          </p:cNvPr>
+          <p:cNvSpPr txBox="1"/>
+          <p:nvPr/>
+        </p:nvSpPr>
+        <p:spPr>
+          <a:xfrm>
+            <a:off x="4520359" y="3429000"/>
+            <a:ext cx="3151283" cy="461665"/>
+          </a:xfrm>
+          <a:prstGeom prst="rect">
+            <a:avLst/>
+          </a:prstGeom>
+          <a:noFill/>
+        </p:spPr>
+        <p:txBody>
+          <a:bodyPr wrap="square" rtlCol="0">
+            <a:spAutoFit/>
+          </a:bodyPr>
+          <a:lstStyle/>
+          <a:p>
+            <a:pPr algn="ctr"/>
+            <a:r>
+              <a:rPr lang="ru-RU" sz="2400" dirty="0"/>
+              <a:t>Жженый апельсин</a:t>
+            </a:r>
+          </a:p>
+        </p:txBody>
+      </p:sp>
+      <p:sp>
+        <p:nvSpPr>
+          <p:cNvPr id="10" name="TextBox 9">
+            <a:extLst>
+              <a:ext uri="{FF2B5EF4-FFF2-40B4-BE49-F238E27FC236}">
+                <a16:creationId xmlns:a16="http://schemas.microsoft.com/office/drawing/2014/main" id="{32016C62-7A34-46D6-88CA-A4AC4C778178}"/>
+              </a:ext>
+            </a:extLst>
+          </p:cNvPr>
+          <p:cNvSpPr txBox="1"/>
+          <p:nvPr/>
+        </p:nvSpPr>
+        <p:spPr>
+          <a:xfrm>
+            <a:off x="7999248" y="3941805"/>
+            <a:ext cx="2862342" cy="1200329"/>
+          </a:xfrm>
+          <a:prstGeom prst="rect">
+            <a:avLst/>
+          </a:prstGeom>
+          <a:noFill/>
+        </p:spPr>
+        <p:txBody>
+          <a:bodyPr wrap="square" rtlCol="0">
+            <a:spAutoFit/>
+          </a:bodyPr>
+          <a:lstStyle/>
+          <a:p>
+            <a:pPr algn="ctr"/>
+            <a:r>
+              <a:rPr lang="ru-RU" sz="2400" u="sng" dirty="0"/>
+              <a:t>Глубокий синий с фиолетовым оттенком</a:t>
+            </a:r>
+          </a:p>
+        </p:txBody>
+      </p:sp>
+    </p:spTree>
+    <p:extLst>
+      <p:ext uri="{BB962C8B-B14F-4D97-AF65-F5344CB8AC3E}">
+        <p14:creationId xmlns:p14="http://schemas.microsoft.com/office/powerpoint/2010/main" val="279715459"/>
+      </p:ext>
+    </p:extLst>
+  </p:cSld>
+  <p:clrMapOvr>
+    <a:masterClrMapping/>
+  </p:clrMapOvr>
+</p:sld>
+</file>
+
+<file path=ppt/slides/slide9.xml><?xml version="1.0" encoding="utf-8"?>
+<p:sld xmlns:a="http://schemas.openxmlformats.org/drawingml/2006/main" xmlns:r="http://schemas.openxmlformats.org/officeDocument/2006/relationships" xmlns:p="http://schemas.openxmlformats.org/presentationml/2006/main">
+  <p:cSld>
+    <p:spTree>
+      <p:nvGrpSpPr>
+        <p:cNvPr id="1" name=""/>
+        <p:cNvGrpSpPr/>
+        <p:nvPr/>
+      </p:nvGrpSpPr>
+      <p:grpSpPr>
+        <a:xfrm>
+          <a:off x="0" y="0"/>
+          <a:ext cx="0" cy="0"/>
+          <a:chOff x="0" y="0"/>
+          <a:chExt cx="0" cy="0"/>
+        </a:xfrm>
+      </p:grpSpPr>
+      <p:sp>
+        <p:nvSpPr>
+          <p:cNvPr id="2" name="Заголовок 1">
+            <a:extLst>
+              <a:ext uri="{FF2B5EF4-FFF2-40B4-BE49-F238E27FC236}">
+                <a16:creationId xmlns:a16="http://schemas.microsoft.com/office/drawing/2014/main" id="{12CF625C-6495-41E5-8C78-E72C76DAFC9A}"/>
+              </a:ext>
+            </a:extLst>
+          </p:cNvPr>
+          <p:cNvSpPr>
+            <a:spLocks noGrp="1"/>
+          </p:cNvSpPr>
+          <p:nvPr>
+            <p:ph type="title"/>
+          </p:nvPr>
+        </p:nvSpPr>
+        <p:spPr>
+          <a:xfrm>
+            <a:off x="838200" y="316488"/>
+            <a:ext cx="10515600" cy="870288"/>
+          </a:xfrm>
+        </p:spPr>
+        <p:txBody>
+          <a:bodyPr>
+            <a:normAutofit/>
+          </a:bodyPr>
+          <a:lstStyle/>
+          <a:p>
+            <a:r>
+              <a:rPr lang="ru-RU" sz="3800" dirty="0"/>
+              <a:t>Дизайн</a:t>
+            </a:r>
+          </a:p>
+        </p:txBody>
+      </p:sp>
+      <p:sp>
+        <p:nvSpPr>
+          <p:cNvPr id="10" name="TextBox 9">
+            <a:extLst>
+              <a:ext uri="{FF2B5EF4-FFF2-40B4-BE49-F238E27FC236}">
+                <a16:creationId xmlns:a16="http://schemas.microsoft.com/office/drawing/2014/main" id="{32016C62-7A34-46D6-88CA-A4AC4C778178}"/>
+              </a:ext>
+            </a:extLst>
+          </p:cNvPr>
+          <p:cNvSpPr txBox="1"/>
+          <p:nvPr/>
+        </p:nvSpPr>
+        <p:spPr>
+          <a:xfrm>
+            <a:off x="6808268" y="2446744"/>
+            <a:ext cx="2862342" cy="1964512"/>
+          </a:xfrm>
+          <a:prstGeom prst="rect">
+            <a:avLst/>
+          </a:prstGeom>
+          <a:noFill/>
+        </p:spPr>
+        <p:txBody>
+          <a:bodyPr wrap="square" rtlCol="0">
+            <a:spAutoFit/>
+          </a:bodyPr>
+          <a:lstStyle/>
+          <a:p>
+            <a:pPr algn="just">
+              <a:lnSpc>
+                <a:spcPct val="150000"/>
+              </a:lnSpc>
+            </a:pPr>
+            <a:r>
+              <a:rPr lang="ru-RU" sz="2800" dirty="0"/>
+              <a:t>Глубокий синий с фиолетовым оттенком</a:t>
+            </a:r>
+          </a:p>
+        </p:txBody>
+      </p:sp>
+      <p:sp>
+        <p:nvSpPr>
+          <p:cNvPr id="5" name="Прямоугольник: скругленные углы 4">
+            <a:extLst>
+              <a:ext uri="{FF2B5EF4-FFF2-40B4-BE49-F238E27FC236}">
+                <a16:creationId xmlns:a16="http://schemas.microsoft.com/office/drawing/2014/main" id="{9CCAE78B-FAD7-437F-BB40-8A8F8070918F}"/>
+              </a:ext>
+            </a:extLst>
+          </p:cNvPr>
+          <p:cNvSpPr/>
+          <p:nvPr/>
+        </p:nvSpPr>
+        <p:spPr>
+          <a:xfrm>
+            <a:off x="2764102" y="2119184"/>
+            <a:ext cx="2619632" cy="2619632"/>
+          </a:xfrm>
+          <a:prstGeom prst="roundRect">
+            <a:avLst/>
+          </a:prstGeom>
+          <a:solidFill>
+            <a:srgbClr val="4438CA"/>
+          </a:solidFill>
+        </p:spPr>
+        <p:style>
+          <a:lnRef idx="2">
+            <a:schemeClr val="accent1">
+              <a:shade val="50000"/>
+            </a:schemeClr>
+          </a:lnRef>
+          <a:fillRef idx="1">
+            <a:schemeClr val="accent1"/>
+          </a:fillRef>
+          <a:effectRef idx="0">
+            <a:schemeClr val="accent1"/>
+          </a:effectRef>
+          <a:fontRef idx="minor">
+            <a:schemeClr val="lt1"/>
+          </a:fontRef>
+        </p:style>
+        <p:txBody>
+          <a:bodyPr rtlCol="0" anchor="ctr"/>
+          <a:lstStyle/>
+          <a:p>
+            <a:pPr algn="ctr"/>
+            <a:endParaRPr lang="ru-RU"/>
+          </a:p>
+        </p:txBody>
+      </p:sp>
+    </p:spTree>
+    <p:extLst>
+      <p:ext uri="{BB962C8B-B14F-4D97-AF65-F5344CB8AC3E}">
+        <p14:creationId xmlns:p14="http://schemas.microsoft.com/office/powerpoint/2010/main" val="3285639846"/>
       </p:ext>
     </p:extLst>
   </p:cSld>

--- a/Защита Диплом - Угольников Д.О..pptx
+++ b/Защита Диплом - Угольников Д.О..pptx
@@ -211,7 +211,7 @@
           <a:p>
             <a:fld id="{A52716C3-8E42-4995-88EF-65465D366192}" type="datetimeFigureOut">
               <a:rPr lang="ru-RU" smtClean="0"/>
-              <a:t>17.06.2025</a:t>
+              <a:t>18.06.2025</a:t>
             </a:fld>
             <a:endParaRPr lang="ru-RU"/>
           </a:p>
@@ -1473,7 +1473,14 @@
                 <a:latin typeface="Times New Roman" panose="02020603050405020304" pitchFamily="18" charset="0"/>
                 <a:ea typeface="Times New Roman" panose="02020603050405020304" pitchFamily="18" charset="0"/>
               </a:rPr>
-              <a:t>: при таком спросе необходима своя гибкая платформа.</a:t>
+              <a:t>: </a:t>
+            </a:r>
+            <a:r>
+              <a:rPr lang="ru-RU" sz="1800" dirty="0">
+                <a:effectLst/>
+                <a:ea typeface="Calibri" panose="020F0502020204030204" pitchFamily="34" charset="0"/>
+              </a:rPr>
+              <a:t>Как разработать маркетплейс?</a:t>
             </a:r>
             <a:br>
               <a:rPr lang="ru-RU" sz="1800" dirty="0">
@@ -2915,7 +2922,7 @@
           <a:p>
             <a:fld id="{FC6A7C88-4F8A-4E5C-B6F9-6F8BC3F9D815}" type="datetimeFigureOut">
               <a:rPr lang="ru-RU" smtClean="0"/>
-              <a:t>17.06.2025</a:t>
+              <a:t>18.06.2025</a:t>
             </a:fld>
             <a:endParaRPr lang="ru-RU"/>
           </a:p>
@@ -3113,7 +3120,7 @@
           <a:p>
             <a:fld id="{FC6A7C88-4F8A-4E5C-B6F9-6F8BC3F9D815}" type="datetimeFigureOut">
               <a:rPr lang="ru-RU" smtClean="0"/>
-              <a:t>17.06.2025</a:t>
+              <a:t>18.06.2025</a:t>
             </a:fld>
             <a:endParaRPr lang="ru-RU"/>
           </a:p>
@@ -3321,7 +3328,7 @@
           <a:p>
             <a:fld id="{FC6A7C88-4F8A-4E5C-B6F9-6F8BC3F9D815}" type="datetimeFigureOut">
               <a:rPr lang="ru-RU" smtClean="0"/>
-              <a:t>17.06.2025</a:t>
+              <a:t>18.06.2025</a:t>
             </a:fld>
             <a:endParaRPr lang="ru-RU"/>
           </a:p>
@@ -3519,7 +3526,7 @@
           <a:p>
             <a:fld id="{FC6A7C88-4F8A-4E5C-B6F9-6F8BC3F9D815}" type="datetimeFigureOut">
               <a:rPr lang="ru-RU" smtClean="0"/>
-              <a:t>17.06.2025</a:t>
+              <a:t>18.06.2025</a:t>
             </a:fld>
             <a:endParaRPr lang="ru-RU"/>
           </a:p>
@@ -3794,7 +3801,7 @@
           <a:p>
             <a:fld id="{FC6A7C88-4F8A-4E5C-B6F9-6F8BC3F9D815}" type="datetimeFigureOut">
               <a:rPr lang="ru-RU" smtClean="0"/>
-              <a:t>17.06.2025</a:t>
+              <a:t>18.06.2025</a:t>
             </a:fld>
             <a:endParaRPr lang="ru-RU"/>
           </a:p>
@@ -4059,7 +4066,7 @@
           <a:p>
             <a:fld id="{FC6A7C88-4F8A-4E5C-B6F9-6F8BC3F9D815}" type="datetimeFigureOut">
               <a:rPr lang="ru-RU" smtClean="0"/>
-              <a:t>17.06.2025</a:t>
+              <a:t>18.06.2025</a:t>
             </a:fld>
             <a:endParaRPr lang="ru-RU"/>
           </a:p>
@@ -4471,7 +4478,7 @@
           <a:p>
             <a:fld id="{FC6A7C88-4F8A-4E5C-B6F9-6F8BC3F9D815}" type="datetimeFigureOut">
               <a:rPr lang="ru-RU" smtClean="0"/>
-              <a:t>17.06.2025</a:t>
+              <a:t>18.06.2025</a:t>
             </a:fld>
             <a:endParaRPr lang="ru-RU"/>
           </a:p>
@@ -4612,7 +4619,7 @@
           <a:p>
             <a:fld id="{FC6A7C88-4F8A-4E5C-B6F9-6F8BC3F9D815}" type="datetimeFigureOut">
               <a:rPr lang="ru-RU" smtClean="0"/>
-              <a:t>17.06.2025</a:t>
+              <a:t>18.06.2025</a:t>
             </a:fld>
             <a:endParaRPr lang="ru-RU"/>
           </a:p>
@@ -4725,7 +4732,7 @@
           <a:p>
             <a:fld id="{FC6A7C88-4F8A-4E5C-B6F9-6F8BC3F9D815}" type="datetimeFigureOut">
               <a:rPr lang="ru-RU" smtClean="0"/>
-              <a:t>17.06.2025</a:t>
+              <a:t>18.06.2025</a:t>
             </a:fld>
             <a:endParaRPr lang="ru-RU"/>
           </a:p>
@@ -5036,7 +5043,7 @@
           <a:p>
             <a:fld id="{FC6A7C88-4F8A-4E5C-B6F9-6F8BC3F9D815}" type="datetimeFigureOut">
               <a:rPr lang="ru-RU" smtClean="0"/>
-              <a:t>17.06.2025</a:t>
+              <a:t>18.06.2025</a:t>
             </a:fld>
             <a:endParaRPr lang="ru-RU"/>
           </a:p>
@@ -5324,7 +5331,7 @@
           <a:p>
             <a:fld id="{FC6A7C88-4F8A-4E5C-B6F9-6F8BC3F9D815}" type="datetimeFigureOut">
               <a:rPr lang="ru-RU" smtClean="0"/>
-              <a:t>17.06.2025</a:t>
+              <a:t>18.06.2025</a:t>
             </a:fld>
             <a:endParaRPr lang="ru-RU"/>
           </a:p>
@@ -5565,7 +5572,7 @@
           <a:p>
             <a:fld id="{FC6A7C88-4F8A-4E5C-B6F9-6F8BC3F9D815}" type="datetimeFigureOut">
               <a:rPr lang="ru-RU" smtClean="0"/>
-              <a:t>17.06.2025</a:t>
+              <a:t>18.06.2025</a:t>
             </a:fld>
             <a:endParaRPr lang="ru-RU"/>
           </a:p>

--- a/Защита Диплом - Угольников Д.О..pptx
+++ b/Защита Диплом - Угольников Д.О..pptx
@@ -5,24 +5,23 @@
     <p:sldMasterId id="2147483648" r:id="rId1"/>
   </p:sldMasterIdLst>
   <p:notesMasterIdLst>
-    <p:notesMasterId r:id="rId17"/>
+    <p:notesMasterId r:id="rId16"/>
   </p:notesMasterIdLst>
   <p:sldIdLst>
     <p:sldId id="256" r:id="rId2"/>
     <p:sldId id="258" r:id="rId3"/>
-    <p:sldId id="257" r:id="rId4"/>
-    <p:sldId id="259" r:id="rId5"/>
-    <p:sldId id="260" r:id="rId6"/>
+    <p:sldId id="259" r:id="rId4"/>
+    <p:sldId id="260" r:id="rId5"/>
+    <p:sldId id="263" r:id="rId6"/>
     <p:sldId id="262" r:id="rId7"/>
-    <p:sldId id="263" r:id="rId8"/>
-    <p:sldId id="265" r:id="rId9"/>
-    <p:sldId id="266" r:id="rId10"/>
-    <p:sldId id="267" r:id="rId11"/>
-    <p:sldId id="268" r:id="rId12"/>
-    <p:sldId id="269" r:id="rId13"/>
-    <p:sldId id="270" r:id="rId14"/>
-    <p:sldId id="271" r:id="rId15"/>
-    <p:sldId id="272" r:id="rId16"/>
+    <p:sldId id="265" r:id="rId8"/>
+    <p:sldId id="266" r:id="rId9"/>
+    <p:sldId id="267" r:id="rId10"/>
+    <p:sldId id="268" r:id="rId11"/>
+    <p:sldId id="269" r:id="rId12"/>
+    <p:sldId id="270" r:id="rId13"/>
+    <p:sldId id="271" r:id="rId14"/>
+    <p:sldId id="272" r:id="rId15"/>
   </p:sldIdLst>
   <p:sldSz cx="12192000" cy="6858000"/>
   <p:notesSz cx="6858000" cy="9144000"/>
@@ -523,28 +522,16 @@
           <a:lstStyle/>
           <a:p>
             <a:r>
-              <a:rPr lang="ru-RU" sz="1800" dirty="0">
-                <a:effectLst/>
-                <a:latin typeface="Times New Roman" panose="02020603050405020304" pitchFamily="18" charset="0"/>
-                <a:ea typeface="Calibri" panose="020F0502020204030204" pitchFamily="34" charset="0"/>
-              </a:rPr>
-              <a:t>Добрый день, уважаемые члены комиссии! Я, Угольников Даниил - студент 4 курса группы 2‑ИС, представляю вам дипломный проект на тему «Маркетплейс по продаже товаров для компании </a:t>
-            </a:r>
-            <a:r>
-              <a:rPr lang="ru-RU" sz="1800" dirty="0" err="1">
-                <a:effectLst/>
-                <a:latin typeface="Times New Roman" panose="02020603050405020304" pitchFamily="18" charset="0"/>
-                <a:ea typeface="Calibri" panose="020F0502020204030204" pitchFamily="34" charset="0"/>
-              </a:rPr>
-              <a:t>ruMarket</a:t>
-            </a:r>
-            <a:r>
-              <a:rPr lang="ru-RU" sz="1800" dirty="0">
-                <a:effectLst/>
-                <a:latin typeface="Times New Roman" panose="02020603050405020304" pitchFamily="18" charset="0"/>
-                <a:ea typeface="Calibri" panose="020F0502020204030204" pitchFamily="34" charset="0"/>
-              </a:rPr>
-              <a:t>», руководителем является Ведерникова Ирина Дмитриевна</a:t>
+              <a:rPr lang="ru-RU" sz="1200" kern="1200" dirty="0">
+                <a:solidFill>
+                  <a:schemeClr val="tx1"/>
+                </a:solidFill>
+                <a:effectLst/>
+                <a:latin typeface="+mn-lt"/>
+                <a:ea typeface="+mn-ea"/>
+                <a:cs typeface="+mn-cs"/>
+              </a:rPr>
+              <a:t>Добрый день, уважаемые члены комиссии! Я, Угольников Даниил - студент 4 курса группы 2‑ИС, представляю вам выпускную квалификационную работу на тему «Маркетплейс по продаже товаров для компании ruMarket», руководителем является Ведерникова Ирина Дмитриевна</a:t>
             </a:r>
             <a:endParaRPr lang="ru-RU" dirty="0"/>
           </a:p>
@@ -631,43 +618,16 @@
           <a:lstStyle/>
           <a:p>
             <a:r>
-              <a:rPr lang="ru-RU" sz="1800" dirty="0">
-                <a:effectLst/>
-                <a:latin typeface="Times New Roman" panose="02020603050405020304" pitchFamily="18" charset="0"/>
-                <a:ea typeface="Calibri" panose="020F0502020204030204" pitchFamily="34" charset="0"/>
-              </a:rPr>
-              <a:t>Ну а сейчас я перейду к демонстрации своего продукта</a:t>
-            </a:r>
-            <a:br>
-              <a:rPr lang="ru-RU" sz="1800" dirty="0">
-                <a:effectLst/>
-                <a:latin typeface="Times New Roman" panose="02020603050405020304" pitchFamily="18" charset="0"/>
-                <a:ea typeface="Calibri" panose="020F0502020204030204" pitchFamily="34" charset="0"/>
-              </a:rPr>
-            </a:br>
-            <a:r>
-              <a:rPr lang="ru-RU" sz="1800" i="1" dirty="0">
-                <a:effectLst/>
-                <a:latin typeface="Times New Roman" panose="02020603050405020304" pitchFamily="18" charset="0"/>
-                <a:ea typeface="Calibri" panose="020F0502020204030204" pitchFamily="34" charset="0"/>
-                <a:cs typeface="Times New Roman" panose="02020603050405020304" pitchFamily="18" charset="0"/>
-              </a:rPr>
-              <a:t>(Переключаюсь в браузер)</a:t>
-            </a:r>
-            <a:br>
-              <a:rPr lang="ru-RU" sz="1800" dirty="0">
-                <a:effectLst/>
-                <a:latin typeface="Times New Roman" panose="02020603050405020304" pitchFamily="18" charset="0"/>
-                <a:ea typeface="Calibri" panose="020F0502020204030204" pitchFamily="34" charset="0"/>
-              </a:rPr>
-            </a:br>
-            <a:r>
-              <a:rPr lang="ru-RU" sz="1800" dirty="0">
-                <a:effectLst/>
-                <a:latin typeface="Times New Roman" panose="02020603050405020304" pitchFamily="18" charset="0"/>
-                <a:ea typeface="Calibri" panose="020F0502020204030204" pitchFamily="34" charset="0"/>
-              </a:rPr>
-              <a:t>Показываю главную страницу, каталог, карточку товара и личный кабинет. Описываю основные сценарии: регистрация, поиск, оформление заказа.</a:t>
+              <a:rPr lang="ru-RU" sz="1200" kern="1200" dirty="0">
+                <a:solidFill>
+                  <a:schemeClr val="tx1"/>
+                </a:solidFill>
+                <a:effectLst/>
+                <a:latin typeface="+mn-lt"/>
+                <a:ea typeface="+mn-ea"/>
+                <a:cs typeface="+mn-cs"/>
+              </a:rPr>
+              <a:t>В качестве функционального и регрессионного тестирования для проекта был написан тест на Pytest + Selenium. Результаты тестирования отображены на экране</a:t>
             </a:r>
             <a:endParaRPr lang="ru-RU" dirty="0"/>
           </a:p>
@@ -699,7 +659,7 @@
     </p:spTree>
     <p:extLst>
       <p:ext uri="{BB962C8B-B14F-4D97-AF65-F5344CB8AC3E}">
-        <p14:creationId xmlns:p14="http://schemas.microsoft.com/office/powerpoint/2010/main" val="3214782878"/>
+        <p14:creationId xmlns:p14="http://schemas.microsoft.com/office/powerpoint/2010/main" val="1825887993"/>
       </p:ext>
     </p:extLst>
   </p:cSld>
@@ -753,29 +713,58 @@
           <a:bodyPr/>
           <a:lstStyle/>
           <a:p>
-            <a:r>
-              <a:rPr lang="ru-RU" sz="1800" dirty="0">
-                <a:effectLst/>
-                <a:latin typeface="Times New Roman" panose="02020603050405020304" pitchFamily="18" charset="0"/>
-                <a:ea typeface="Calibri" panose="020F0502020204030204" pitchFamily="34" charset="0"/>
-              </a:rPr>
-              <a:t>В качестве функционального и регрессионного тестирования был написан тест на </a:t>
-            </a:r>
-            <a:r>
-              <a:rPr lang="ru-RU" sz="1800" dirty="0" err="1">
-                <a:effectLst/>
-                <a:latin typeface="Times New Roman" panose="02020603050405020304" pitchFamily="18" charset="0"/>
-                <a:ea typeface="Calibri" panose="020F0502020204030204" pitchFamily="34" charset="0"/>
-              </a:rPr>
-              <a:t>Pytest+Selenium</a:t>
-            </a:r>
-            <a:r>
-              <a:rPr lang="ru-RU" sz="1800" dirty="0">
-                <a:effectLst/>
-                <a:latin typeface="Times New Roman" panose="02020603050405020304" pitchFamily="18" charset="0"/>
-                <a:ea typeface="Calibri" panose="020F0502020204030204" pitchFamily="34" charset="0"/>
-              </a:rPr>
-              <a:t>. Результаты тестирования вы можете видеть на экране</a:t>
+            <a:pPr marL="0" marR="0" lvl="0" indent="0" algn="l" defTabSz="914400" rtl="0" eaLnBrk="1" fontAlgn="auto" latinLnBrk="0" hangingPunct="1">
+              <a:lnSpc>
+                <a:spcPct val="100000"/>
+              </a:lnSpc>
+              <a:spcBef>
+                <a:spcPts val="0"/>
+              </a:spcBef>
+              <a:spcAft>
+                <a:spcPts val="0"/>
+              </a:spcAft>
+              <a:buClrTx/>
+              <a:buSzTx/>
+              <a:buFontTx/>
+              <a:buNone/>
+              <a:tabLst/>
+              <a:defRPr/>
+            </a:pPr>
+            <a:r>
+              <a:rPr lang="ru-RU" sz="1200" kern="1200" dirty="0">
+                <a:solidFill>
+                  <a:schemeClr val="tx1"/>
+                </a:solidFill>
+                <a:effectLst/>
+                <a:latin typeface="+mn-lt"/>
+                <a:ea typeface="+mn-ea"/>
+                <a:cs typeface="+mn-cs"/>
+              </a:rPr>
+              <a:t>При развертывании проекта на хостинг, </a:t>
+            </a:r>
+            <a:r>
+              <a:rPr lang="en-US" sz="1200" kern="1200" dirty="0">
+                <a:solidFill>
+                  <a:schemeClr val="tx1"/>
+                </a:solidFill>
+                <a:effectLst/>
+                <a:latin typeface="+mn-lt"/>
+                <a:ea typeface="+mn-ea"/>
+                <a:cs typeface="+mn-cs"/>
+              </a:rPr>
+              <a:t>Vercel </a:t>
+            </a:r>
+            <a:r>
+              <a:rPr lang="ru-RU" sz="1200" kern="1200" dirty="0">
+                <a:solidFill>
+                  <a:schemeClr val="tx1"/>
+                </a:solidFill>
+                <a:effectLst/>
+                <a:latin typeface="+mn-lt"/>
+                <a:ea typeface="+mn-ea"/>
+                <a:cs typeface="+mn-cs"/>
+              </a:rPr>
+              <a:t>проводит аудит скорости работы сайта, результаты аудита так же представлены на экране.</a:t>
             </a:r>
             <a:endParaRPr lang="ru-RU" dirty="0"/>
           </a:p>
@@ -807,7 +796,7 @@
     </p:spTree>
     <p:extLst>
       <p:ext uri="{BB962C8B-B14F-4D97-AF65-F5344CB8AC3E}">
-        <p14:creationId xmlns:p14="http://schemas.microsoft.com/office/powerpoint/2010/main" val="1825887993"/>
+        <p14:creationId xmlns:p14="http://schemas.microsoft.com/office/powerpoint/2010/main" val="134422378"/>
       </p:ext>
     </p:extLst>
   </p:cSld>
@@ -861,57 +850,18 @@
           <a:bodyPr/>
           <a:lstStyle/>
           <a:p>
-            <a:pPr marL="0" marR="0" lvl="0" indent="0" algn="l" defTabSz="914400" rtl="0" eaLnBrk="1" fontAlgn="auto" latinLnBrk="0" hangingPunct="1">
-              <a:lnSpc>
-                <a:spcPct val="100000"/>
-              </a:lnSpc>
-              <a:spcBef>
-                <a:spcPts val="0"/>
-              </a:spcBef>
-              <a:spcAft>
-                <a:spcPts val="0"/>
-              </a:spcAft>
-              <a:buClrTx/>
-              <a:buSzTx/>
-              <a:buFontTx/>
-              <a:buNone/>
-              <a:tabLst/>
-              <a:defRPr/>
-            </a:pPr>
-            <a:r>
-              <a:rPr lang="ru-RU" sz="1800" dirty="0">
-                <a:effectLst/>
-                <a:latin typeface="Times New Roman" panose="02020603050405020304" pitchFamily="18" charset="0"/>
-                <a:ea typeface="Times New Roman" panose="02020603050405020304" pitchFamily="18" charset="0"/>
-              </a:rPr>
-              <a:t>При развертывании проекта на хостинг, </a:t>
-            </a:r>
-            <a:r>
-              <a:rPr lang="en-US" sz="1800" dirty="0" err="1">
-                <a:effectLst/>
-                <a:latin typeface="Times New Roman" panose="02020603050405020304" pitchFamily="18" charset="0"/>
-                <a:ea typeface="Times New Roman" panose="02020603050405020304" pitchFamily="18" charset="0"/>
-              </a:rPr>
-              <a:t>Vercel</a:t>
-            </a:r>
-            <a:r>
-              <a:rPr lang="en-US" sz="1800" dirty="0">
-                <a:effectLst/>
-                <a:latin typeface="Times New Roman" panose="02020603050405020304" pitchFamily="18" charset="0"/>
-                <a:ea typeface="Times New Roman" panose="02020603050405020304" pitchFamily="18" charset="0"/>
-              </a:rPr>
-              <a:t> </a:t>
-            </a:r>
-            <a:r>
-              <a:rPr lang="ru-RU" sz="1800" dirty="0">
-                <a:effectLst/>
-                <a:latin typeface="Times New Roman" panose="02020603050405020304" pitchFamily="18" charset="0"/>
-                <a:ea typeface="Times New Roman" panose="02020603050405020304" pitchFamily="18" charset="0"/>
-              </a:rPr>
-              <a:t>проводит аудит скорости работы сайта, результаты аудита вы можете видеть на экране.</a:t>
-            </a:r>
-          </a:p>
-          <a:p>
+            <a:r>
+              <a:rPr lang="ru-RU" sz="1200" kern="1200" dirty="0">
+                <a:solidFill>
+                  <a:schemeClr val="tx1"/>
+                </a:solidFill>
+                <a:effectLst/>
+                <a:latin typeface="+mn-lt"/>
+                <a:ea typeface="+mn-ea"/>
+                <a:cs typeface="+mn-cs"/>
+              </a:rPr>
+              <a:t>В качестве документации к веб-приложению были написаны рекомендации пользования для продавцов и пользователей. Их вы можете видеть на экране</a:t>
+            </a:r>
             <a:endParaRPr lang="ru-RU" dirty="0"/>
           </a:p>
         </p:txBody>
@@ -942,7 +892,7 @@
     </p:spTree>
     <p:extLst>
       <p:ext uri="{BB962C8B-B14F-4D97-AF65-F5344CB8AC3E}">
-        <p14:creationId xmlns:p14="http://schemas.microsoft.com/office/powerpoint/2010/main" val="134422378"/>
+        <p14:creationId xmlns:p14="http://schemas.microsoft.com/office/powerpoint/2010/main" val="2895480520"/>
       </p:ext>
     </p:extLst>
   </p:cSld>
@@ -1002,7 +952,7 @@
                 <a:latin typeface="Times New Roman" panose="02020603050405020304" pitchFamily="18" charset="0"/>
                 <a:ea typeface="Calibri" panose="020F0502020204030204" pitchFamily="34" charset="0"/>
               </a:rPr>
-              <a:t>В качестве документации к веб-приложению были написаны рекомендации пользования для продавцов и пользователей. Их вы можете видеть на экране</a:t>
+              <a:t>Так же были разработаны рекомендации для администратора</a:t>
             </a:r>
             <a:endParaRPr lang="ru-RU" dirty="0"/>
           </a:p>
@@ -1034,7 +984,7 @@
     </p:spTree>
     <p:extLst>
       <p:ext uri="{BB962C8B-B14F-4D97-AF65-F5344CB8AC3E}">
-        <p14:creationId xmlns:p14="http://schemas.microsoft.com/office/powerpoint/2010/main" val="2895480520"/>
+        <p14:creationId xmlns:p14="http://schemas.microsoft.com/office/powerpoint/2010/main" val="1276097068"/>
       </p:ext>
     </p:extLst>
   </p:cSld>
@@ -1089,14 +1039,87 @@
           <a:lstStyle/>
           <a:p>
             <a:r>
-              <a:rPr lang="ru-RU" sz="1800" dirty="0">
-                <a:effectLst/>
-                <a:latin typeface="Times New Roman" panose="02020603050405020304" pitchFamily="18" charset="0"/>
-                <a:ea typeface="Calibri" panose="020F0502020204030204" pitchFamily="34" charset="0"/>
-              </a:rPr>
-              <a:t>Так же были разработаны рекомендации для администратора</a:t>
-            </a:r>
-            <a:endParaRPr lang="ru-RU" dirty="0"/>
+              <a:rPr lang="ru-RU" sz="1200" kern="1200" dirty="0">
+                <a:solidFill>
+                  <a:schemeClr val="tx1"/>
+                </a:solidFill>
+                <a:effectLst/>
+                <a:latin typeface="+mn-lt"/>
+                <a:ea typeface="+mn-ea"/>
+                <a:cs typeface="+mn-cs"/>
+              </a:rPr>
+              <a:t>В качестве заключения хочу сказать, что данный проект был очень интересен и многогранен из-за своей архитектуры и технологичных решений, за время работы над ним я изучил новый для себя фреймворк и переосмыслил своё понимание архитектуры веб-приложения.</a:t>
+            </a:r>
+            <a:br>
+              <a:rPr lang="ru-RU" sz="1200" kern="1200" dirty="0">
+                <a:solidFill>
+                  <a:schemeClr val="tx1"/>
+                </a:solidFill>
+                <a:effectLst/>
+                <a:latin typeface="+mn-lt"/>
+                <a:ea typeface="+mn-ea"/>
+                <a:cs typeface="+mn-cs"/>
+              </a:rPr>
+            </a:br>
+            <a:r>
+              <a:rPr lang="ru-RU" sz="1200" kern="1200" dirty="0">
+                <a:solidFill>
+                  <a:schemeClr val="tx1"/>
+                </a:solidFill>
+                <a:effectLst/>
+                <a:latin typeface="+mn-lt"/>
+                <a:ea typeface="+mn-ea"/>
+                <a:cs typeface="+mn-cs"/>
+              </a:rPr>
+              <a:t>Проблема решена, цель достигнута, задачи выполнены.</a:t>
+            </a:r>
+            <a:br>
+              <a:rPr lang="ru-RU" sz="1200" kern="1200" dirty="0">
+                <a:solidFill>
+                  <a:schemeClr val="tx1"/>
+                </a:solidFill>
+                <a:effectLst/>
+                <a:latin typeface="+mn-lt"/>
+                <a:ea typeface="+mn-ea"/>
+                <a:cs typeface="+mn-cs"/>
+              </a:rPr>
+            </a:br>
+            <a:r>
+              <a:rPr lang="ru-RU" sz="1200" kern="1200" dirty="0">
+                <a:solidFill>
+                  <a:schemeClr val="tx1"/>
+                </a:solidFill>
+                <a:effectLst/>
+                <a:latin typeface="+mn-lt"/>
+                <a:ea typeface="+mn-ea"/>
+                <a:cs typeface="+mn-cs"/>
+              </a:rPr>
+              <a:t>Проект готов к дальнейшему сопровождению и масштабированию.</a:t>
+            </a:r>
+            <a:br>
+              <a:rPr lang="ru-RU" sz="1200" kern="1200" dirty="0">
+                <a:solidFill>
+                  <a:schemeClr val="tx1"/>
+                </a:solidFill>
+                <a:effectLst/>
+                <a:latin typeface="+mn-lt"/>
+                <a:ea typeface="+mn-ea"/>
+                <a:cs typeface="+mn-cs"/>
+              </a:rPr>
+            </a:br>
+            <a:r>
+              <a:rPr lang="ru-RU" sz="1200" kern="1200" dirty="0">
+                <a:solidFill>
+                  <a:schemeClr val="tx1"/>
+                </a:solidFill>
+                <a:effectLst/>
+                <a:latin typeface="+mn-lt"/>
+                <a:ea typeface="+mn-ea"/>
+                <a:cs typeface="+mn-cs"/>
+              </a:rPr>
+              <a:t>Благодарю за внимание, готов ответить на ваши вопросы.</a:t>
+            </a:r>
+            <a:endParaRPr lang="ru-RU" i="1" dirty="0"/>
           </a:p>
         </p:txBody>
       </p:sp>
@@ -1118,152 +1141,6 @@
             <a:fld id="{2784CFAC-717A-4B46-8D0C-4BBA4D435472}" type="slidenum">
               <a:rPr lang="ru-RU" smtClean="0"/>
               <a:t>14</a:t>
-            </a:fld>
-            <a:endParaRPr lang="ru-RU"/>
-          </a:p>
-        </p:txBody>
-      </p:sp>
-    </p:spTree>
-    <p:extLst>
-      <p:ext uri="{BB962C8B-B14F-4D97-AF65-F5344CB8AC3E}">
-        <p14:creationId xmlns:p14="http://schemas.microsoft.com/office/powerpoint/2010/main" val="1276097068"/>
-      </p:ext>
-    </p:extLst>
-  </p:cSld>
-  <p:clrMapOvr>
-    <a:masterClrMapping/>
-  </p:clrMapOvr>
-</p:notes>
-</file>
-
-<file path=ppt/notesSlides/notesSlide15.xml><?xml version="1.0" encoding="utf-8"?>
-<p:notes xmlns:a="http://schemas.openxmlformats.org/drawingml/2006/main" xmlns:r="http://schemas.openxmlformats.org/officeDocument/2006/relationships" xmlns:p="http://schemas.openxmlformats.org/presentationml/2006/main">
-  <p:cSld>
-    <p:spTree>
-      <p:nvGrpSpPr>
-        <p:cNvPr id="1" name=""/>
-        <p:cNvGrpSpPr/>
-        <p:nvPr/>
-      </p:nvGrpSpPr>
-      <p:grpSpPr>
-        <a:xfrm>
-          <a:off x="0" y="0"/>
-          <a:ext cx="0" cy="0"/>
-          <a:chOff x="0" y="0"/>
-          <a:chExt cx="0" cy="0"/>
-        </a:xfrm>
-      </p:grpSpPr>
-      <p:sp>
-        <p:nvSpPr>
-          <p:cNvPr id="2" name="Образ слайда 1"/>
-          <p:cNvSpPr>
-            <a:spLocks noGrp="1" noRot="1" noChangeAspect="1"/>
-          </p:cNvSpPr>
-          <p:nvPr>
-            <p:ph type="sldImg"/>
-          </p:nvPr>
-        </p:nvSpPr>
-        <p:spPr/>
-      </p:sp>
-      <p:sp>
-        <p:nvSpPr>
-          <p:cNvPr id="3" name="Заметки 2"/>
-          <p:cNvSpPr>
-            <a:spLocks noGrp="1"/>
-          </p:cNvSpPr>
-          <p:nvPr>
-            <p:ph type="body" idx="1"/>
-          </p:nvPr>
-        </p:nvSpPr>
-        <p:spPr/>
-        <p:txBody>
-          <a:bodyPr/>
-          <a:lstStyle/>
-          <a:p>
-            <a:r>
-              <a:rPr lang="ru-RU" sz="1800" dirty="0">
-                <a:effectLst/>
-                <a:latin typeface="Times New Roman" panose="02020603050405020304" pitchFamily="18" charset="0"/>
-                <a:ea typeface="Calibri" panose="020F0502020204030204" pitchFamily="34" charset="0"/>
-              </a:rPr>
-              <a:t>В качестве заключения хочу сказать, что данный проект был очень интересен и многогранен из-за своей архитектуры и технологичных решений, за время работы над ним я изучил новый для себя фреймворк и переосмыслил своё понимание архитектуры веб-приложения.</a:t>
-            </a:r>
-            <a:br>
-              <a:rPr lang="ru-RU" sz="1800" dirty="0">
-                <a:effectLst/>
-                <a:latin typeface="Times New Roman" panose="02020603050405020304" pitchFamily="18" charset="0"/>
-                <a:ea typeface="Calibri" panose="020F0502020204030204" pitchFamily="34" charset="0"/>
-              </a:rPr>
-            </a:br>
-            <a:r>
-              <a:rPr lang="ru-RU" sz="1800" dirty="0">
-                <a:effectLst/>
-                <a:latin typeface="Times New Roman" panose="02020603050405020304" pitchFamily="18" charset="0"/>
-                <a:ea typeface="Times New Roman" panose="02020603050405020304" pitchFamily="18" charset="0"/>
-              </a:rPr>
-              <a:t>Проблема решена, цель достигнута, задачи выполнены.</a:t>
-            </a:r>
-            <a:br>
-              <a:rPr lang="ru-RU" sz="1800" dirty="0">
-                <a:effectLst/>
-                <a:latin typeface="Times New Roman" panose="02020603050405020304" pitchFamily="18" charset="0"/>
-                <a:ea typeface="Calibri" panose="020F0502020204030204" pitchFamily="34" charset="0"/>
-              </a:rPr>
-            </a:br>
-            <a:r>
-              <a:rPr lang="ru-RU" sz="1800" dirty="0">
-                <a:effectLst/>
-                <a:latin typeface="Times New Roman" panose="02020603050405020304" pitchFamily="18" charset="0"/>
-                <a:ea typeface="Calibri" panose="020F0502020204030204" pitchFamily="34" charset="0"/>
-              </a:rPr>
-              <a:t>Проект готов к дальнейшему сопровождению и масштабированию.</a:t>
-            </a:r>
-            <a:br>
-              <a:rPr lang="ru-RU" sz="1800" dirty="0">
-                <a:effectLst/>
-                <a:latin typeface="Times New Roman" panose="02020603050405020304" pitchFamily="18" charset="0"/>
-                <a:ea typeface="Calibri" panose="020F0502020204030204" pitchFamily="34" charset="0"/>
-              </a:rPr>
-            </a:br>
-            <a:r>
-              <a:rPr lang="ru-RU" sz="1800" dirty="0">
-                <a:effectLst/>
-                <a:latin typeface="Times New Roman" panose="02020603050405020304" pitchFamily="18" charset="0"/>
-                <a:ea typeface="Calibri" panose="020F0502020204030204" pitchFamily="34" charset="0"/>
-              </a:rPr>
-              <a:t>Благодарю за внимание, готов ответить на ваши вопросы.</a:t>
-            </a:r>
-          </a:p>
-          <a:p>
-            <a:r>
-              <a:rPr lang="ru-RU" sz="1800" i="1" dirty="0">
-                <a:effectLst/>
-                <a:latin typeface="Times New Roman" panose="02020603050405020304" pitchFamily="18" charset="0"/>
-              </a:rPr>
-              <a:t>(Обратно на слайд с веб-сайтом)</a:t>
-            </a:r>
-            <a:endParaRPr lang="ru-RU" i="1" dirty="0"/>
-          </a:p>
-        </p:txBody>
-      </p:sp>
-      <p:sp>
-        <p:nvSpPr>
-          <p:cNvPr id="4" name="Номер слайда 3"/>
-          <p:cNvSpPr>
-            <a:spLocks noGrp="1"/>
-          </p:cNvSpPr>
-          <p:nvPr>
-            <p:ph type="sldNum" sz="quarter" idx="5"/>
-          </p:nvPr>
-        </p:nvSpPr>
-        <p:spPr/>
-        <p:txBody>
-          <a:bodyPr/>
-          <a:lstStyle/>
-          <a:p>
-            <a:fld id="{2784CFAC-717A-4B46-8D0C-4BBA4D435472}" type="slidenum">
-              <a:rPr lang="ru-RU" smtClean="0"/>
-              <a:t>15</a:t>
             </a:fld>
             <a:endParaRPr lang="ru-RU"/>
           </a:p>
@@ -1327,36 +1204,131 @@
           <a:lstStyle/>
           <a:p>
             <a:r>
-              <a:rPr lang="ru-RU" sz="1800" dirty="0">
-                <a:effectLst/>
-                <a:latin typeface="Times New Roman" panose="02020603050405020304" pitchFamily="18" charset="0"/>
-                <a:ea typeface="Calibri" panose="020F0502020204030204" pitchFamily="34" charset="0"/>
-              </a:rPr>
-              <a:t>Тема разработки маркетплейса актуальна, поскольку - Электронная коммерция растёт экспоненциально: в 2024 году объём рынка превысил $6,3 трлн, и более 60 % всех продаж — через маркетплейсы. В России </a:t>
-            </a:r>
-            <a:r>
-              <a:rPr lang="ru-RU" sz="1800" dirty="0" err="1">
-                <a:effectLst/>
-                <a:latin typeface="Times New Roman" panose="02020603050405020304" pitchFamily="18" charset="0"/>
-                <a:ea typeface="Calibri" panose="020F0502020204030204" pitchFamily="34" charset="0"/>
-              </a:rPr>
-              <a:t>Wildberries</a:t>
-            </a:r>
-            <a:r>
-              <a:rPr lang="ru-RU" sz="1800" dirty="0">
-                <a:effectLst/>
-                <a:latin typeface="Times New Roman" panose="02020603050405020304" pitchFamily="18" charset="0"/>
-                <a:ea typeface="Calibri" panose="020F0502020204030204" pitchFamily="34" charset="0"/>
-              </a:rPr>
-              <a:t> показал рост оборота на 70 % год‑к‑году. Исходя из этого был выведен исследовательский аппарат</a:t>
-            </a:r>
-            <a:r>
-              <a:rPr lang="en-US" sz="1800" dirty="0">
-                <a:effectLst/>
-                <a:latin typeface="Times New Roman" panose="02020603050405020304" pitchFamily="18" charset="0"/>
-                <a:ea typeface="Calibri" panose="020F0502020204030204" pitchFamily="34" charset="0"/>
-              </a:rPr>
-              <a:t>:</a:t>
+              <a:rPr lang="ru-RU" sz="1200" kern="1200" dirty="0">
+                <a:solidFill>
+                  <a:schemeClr val="tx1"/>
+                </a:solidFill>
+                <a:effectLst/>
+                <a:latin typeface="+mn-lt"/>
+                <a:ea typeface="+mn-ea"/>
+                <a:cs typeface="+mn-cs"/>
+              </a:rPr>
+              <a:t>Тема разработки маркетплейса актуальна, поскольку - Электронная коммерция растёт экспоненциально: в 2024 году объём рынка превысил $6,3 трлн, и более 60 % всех продаж происходят через маркетплейсы. </a:t>
+            </a:r>
+            <a:br>
+              <a:rPr lang="ru-RU" sz="1200" kern="1200" dirty="0">
+                <a:solidFill>
+                  <a:schemeClr val="tx1"/>
+                </a:solidFill>
+                <a:effectLst/>
+                <a:latin typeface="+mn-lt"/>
+                <a:ea typeface="+mn-ea"/>
+                <a:cs typeface="+mn-cs"/>
+              </a:rPr>
+            </a:br>
+            <a:r>
+              <a:rPr lang="ru-RU" sz="1200" kern="1200" dirty="0">
+                <a:solidFill>
+                  <a:schemeClr val="tx1"/>
+                </a:solidFill>
+                <a:effectLst/>
+                <a:latin typeface="+mn-lt"/>
+                <a:ea typeface="+mn-ea"/>
+                <a:cs typeface="+mn-cs"/>
+              </a:rPr>
+              <a:t>Исходя из этого был выведен исследовательский аппарат:</a:t>
+            </a:r>
+            <a:br>
+              <a:rPr lang="ru-RU" sz="1200" kern="1200" dirty="0">
+                <a:solidFill>
+                  <a:schemeClr val="tx1"/>
+                </a:solidFill>
+                <a:effectLst/>
+                <a:latin typeface="+mn-lt"/>
+                <a:ea typeface="+mn-ea"/>
+                <a:cs typeface="+mn-cs"/>
+              </a:rPr>
+            </a:br>
+            <a:br>
+              <a:rPr lang="ru-RU" sz="1200" kern="1200" dirty="0">
+                <a:solidFill>
+                  <a:schemeClr val="tx1"/>
+                </a:solidFill>
+                <a:effectLst/>
+                <a:latin typeface="+mn-lt"/>
+                <a:ea typeface="+mn-ea"/>
+                <a:cs typeface="+mn-cs"/>
+              </a:rPr>
+            </a:br>
+            <a:r>
+              <a:rPr lang="ru-RU" sz="1200" b="0" kern="1200" dirty="0">
+                <a:solidFill>
+                  <a:schemeClr val="tx1"/>
+                </a:solidFill>
+                <a:effectLst/>
+                <a:latin typeface="+mn-lt"/>
+                <a:ea typeface="+mn-ea"/>
+                <a:cs typeface="+mn-cs"/>
+              </a:rPr>
+              <a:t>Проблема: Как разработать маркетплейс?</a:t>
+            </a:r>
+            <a:br>
+              <a:rPr lang="ru-RU" sz="1200" b="0" kern="1200" dirty="0">
+                <a:solidFill>
+                  <a:schemeClr val="tx1"/>
+                </a:solidFill>
+                <a:effectLst/>
+                <a:latin typeface="+mn-lt"/>
+                <a:ea typeface="+mn-ea"/>
+                <a:cs typeface="+mn-cs"/>
+              </a:rPr>
+            </a:br>
+            <a:r>
+              <a:rPr lang="ru-RU" sz="1200" b="0" kern="1200" dirty="0">
+                <a:solidFill>
+                  <a:schemeClr val="tx1"/>
+                </a:solidFill>
+                <a:effectLst/>
+                <a:latin typeface="+mn-lt"/>
+                <a:ea typeface="+mn-ea"/>
+                <a:cs typeface="+mn-cs"/>
+              </a:rPr>
+              <a:t>Цель: Разработка маркетплейс-площадки для компании «ruMarket» по продаже товаров</a:t>
+            </a:r>
+            <a:br>
+              <a:rPr lang="ru-RU" sz="1200" kern="1200" dirty="0">
+                <a:solidFill>
+                  <a:schemeClr val="tx1"/>
+                </a:solidFill>
+                <a:effectLst/>
+                <a:latin typeface="+mn-lt"/>
+                <a:ea typeface="+mn-ea"/>
+                <a:cs typeface="+mn-cs"/>
+              </a:rPr>
+            </a:br>
+            <a:r>
+              <a:rPr lang="ru-RU" sz="1200" b="1" kern="1200" dirty="0">
+                <a:solidFill>
+                  <a:schemeClr val="tx1"/>
+                </a:solidFill>
+                <a:effectLst/>
+                <a:latin typeface="+mn-lt"/>
+                <a:ea typeface="+mn-ea"/>
+                <a:cs typeface="+mn-cs"/>
+              </a:rPr>
+              <a:t>Задачи</a:t>
+            </a:r>
+            <a:r>
+              <a:rPr lang="ru-RU" sz="1200" kern="1200" dirty="0">
+                <a:solidFill>
+                  <a:schemeClr val="tx1"/>
+                </a:solidFill>
+                <a:effectLst/>
+                <a:latin typeface="+mn-lt"/>
+                <a:ea typeface="+mn-ea"/>
+                <a:cs typeface="+mn-cs"/>
+              </a:rPr>
+              <a:t> - вы можете видеть на экране.</a:t>
             </a:r>
             <a:endParaRPr lang="ru-RU" dirty="0"/>
           </a:p>
@@ -1460,100 +1432,204 @@
               <a:defRPr/>
             </a:pPr>
             <a:r>
-              <a:rPr lang="ru-RU" sz="1800" b="0" dirty="0">
-                <a:effectLst/>
-                <a:latin typeface="Times New Roman" panose="02020603050405020304" pitchFamily="18" charset="0"/>
-                <a:ea typeface="Times New Roman" panose="02020603050405020304" pitchFamily="18" charset="0"/>
-              </a:rPr>
-              <a:t>Проблема</a:t>
-            </a:r>
-            <a:r>
-              <a:rPr lang="ru-RU" sz="1800" dirty="0">
-                <a:effectLst/>
-                <a:latin typeface="Times New Roman" panose="02020603050405020304" pitchFamily="18" charset="0"/>
-                <a:ea typeface="Times New Roman" panose="02020603050405020304" pitchFamily="18" charset="0"/>
-              </a:rPr>
-              <a:t>: </a:t>
-            </a:r>
-            <a:r>
-              <a:rPr lang="ru-RU" sz="1800" dirty="0">
-                <a:effectLst/>
-                <a:ea typeface="Calibri" panose="020F0502020204030204" pitchFamily="34" charset="0"/>
-              </a:rPr>
-              <a:t>Как разработать маркетплейс?</a:t>
+              <a:rPr lang="ru-RU" sz="1200" kern="1200" dirty="0">
+                <a:solidFill>
+                  <a:schemeClr val="tx1"/>
+                </a:solidFill>
+                <a:effectLst/>
+                <a:latin typeface="+mn-lt"/>
+                <a:ea typeface="+mn-ea"/>
+                <a:cs typeface="+mn-cs"/>
+              </a:rPr>
+              <a:t>Маркетплейс — это цифровая платформа‑посредник между множеством продавцов и покупателей.</a:t>
             </a:r>
             <a:br>
-              <a:rPr lang="ru-RU" sz="1800" dirty="0">
-                <a:effectLst/>
-                <a:latin typeface="Times New Roman" panose="02020603050405020304" pitchFamily="18" charset="0"/>
-                <a:ea typeface="Times New Roman" panose="02020603050405020304" pitchFamily="18" charset="0"/>
+              <a:rPr lang="ru-RU" sz="1200" kern="1200" dirty="0">
+                <a:solidFill>
+                  <a:schemeClr val="tx1"/>
+                </a:solidFill>
+                <a:effectLst/>
+                <a:latin typeface="+mn-lt"/>
+                <a:ea typeface="+mn-ea"/>
+                <a:cs typeface="+mn-cs"/>
               </a:rPr>
             </a:br>
             <a:r>
-              <a:rPr lang="ru-RU" sz="1800" b="0" dirty="0">
-                <a:effectLst/>
-                <a:latin typeface="Times New Roman" panose="02020603050405020304" pitchFamily="18" charset="0"/>
-                <a:ea typeface="Times New Roman" panose="02020603050405020304" pitchFamily="18" charset="0"/>
-              </a:rPr>
-              <a:t>Цель работы</a:t>
-            </a:r>
-            <a:r>
-              <a:rPr lang="ru-RU" sz="1800" dirty="0">
-                <a:effectLst/>
-                <a:latin typeface="Times New Roman" panose="02020603050405020304" pitchFamily="18" charset="0"/>
-                <a:ea typeface="Times New Roman" panose="02020603050405020304" pitchFamily="18" charset="0"/>
-              </a:rPr>
-              <a:t>: разработать маркетплейс </a:t>
-            </a:r>
-            <a:r>
-              <a:rPr lang="ru-RU" sz="1800" dirty="0" err="1">
-                <a:effectLst/>
-                <a:latin typeface="Times New Roman" panose="02020603050405020304" pitchFamily="18" charset="0"/>
-                <a:ea typeface="Times New Roman" panose="02020603050405020304" pitchFamily="18" charset="0"/>
-              </a:rPr>
-              <a:t>ruMarket</a:t>
-            </a:r>
-            <a:r>
-              <a:rPr lang="ru-RU" sz="1800" dirty="0">
-                <a:effectLst/>
-                <a:latin typeface="Times New Roman" panose="02020603050405020304" pitchFamily="18" charset="0"/>
-                <a:ea typeface="Times New Roman" panose="02020603050405020304" pitchFamily="18" charset="0"/>
-              </a:rPr>
-              <a:t>.</a:t>
+              <a:rPr lang="ru-RU" sz="1200" kern="1200" dirty="0">
+                <a:solidFill>
+                  <a:schemeClr val="tx1"/>
+                </a:solidFill>
+                <a:effectLst/>
+                <a:latin typeface="+mn-lt"/>
+                <a:ea typeface="+mn-ea"/>
+                <a:cs typeface="+mn-cs"/>
+              </a:rPr>
+              <a:t>Они квалифицируются по:</a:t>
             </a:r>
             <a:br>
-              <a:rPr lang="ru-RU" sz="1800" dirty="0">
-                <a:effectLst/>
-                <a:latin typeface="Times New Roman" panose="02020603050405020304" pitchFamily="18" charset="0"/>
-                <a:ea typeface="Times New Roman" panose="02020603050405020304" pitchFamily="18" charset="0"/>
+              <a:rPr lang="ru-RU" sz="1200" kern="1200" dirty="0">
+                <a:solidFill>
+                  <a:schemeClr val="tx1"/>
+                </a:solidFill>
+                <a:effectLst/>
+                <a:latin typeface="+mn-lt"/>
+                <a:ea typeface="+mn-ea"/>
+                <a:cs typeface="+mn-cs"/>
               </a:rPr>
             </a:br>
             <a:r>
-              <a:rPr lang="ru-RU" sz="1800" b="0" dirty="0">
-                <a:effectLst/>
-                <a:latin typeface="Times New Roman" panose="02020603050405020304" pitchFamily="18" charset="0"/>
-                <a:ea typeface="Times New Roman" panose="02020603050405020304" pitchFamily="18" charset="0"/>
-              </a:rPr>
-              <a:t>Задачи</a:t>
-            </a:r>
-            <a:r>
-              <a:rPr lang="en-US" sz="1800" dirty="0">
-                <a:effectLst/>
-                <a:latin typeface="Times New Roman" panose="02020603050405020304" pitchFamily="18" charset="0"/>
-                <a:ea typeface="Times New Roman" panose="02020603050405020304" pitchFamily="18" charset="0"/>
-              </a:rPr>
-              <a:t> - </a:t>
-            </a:r>
-            <a:r>
-              <a:rPr lang="ru-RU" sz="1800" dirty="0">
-                <a:effectLst/>
-                <a:latin typeface="Times New Roman" panose="02020603050405020304" pitchFamily="18" charset="0"/>
-                <a:ea typeface="Times New Roman" panose="02020603050405020304" pitchFamily="18" charset="0"/>
-              </a:rPr>
-              <a:t>вы можете видеть на экране.</a:t>
-            </a:r>
-          </a:p>
-          <a:p>
+              <a:rPr lang="ru-RU" sz="1200" kern="1200" dirty="0">
+                <a:solidFill>
+                  <a:schemeClr val="tx1"/>
+                </a:solidFill>
+                <a:effectLst/>
+                <a:latin typeface="+mn-lt"/>
+                <a:ea typeface="+mn-ea"/>
+                <a:cs typeface="+mn-cs"/>
+              </a:rPr>
+              <a:t>По типу участников: B2C (бизнес для потребителя), B2B (бизнес для бизнеса), C2C (потребитель для потребителя).</a:t>
+            </a:r>
+            <a:br>
+              <a:rPr lang="ru-RU" sz="1200" kern="1200" dirty="0">
+                <a:solidFill>
+                  <a:schemeClr val="tx1"/>
+                </a:solidFill>
+                <a:effectLst/>
+                <a:latin typeface="+mn-lt"/>
+                <a:ea typeface="+mn-ea"/>
+                <a:cs typeface="+mn-cs"/>
+              </a:rPr>
+            </a:br>
+            <a:r>
+              <a:rPr lang="ru-RU" sz="1200" kern="1200" dirty="0">
+                <a:solidFill>
+                  <a:schemeClr val="tx1"/>
+                </a:solidFill>
+                <a:effectLst/>
+                <a:latin typeface="+mn-lt"/>
+                <a:ea typeface="+mn-ea"/>
+                <a:cs typeface="+mn-cs"/>
+              </a:rPr>
+              <a:t>По ассортименту: универсальные и нишевые.</a:t>
+            </a:r>
+            <a:br>
+              <a:rPr lang="ru-RU" sz="1200" kern="1200" dirty="0">
+                <a:solidFill>
+                  <a:schemeClr val="tx1"/>
+                </a:solidFill>
+                <a:effectLst/>
+                <a:latin typeface="+mn-lt"/>
+                <a:ea typeface="+mn-ea"/>
+                <a:cs typeface="+mn-cs"/>
+              </a:rPr>
+            </a:br>
+            <a:r>
+              <a:rPr lang="ru-RU" sz="1200" kern="1200" dirty="0">
+                <a:solidFill>
+                  <a:schemeClr val="tx1"/>
+                </a:solidFill>
+                <a:effectLst/>
+                <a:latin typeface="+mn-lt"/>
+                <a:ea typeface="+mn-ea"/>
+                <a:cs typeface="+mn-cs"/>
+              </a:rPr>
+              <a:t>По модели монетизации: комиссия, подписка, реклама.</a:t>
+            </a:r>
+            <a:br>
+              <a:rPr lang="ru-RU" sz="1200" kern="1200" dirty="0">
+                <a:solidFill>
+                  <a:schemeClr val="tx1"/>
+                </a:solidFill>
+                <a:effectLst/>
+                <a:latin typeface="+mn-lt"/>
+                <a:ea typeface="+mn-ea"/>
+                <a:cs typeface="+mn-cs"/>
+              </a:rPr>
+            </a:br>
+            <a:r>
+              <a:rPr lang="ru-RU" sz="1200" kern="1200" dirty="0">
+                <a:solidFill>
+                  <a:schemeClr val="tx1"/>
+                </a:solidFill>
+                <a:effectLst/>
+                <a:latin typeface="+mn-lt"/>
+                <a:ea typeface="+mn-ea"/>
+                <a:cs typeface="+mn-cs"/>
+              </a:rPr>
+              <a:t>Проведённый анализ типов маркетплейсов позволил выбрать модель </a:t>
+            </a:r>
+            <a:r>
+              <a:rPr lang="ru-RU" sz="1200" b="1" kern="1200" dirty="0">
+                <a:solidFill>
+                  <a:schemeClr val="tx1"/>
+                </a:solidFill>
+                <a:effectLst/>
+                <a:latin typeface="+mn-lt"/>
+                <a:ea typeface="+mn-ea"/>
+                <a:cs typeface="+mn-cs"/>
+              </a:rPr>
+              <a:t>C2C</a:t>
+            </a:r>
+            <a:r>
+              <a:rPr lang="ru-RU" sz="1200" kern="1200" dirty="0">
+                <a:solidFill>
+                  <a:schemeClr val="tx1"/>
+                </a:solidFill>
+                <a:effectLst/>
+                <a:latin typeface="+mn-lt"/>
+                <a:ea typeface="+mn-ea"/>
+                <a:cs typeface="+mn-cs"/>
+              </a:rPr>
+              <a:t> (потребитель для потребителя) с </a:t>
+            </a:r>
+            <a:r>
+              <a:rPr lang="ru-RU" sz="1200" b="1" kern="1200" dirty="0">
+                <a:solidFill>
+                  <a:schemeClr val="tx1"/>
+                </a:solidFill>
+                <a:effectLst/>
+                <a:latin typeface="+mn-lt"/>
+                <a:ea typeface="+mn-ea"/>
+                <a:cs typeface="+mn-cs"/>
+              </a:rPr>
+              <a:t>универсальным ассортиментом</a:t>
+            </a:r>
+            <a:r>
+              <a:rPr lang="ru-RU" sz="1200" kern="1200" dirty="0">
+                <a:solidFill>
+                  <a:schemeClr val="tx1"/>
+                </a:solidFill>
+                <a:effectLst/>
+                <a:latin typeface="+mn-lt"/>
+                <a:ea typeface="+mn-ea"/>
+                <a:cs typeface="+mn-cs"/>
+              </a:rPr>
+              <a:t> и </a:t>
+            </a:r>
+            <a:r>
+              <a:rPr lang="ru-RU" sz="1200" b="1" kern="1200" dirty="0">
+                <a:solidFill>
+                  <a:schemeClr val="tx1"/>
+                </a:solidFill>
+                <a:effectLst/>
+                <a:latin typeface="+mn-lt"/>
+                <a:ea typeface="+mn-ea"/>
+                <a:cs typeface="+mn-cs"/>
+              </a:rPr>
+              <a:t>комиссионной схемой монетизации</a:t>
+            </a:r>
+            <a:r>
+              <a:rPr lang="ru-RU" sz="1200" kern="1200" dirty="0">
+                <a:solidFill>
+                  <a:schemeClr val="tx1"/>
+                </a:solidFill>
+                <a:effectLst/>
+                <a:latin typeface="+mn-lt"/>
+                <a:ea typeface="+mn-ea"/>
+                <a:cs typeface="+mn-cs"/>
+              </a:rPr>
+              <a:t> как наиболее подходящую для целей проекта.</a:t>
+            </a:r>
             <a:endParaRPr lang="ru-RU" dirty="0"/>
           </a:p>
         </p:txBody>
@@ -1584,7 +1660,7 @@
     </p:spTree>
     <p:extLst>
       <p:ext uri="{BB962C8B-B14F-4D97-AF65-F5344CB8AC3E}">
-        <p14:creationId xmlns:p14="http://schemas.microsoft.com/office/powerpoint/2010/main" val="28141886"/>
+        <p14:creationId xmlns:p14="http://schemas.microsoft.com/office/powerpoint/2010/main" val="3154569684"/>
       </p:ext>
     </p:extLst>
   </p:cSld>
@@ -1638,164 +1714,88 @@
           <a:bodyPr/>
           <a:lstStyle/>
           <a:p>
-            <a:pPr marL="0" marR="0" lvl="0" indent="0" algn="l" defTabSz="914400" rtl="0" eaLnBrk="1" fontAlgn="auto" latinLnBrk="0" hangingPunct="1">
-              <a:lnSpc>
-                <a:spcPct val="100000"/>
-              </a:lnSpc>
-              <a:spcBef>
-                <a:spcPts val="0"/>
-              </a:spcBef>
-              <a:spcAft>
-                <a:spcPts val="0"/>
-              </a:spcAft>
-              <a:buClrTx/>
-              <a:buSzTx/>
-              <a:buFontTx/>
-              <a:buNone/>
-              <a:tabLst/>
-              <a:defRPr/>
-            </a:pPr>
-            <a:r>
-              <a:rPr lang="ru-RU" sz="1800" dirty="0">
-                <a:effectLst/>
-                <a:latin typeface="Times New Roman" panose="02020603050405020304" pitchFamily="18" charset="0"/>
-                <a:ea typeface="Times New Roman" panose="02020603050405020304" pitchFamily="18" charset="0"/>
-              </a:rPr>
-              <a:t>Маркетплейс — это цифровая платформа‑посредник между множеством продавцов и покупателей.</a:t>
+            <a:r>
+              <a:rPr lang="ru-RU" sz="1200" kern="1200" dirty="0">
+                <a:solidFill>
+                  <a:schemeClr val="tx1"/>
+                </a:solidFill>
+                <a:effectLst/>
+                <a:latin typeface="+mn-lt"/>
+                <a:ea typeface="+mn-ea"/>
+                <a:cs typeface="+mn-cs"/>
+              </a:rPr>
+              <a:t>Существуют различные способы разработки веб-сайтов:</a:t>
             </a:r>
             <a:br>
-              <a:rPr lang="ru-RU" sz="1800" dirty="0">
-                <a:effectLst/>
-                <a:latin typeface="Times New Roman" panose="02020603050405020304" pitchFamily="18" charset="0"/>
-                <a:ea typeface="Times New Roman" panose="02020603050405020304" pitchFamily="18" charset="0"/>
+              <a:rPr lang="ru-RU" sz="1200" kern="1200" dirty="0">
+                <a:solidFill>
+                  <a:schemeClr val="tx1"/>
+                </a:solidFill>
+                <a:effectLst/>
+                <a:latin typeface="+mn-lt"/>
+                <a:ea typeface="+mn-ea"/>
+                <a:cs typeface="+mn-cs"/>
               </a:rPr>
             </a:br>
             <a:r>
-              <a:rPr lang="ru-RU" sz="1800" dirty="0">
-                <a:effectLst/>
-                <a:latin typeface="Times New Roman" panose="02020603050405020304" pitchFamily="18" charset="0"/>
-                <a:ea typeface="Times New Roman" panose="02020603050405020304" pitchFamily="18" charset="0"/>
-              </a:rPr>
-              <a:t>Они квалифицируются по</a:t>
-            </a:r>
-            <a:r>
-              <a:rPr lang="en-US" sz="1800" dirty="0">
-                <a:effectLst/>
-                <a:latin typeface="Times New Roman" panose="02020603050405020304" pitchFamily="18" charset="0"/>
-                <a:ea typeface="Times New Roman" panose="02020603050405020304" pitchFamily="18" charset="0"/>
-              </a:rPr>
-              <a:t>:</a:t>
+              <a:rPr lang="ru-RU" sz="1200" kern="1200" dirty="0">
+                <a:solidFill>
+                  <a:schemeClr val="tx1"/>
+                </a:solidFill>
+                <a:effectLst/>
+                <a:latin typeface="+mn-lt"/>
+                <a:ea typeface="+mn-ea"/>
+                <a:cs typeface="+mn-cs"/>
+              </a:rPr>
+              <a:t>конструкторы, </a:t>
+            </a:r>
+            <a:r>
+              <a:rPr lang="en-US" sz="1200" kern="1200" dirty="0">
+                <a:solidFill>
+                  <a:schemeClr val="tx1"/>
+                </a:solidFill>
+                <a:effectLst/>
+                <a:latin typeface="+mn-lt"/>
+                <a:ea typeface="+mn-ea"/>
+                <a:cs typeface="+mn-cs"/>
+              </a:rPr>
+              <a:t>CMS</a:t>
+            </a:r>
+            <a:r>
+              <a:rPr lang="ru-RU" sz="1200" kern="1200" dirty="0">
+                <a:solidFill>
+                  <a:schemeClr val="tx1"/>
+                </a:solidFill>
+                <a:effectLst/>
+                <a:latin typeface="+mn-lt"/>
+                <a:ea typeface="+mn-ea"/>
+                <a:cs typeface="+mn-cs"/>
+              </a:rPr>
+              <a:t>-системы или с нуля.</a:t>
             </a:r>
             <a:br>
-              <a:rPr lang="ru-RU" sz="1800" dirty="0">
-                <a:effectLst/>
-                <a:latin typeface="Times New Roman" panose="02020603050405020304" pitchFamily="18" charset="0"/>
-                <a:ea typeface="Times New Roman" panose="02020603050405020304" pitchFamily="18" charset="0"/>
+              <a:rPr lang="ru-RU" sz="1200" kern="1200" dirty="0">
+                <a:solidFill>
+                  <a:schemeClr val="tx1"/>
+                </a:solidFill>
+                <a:effectLst/>
+                <a:latin typeface="+mn-lt"/>
+                <a:ea typeface="+mn-ea"/>
+                <a:cs typeface="+mn-cs"/>
               </a:rPr>
             </a:br>
             <a:r>
-              <a:rPr lang="ru-RU" sz="1800" dirty="0">
-                <a:effectLst/>
-                <a:latin typeface="Times New Roman" panose="02020603050405020304" pitchFamily="18" charset="0"/>
-                <a:ea typeface="Times New Roman" panose="02020603050405020304" pitchFamily="18" charset="0"/>
-              </a:rPr>
-              <a:t>По типу участников: B2C (бизнес для бизнеса), B2B (бизнес для потребителя), C2C (потребитель для потребителя).</a:t>
-            </a:r>
-            <a:br>
-              <a:rPr lang="ru-RU" sz="1800" dirty="0">
-                <a:effectLst/>
-                <a:latin typeface="Times New Roman" panose="02020603050405020304" pitchFamily="18" charset="0"/>
-                <a:ea typeface="Times New Roman" panose="02020603050405020304" pitchFamily="18" charset="0"/>
-              </a:rPr>
-            </a:br>
-            <a:r>
-              <a:rPr lang="ru-RU" sz="1800" dirty="0">
-                <a:effectLst/>
-                <a:latin typeface="Times New Roman" panose="02020603050405020304" pitchFamily="18" charset="0"/>
-                <a:ea typeface="Times New Roman" panose="02020603050405020304" pitchFamily="18" charset="0"/>
-              </a:rPr>
-              <a:t>По ассортименту: универсальные и нишевые.</a:t>
-            </a:r>
-            <a:br>
-              <a:rPr lang="ru-RU" sz="1800" dirty="0">
-                <a:effectLst/>
-                <a:latin typeface="Times New Roman" panose="02020603050405020304" pitchFamily="18" charset="0"/>
-                <a:ea typeface="Times New Roman" panose="02020603050405020304" pitchFamily="18" charset="0"/>
-              </a:rPr>
-            </a:br>
-            <a:r>
-              <a:rPr lang="ru-RU" sz="1800" dirty="0">
-                <a:effectLst/>
-                <a:latin typeface="Times New Roman" panose="02020603050405020304" pitchFamily="18" charset="0"/>
-                <a:ea typeface="Times New Roman" panose="02020603050405020304" pitchFamily="18" charset="0"/>
-              </a:rPr>
-              <a:t>По модели монетизации: комиссия, подписка, реклама.</a:t>
-            </a:r>
-            <a:br>
-              <a:rPr lang="ru-RU" sz="1800" dirty="0">
-                <a:effectLst/>
-                <a:latin typeface="Times New Roman" panose="02020603050405020304" pitchFamily="18" charset="0"/>
-                <a:ea typeface="Times New Roman" panose="02020603050405020304" pitchFamily="18" charset="0"/>
-              </a:rPr>
-            </a:br>
-            <a:r>
-              <a:rPr lang="ru-RU" sz="1800" dirty="0">
-                <a:effectLst/>
-                <a:latin typeface="Times New Roman" panose="02020603050405020304" pitchFamily="18" charset="0"/>
-                <a:ea typeface="Times New Roman" panose="02020603050405020304" pitchFamily="18" charset="0"/>
-              </a:rPr>
-              <a:t>Проведённый анализ типов маркетплейсов позволил выбрать модель </a:t>
-            </a:r>
-            <a:r>
-              <a:rPr lang="ru-RU" sz="1800" b="1" dirty="0">
-                <a:effectLst/>
-                <a:latin typeface="Times New Roman" panose="02020603050405020304" pitchFamily="18" charset="0"/>
-                <a:ea typeface="Times New Roman" panose="02020603050405020304" pitchFamily="18" charset="0"/>
-              </a:rPr>
-              <a:t>C2C</a:t>
-            </a:r>
-            <a:r>
-              <a:rPr lang="ru-RU" sz="1800" dirty="0">
-                <a:effectLst/>
-                <a:latin typeface="Times New Roman" panose="02020603050405020304" pitchFamily="18" charset="0"/>
-                <a:ea typeface="Times New Roman" panose="02020603050405020304" pitchFamily="18" charset="0"/>
-              </a:rPr>
-              <a:t> (потребитель для потребителя) с </a:t>
-            </a:r>
-            <a:r>
-              <a:rPr lang="ru-RU" sz="1800" b="1" dirty="0">
-                <a:effectLst/>
-                <a:latin typeface="Times New Roman" panose="02020603050405020304" pitchFamily="18" charset="0"/>
-                <a:ea typeface="Times New Roman" panose="02020603050405020304" pitchFamily="18" charset="0"/>
-              </a:rPr>
-              <a:t>универсальным ассортиментом</a:t>
-            </a:r>
-            <a:r>
-              <a:rPr lang="ru-RU" sz="1800" dirty="0">
-                <a:effectLst/>
-                <a:latin typeface="Times New Roman" panose="02020603050405020304" pitchFamily="18" charset="0"/>
-                <a:ea typeface="Times New Roman" panose="02020603050405020304" pitchFamily="18" charset="0"/>
-              </a:rPr>
-              <a:t> и </a:t>
-            </a:r>
-            <a:r>
-              <a:rPr lang="ru-RU" sz="1800" b="1" dirty="0">
-                <a:effectLst/>
-                <a:latin typeface="Times New Roman" panose="02020603050405020304" pitchFamily="18" charset="0"/>
-                <a:ea typeface="Times New Roman" panose="02020603050405020304" pitchFamily="18" charset="0"/>
-              </a:rPr>
-              <a:t>комиссионной схемой монетизации</a:t>
-            </a:r>
-            <a:r>
-              <a:rPr lang="ru-RU" sz="1800" dirty="0">
-                <a:effectLst/>
-                <a:latin typeface="Times New Roman" panose="02020603050405020304" pitchFamily="18" charset="0"/>
-                <a:ea typeface="Times New Roman" panose="02020603050405020304" pitchFamily="18" charset="0"/>
-              </a:rPr>
-              <a:t> как наиболее подходящую для целей проекта.</a:t>
-            </a:r>
-          </a:p>
-          <a:p>
+              <a:rPr lang="ru-RU" sz="1200" kern="1200" dirty="0">
+                <a:solidFill>
+                  <a:schemeClr val="tx1"/>
+                </a:solidFill>
+                <a:effectLst/>
+                <a:latin typeface="+mn-lt"/>
+                <a:ea typeface="+mn-ea"/>
+                <a:cs typeface="+mn-cs"/>
+              </a:rPr>
+              <a:t>Была выбрана разработка с нуля для максимальной кастомизации и масштабируемости, что позволило гибко реализовать все бизнес‑требования.</a:t>
+            </a:r>
             <a:endParaRPr lang="ru-RU" dirty="0"/>
           </a:p>
         </p:txBody>
@@ -1826,7 +1826,7 @@
     </p:spTree>
     <p:extLst>
       <p:ext uri="{BB962C8B-B14F-4D97-AF65-F5344CB8AC3E}">
-        <p14:creationId xmlns:p14="http://schemas.microsoft.com/office/powerpoint/2010/main" val="3154569684"/>
+        <p14:creationId xmlns:p14="http://schemas.microsoft.com/office/powerpoint/2010/main" val="1427572798"/>
       </p:ext>
     </p:extLst>
   </p:cSld>
@@ -1881,66 +1881,124 @@
           <a:lstStyle/>
           <a:p>
             <a:r>
-              <a:rPr lang="ru-RU" sz="1800" dirty="0">
-                <a:effectLst/>
-                <a:latin typeface="Times New Roman" panose="02020603050405020304" pitchFamily="18" charset="0"/>
-                <a:ea typeface="Calibri" panose="020F0502020204030204" pitchFamily="34" charset="0"/>
-              </a:rPr>
-              <a:t>Существуют различные способы разработки веб-сайтов:</a:t>
-            </a:r>
-            <a:br>
-              <a:rPr lang="ru-RU" sz="1800" dirty="0">
-                <a:effectLst/>
-                <a:latin typeface="Times New Roman" panose="02020603050405020304" pitchFamily="18" charset="0"/>
-                <a:ea typeface="Calibri" panose="020F0502020204030204" pitchFamily="34" charset="0"/>
-              </a:rPr>
-            </a:br>
-            <a:r>
-              <a:rPr lang="ru-RU" sz="1800" dirty="0">
-                <a:effectLst/>
-                <a:latin typeface="Times New Roman" panose="02020603050405020304" pitchFamily="18" charset="0"/>
-                <a:ea typeface="Calibri" panose="020F0502020204030204" pitchFamily="34" charset="0"/>
-              </a:rPr>
-              <a:t>конструкторы, </a:t>
-            </a:r>
-            <a:r>
-              <a:rPr lang="en-US" sz="1800" dirty="0" err="1">
-                <a:effectLst/>
-                <a:latin typeface="Times New Roman" panose="02020603050405020304" pitchFamily="18" charset="0"/>
-                <a:ea typeface="Calibri" panose="020F0502020204030204" pitchFamily="34" charset="0"/>
-              </a:rPr>
-              <a:t>cms</a:t>
-            </a:r>
-            <a:r>
-              <a:rPr lang="en-US" sz="1800" dirty="0">
-                <a:effectLst/>
-                <a:latin typeface="Times New Roman" panose="02020603050405020304" pitchFamily="18" charset="0"/>
-                <a:ea typeface="Calibri" panose="020F0502020204030204" pitchFamily="34" charset="0"/>
-              </a:rPr>
-              <a:t>-</a:t>
-            </a:r>
-            <a:r>
-              <a:rPr lang="ru-RU" sz="1800" dirty="0">
-                <a:effectLst/>
-                <a:latin typeface="Times New Roman" panose="02020603050405020304" pitchFamily="18" charset="0"/>
-                <a:ea typeface="Calibri" panose="020F0502020204030204" pitchFamily="34" charset="0"/>
-              </a:rPr>
-              <a:t>системы или с нуля.</a:t>
-            </a:r>
-            <a:br>
-              <a:rPr lang="ru-RU" sz="1800" dirty="0">
-                <a:effectLst/>
-                <a:latin typeface="Times New Roman" panose="02020603050405020304" pitchFamily="18" charset="0"/>
-                <a:ea typeface="Calibri" panose="020F0502020204030204" pitchFamily="34" charset="0"/>
-              </a:rPr>
-            </a:br>
-            <a:r>
-              <a:rPr lang="ru-RU" sz="1800" dirty="0">
-                <a:effectLst/>
-                <a:latin typeface="Times New Roman" panose="02020603050405020304" pitchFamily="18" charset="0"/>
-                <a:ea typeface="Calibri" panose="020F0502020204030204" pitchFamily="34" charset="0"/>
-              </a:rPr>
-              <a:t>Я выбрал разработку с нуля для максимальной кастомизации и масштабируемости, что позволило гибко реализовать все бизнес‑требования.</a:t>
+              <a:rPr lang="ru-RU" sz="1200" kern="1200" dirty="0">
+                <a:solidFill>
+                  <a:schemeClr val="tx1"/>
+                </a:solidFill>
+                <a:effectLst/>
+                <a:latin typeface="+mn-lt"/>
+                <a:ea typeface="+mn-ea"/>
+                <a:cs typeface="+mn-cs"/>
+              </a:rPr>
+              <a:t>На данном слайде вы можете видеть самые популярные среды разработки. После анализа их преимуществ был выбран </a:t>
+            </a:r>
+            <a:r>
+              <a:rPr lang="en-US" sz="1200" kern="1200" dirty="0">
+                <a:solidFill>
+                  <a:schemeClr val="tx1"/>
+                </a:solidFill>
+                <a:effectLst/>
+                <a:latin typeface="+mn-lt"/>
+                <a:ea typeface="+mn-ea"/>
+                <a:cs typeface="+mn-cs"/>
+              </a:rPr>
+              <a:t>Trae IDE</a:t>
+            </a:r>
+            <a:r>
+              <a:rPr lang="ru-RU" sz="1200" kern="1200" dirty="0">
+                <a:solidFill>
+                  <a:schemeClr val="tx1"/>
+                </a:solidFill>
+                <a:effectLst/>
+                <a:latin typeface="+mn-lt"/>
+                <a:ea typeface="+mn-ea"/>
+                <a:cs typeface="+mn-cs"/>
+              </a:rPr>
+              <a:t>, так как он специально создан для веб‑разработки, имеет встроенный </a:t>
+            </a:r>
+            <a:r>
+              <a:rPr lang="en-US" sz="1200" kern="1200" dirty="0">
+                <a:solidFill>
+                  <a:schemeClr val="tx1"/>
+                </a:solidFill>
+                <a:effectLst/>
+                <a:latin typeface="+mn-lt"/>
+                <a:ea typeface="+mn-ea"/>
+                <a:cs typeface="+mn-cs"/>
+              </a:rPr>
+              <a:t>AI </a:t>
+            </a:r>
+            <a:r>
+              <a:rPr lang="ru-RU" sz="1200" kern="1200" dirty="0">
+                <a:solidFill>
+                  <a:schemeClr val="tx1"/>
+                </a:solidFill>
+                <a:effectLst/>
+                <a:latin typeface="+mn-lt"/>
+                <a:ea typeface="+mn-ea"/>
+                <a:cs typeface="+mn-cs"/>
+              </a:rPr>
+              <a:t>ассистент и работает с современными технологиями, такими как </a:t>
+            </a:r>
+            <a:r>
+              <a:rPr lang="en-US" sz="1200" kern="1200" dirty="0">
+                <a:solidFill>
+                  <a:schemeClr val="tx1"/>
+                </a:solidFill>
+                <a:effectLst/>
+                <a:latin typeface="+mn-lt"/>
+                <a:ea typeface="+mn-ea"/>
+                <a:cs typeface="+mn-cs"/>
+              </a:rPr>
+              <a:t>Next</a:t>
+            </a:r>
+            <a:r>
+              <a:rPr lang="ru-RU" sz="1200" kern="1200" dirty="0">
+                <a:solidFill>
+                  <a:schemeClr val="tx1"/>
+                </a:solidFill>
+                <a:effectLst/>
+                <a:latin typeface="+mn-lt"/>
+                <a:ea typeface="+mn-ea"/>
+                <a:cs typeface="+mn-cs"/>
+              </a:rPr>
+              <a:t>.</a:t>
+            </a:r>
+            <a:r>
+              <a:rPr lang="en-US" sz="1200" kern="1200" dirty="0">
+                <a:solidFill>
+                  <a:schemeClr val="tx1"/>
+                </a:solidFill>
+                <a:effectLst/>
+                <a:latin typeface="+mn-lt"/>
+                <a:ea typeface="+mn-ea"/>
+                <a:cs typeface="+mn-cs"/>
+              </a:rPr>
+              <a:t>js</a:t>
+            </a:r>
+            <a:r>
+              <a:rPr lang="ru-RU" sz="1200" kern="1200" dirty="0">
+                <a:solidFill>
+                  <a:schemeClr val="tx1"/>
+                </a:solidFill>
+                <a:effectLst/>
+                <a:latin typeface="+mn-lt"/>
+                <a:ea typeface="+mn-ea"/>
+                <a:cs typeface="+mn-cs"/>
+              </a:rPr>
+              <a:t> и </a:t>
+            </a:r>
+            <a:r>
+              <a:rPr lang="en-US" sz="1200" kern="1200" dirty="0">
+                <a:solidFill>
+                  <a:schemeClr val="tx1"/>
+                </a:solidFill>
+                <a:effectLst/>
+                <a:latin typeface="+mn-lt"/>
+                <a:ea typeface="+mn-ea"/>
+                <a:cs typeface="+mn-cs"/>
+              </a:rPr>
+              <a:t>Tailwind CSS</a:t>
             </a:r>
             <a:endParaRPr lang="ru-RU" dirty="0"/>
           </a:p>
@@ -1972,7 +2030,7 @@
     </p:spTree>
     <p:extLst>
       <p:ext uri="{BB962C8B-B14F-4D97-AF65-F5344CB8AC3E}">
-        <p14:creationId xmlns:p14="http://schemas.microsoft.com/office/powerpoint/2010/main" val="1427572798"/>
+        <p14:creationId xmlns:p14="http://schemas.microsoft.com/office/powerpoint/2010/main" val="138491341"/>
       </p:ext>
     </p:extLst>
   </p:cSld>
@@ -2027,259 +2085,268 @@
           <a:lstStyle/>
           <a:p>
             <a:r>
-              <a:rPr lang="ru-RU" sz="1800" dirty="0">
-                <a:effectLst/>
-                <a:latin typeface="Times New Roman" panose="02020603050405020304" pitchFamily="18" charset="0"/>
-                <a:ea typeface="Calibri" panose="020F0502020204030204" pitchFamily="34" charset="0"/>
+              <a:rPr lang="ru-RU" dirty="0"/>
+              <a:t>Для создания проекта я использовал следующий набор технологий</a:t>
+            </a:r>
+            <a:r>
+              <a:rPr lang="en-US" dirty="0"/>
+              <a:t>:</a:t>
+            </a:r>
+            <a:endParaRPr lang="ru-RU" sz="1200" kern="1200" dirty="0">
+              <a:solidFill>
+                <a:schemeClr val="tx1"/>
+              </a:solidFill>
+              <a:effectLst/>
+              <a:latin typeface="+mn-lt"/>
+              <a:ea typeface="+mn-ea"/>
+              <a:cs typeface="+mn-cs"/>
+            </a:endParaRPr>
+          </a:p>
+          <a:p>
+            <a:r>
+              <a:rPr lang="ru-RU" sz="1200" kern="1200" dirty="0">
+                <a:solidFill>
+                  <a:schemeClr val="tx1"/>
+                </a:solidFill>
+                <a:effectLst/>
+                <a:latin typeface="+mn-lt"/>
+                <a:ea typeface="+mn-ea"/>
+                <a:cs typeface="+mn-cs"/>
               </a:rPr>
               <a:t>• </a:t>
             </a:r>
             <a:r>
-              <a:rPr lang="ru-RU" sz="1800" b="1" dirty="0">
-                <a:effectLst/>
-                <a:latin typeface="Times New Roman" panose="02020603050405020304" pitchFamily="18" charset="0"/>
-                <a:ea typeface="Calibri" panose="020F0502020204030204" pitchFamily="34" charset="0"/>
-                <a:cs typeface="Times New Roman" panose="02020603050405020304" pitchFamily="18" charset="0"/>
-              </a:rPr>
-              <a:t>Next.js 13</a:t>
-            </a:r>
-            <a:r>
-              <a:rPr lang="ru-RU" sz="1800" dirty="0">
-                <a:effectLst/>
-                <a:latin typeface="Times New Roman" panose="02020603050405020304" pitchFamily="18" charset="0"/>
-                <a:ea typeface="Calibri" panose="020F0502020204030204" pitchFamily="34" charset="0"/>
-              </a:rPr>
-              <a:t> с </a:t>
-            </a:r>
-            <a:r>
-              <a:rPr lang="ru-RU" sz="1800" dirty="0" err="1">
-                <a:effectLst/>
-                <a:latin typeface="Times New Roman" panose="02020603050405020304" pitchFamily="18" charset="0"/>
-                <a:ea typeface="Calibri" panose="020F0502020204030204" pitchFamily="34" charset="0"/>
-              </a:rPr>
-              <a:t>App</a:t>
-            </a:r>
-            <a:r>
-              <a:rPr lang="ru-RU" sz="1800" dirty="0">
-                <a:effectLst/>
-                <a:latin typeface="Times New Roman" panose="02020603050405020304" pitchFamily="18" charset="0"/>
-                <a:ea typeface="Calibri" panose="020F0502020204030204" pitchFamily="34" charset="0"/>
-              </a:rPr>
-              <a:t> </a:t>
-            </a:r>
-            <a:r>
-              <a:rPr lang="ru-RU" sz="1800" dirty="0" err="1">
-                <a:effectLst/>
-                <a:latin typeface="Times New Roman" panose="02020603050405020304" pitchFamily="18" charset="0"/>
-                <a:ea typeface="Calibri" panose="020F0502020204030204" pitchFamily="34" charset="0"/>
-              </a:rPr>
-              <a:t>Router</a:t>
-            </a:r>
-            <a:r>
-              <a:rPr lang="ru-RU" sz="1800" dirty="0">
-                <a:effectLst/>
-                <a:latin typeface="Times New Roman" panose="02020603050405020304" pitchFamily="18" charset="0"/>
-                <a:ea typeface="Calibri" panose="020F0502020204030204" pitchFamily="34" charset="0"/>
-              </a:rPr>
-              <a:t> для клиентской части.</a:t>
+              <a:rPr lang="ru-RU" sz="1200" b="1" kern="1200" dirty="0">
+                <a:solidFill>
+                  <a:schemeClr val="tx1"/>
+                </a:solidFill>
+                <a:effectLst/>
+                <a:latin typeface="+mn-lt"/>
+                <a:ea typeface="+mn-ea"/>
+                <a:cs typeface="+mn-cs"/>
+              </a:rPr>
+              <a:t>Next.js - </a:t>
+            </a:r>
+            <a:r>
+              <a:rPr lang="ru-RU" sz="1200" kern="1200" dirty="0">
+                <a:solidFill>
+                  <a:schemeClr val="tx1"/>
+                </a:solidFill>
+                <a:effectLst/>
+                <a:latin typeface="+mn-lt"/>
+                <a:ea typeface="+mn-ea"/>
+                <a:cs typeface="+mn-cs"/>
+              </a:rPr>
+              <a:t>для клиентской части.</a:t>
             </a:r>
             <a:br>
-              <a:rPr lang="ru-RU" sz="1800" dirty="0">
-                <a:effectLst/>
-                <a:latin typeface="Times New Roman" panose="02020603050405020304" pitchFamily="18" charset="0"/>
-                <a:ea typeface="Calibri" panose="020F0502020204030204" pitchFamily="34" charset="0"/>
+              <a:rPr lang="ru-RU" sz="1200" kern="1200" dirty="0">
+                <a:solidFill>
+                  <a:schemeClr val="tx1"/>
+                </a:solidFill>
+                <a:effectLst/>
+                <a:latin typeface="+mn-lt"/>
+                <a:ea typeface="+mn-ea"/>
+                <a:cs typeface="+mn-cs"/>
               </a:rPr>
             </a:br>
             <a:r>
-              <a:rPr lang="en-US" sz="1800" dirty="0">
-                <a:effectLst/>
-                <a:latin typeface="Times New Roman" panose="02020603050405020304" pitchFamily="18" charset="0"/>
-                <a:ea typeface="Calibri" panose="020F0502020204030204" pitchFamily="34" charset="0"/>
-              </a:rPr>
-              <a:t>- </a:t>
-            </a:r>
-            <a:r>
-              <a:rPr lang="en-US" sz="1800" b="1" dirty="0">
-                <a:effectLst/>
-                <a:latin typeface="Times New Roman" panose="02020603050405020304" pitchFamily="18" charset="0"/>
-                <a:ea typeface="Calibri" panose="020F0502020204030204" pitchFamily="34" charset="0"/>
+              <a:rPr lang="ru-RU" sz="1200" kern="1200" dirty="0">
+                <a:solidFill>
+                  <a:schemeClr val="tx1"/>
+                </a:solidFill>
+                <a:effectLst/>
+                <a:latin typeface="+mn-lt"/>
+                <a:ea typeface="+mn-ea"/>
+                <a:cs typeface="+mn-cs"/>
+              </a:rPr>
+              <a:t>• </a:t>
+            </a:r>
+            <a:r>
+              <a:rPr lang="en-US" sz="1200" b="1" kern="1200" dirty="0">
+                <a:solidFill>
+                  <a:schemeClr val="tx1"/>
+                </a:solidFill>
+                <a:effectLst/>
+                <a:latin typeface="+mn-lt"/>
+                <a:ea typeface="+mn-ea"/>
+                <a:cs typeface="+mn-cs"/>
               </a:rPr>
               <a:t>Next API</a:t>
             </a:r>
             <a:r>
-              <a:rPr lang="en-US" sz="1800" dirty="0">
-                <a:effectLst/>
-                <a:latin typeface="Times New Roman" panose="02020603050405020304" pitchFamily="18" charset="0"/>
-                <a:ea typeface="Calibri" panose="020F0502020204030204" pitchFamily="34" charset="0"/>
-              </a:rPr>
-              <a:t> - </a:t>
-            </a:r>
-            <a:r>
-              <a:rPr lang="ru-RU" sz="1800" dirty="0">
-                <a:effectLst/>
-                <a:latin typeface="Times New Roman" panose="02020603050405020304" pitchFamily="18" charset="0"/>
-                <a:ea typeface="Calibri" panose="020F0502020204030204" pitchFamily="34" charset="0"/>
-              </a:rPr>
-              <a:t>для серверной части</a:t>
+              <a:rPr lang="ru-RU" sz="1200" kern="1200" dirty="0">
+                <a:solidFill>
+                  <a:schemeClr val="tx1"/>
+                </a:solidFill>
+                <a:effectLst/>
+                <a:latin typeface="+mn-lt"/>
+                <a:ea typeface="+mn-ea"/>
+                <a:cs typeface="+mn-cs"/>
+              </a:rPr>
+              <a:t> - для серверной части</a:t>
             </a:r>
             <a:br>
-              <a:rPr lang="ru-RU" sz="1800" dirty="0">
-                <a:effectLst/>
-                <a:latin typeface="Times New Roman" panose="02020603050405020304" pitchFamily="18" charset="0"/>
-                <a:ea typeface="Calibri" panose="020F0502020204030204" pitchFamily="34" charset="0"/>
+              <a:rPr lang="ru-RU" sz="1200" kern="1200" dirty="0">
+                <a:solidFill>
+                  <a:schemeClr val="tx1"/>
+                </a:solidFill>
+                <a:effectLst/>
+                <a:latin typeface="+mn-lt"/>
+                <a:ea typeface="+mn-ea"/>
+                <a:cs typeface="+mn-cs"/>
               </a:rPr>
             </a:br>
             <a:r>
-              <a:rPr lang="ru-RU" sz="1800" dirty="0">
-                <a:effectLst/>
-                <a:latin typeface="Times New Roman" panose="02020603050405020304" pitchFamily="18" charset="0"/>
-                <a:ea typeface="Calibri" panose="020F0502020204030204" pitchFamily="34" charset="0"/>
-              </a:rPr>
-              <a:t>• В качестве </a:t>
-            </a:r>
-            <a:r>
-              <a:rPr lang="ru-RU" sz="1800" dirty="0" err="1">
-                <a:effectLst/>
-                <a:latin typeface="Times New Roman" panose="02020603050405020304" pitchFamily="18" charset="0"/>
-                <a:ea typeface="Calibri" panose="020F0502020204030204" pitchFamily="34" charset="0"/>
-              </a:rPr>
-              <a:t>инструментра</a:t>
-            </a:r>
-            <a:r>
-              <a:rPr lang="ru-RU" sz="1800" dirty="0">
-                <a:effectLst/>
-                <a:latin typeface="Times New Roman" panose="02020603050405020304" pitchFamily="18" charset="0"/>
-                <a:ea typeface="Calibri" panose="020F0502020204030204" pitchFamily="34" charset="0"/>
-              </a:rPr>
-              <a:t> для работы с </a:t>
-            </a:r>
-            <a:r>
-              <a:rPr lang="ru-RU" sz="1800" dirty="0" err="1">
-                <a:effectLst/>
-                <a:latin typeface="Times New Roman" panose="02020603050405020304" pitchFamily="18" charset="0"/>
-                <a:ea typeface="Calibri" panose="020F0502020204030204" pitchFamily="34" charset="0"/>
-              </a:rPr>
-              <a:t>бд</a:t>
-            </a:r>
-            <a:r>
-              <a:rPr lang="ru-RU" sz="1800" dirty="0">
-                <a:effectLst/>
-                <a:latin typeface="Times New Roman" panose="02020603050405020304" pitchFamily="18" charset="0"/>
-                <a:ea typeface="Calibri" panose="020F0502020204030204" pitchFamily="34" charset="0"/>
-              </a:rPr>
-              <a:t> - </a:t>
-            </a:r>
-            <a:r>
-              <a:rPr lang="ru-RU" sz="1800" b="1" dirty="0" err="1">
-                <a:effectLst/>
-                <a:latin typeface="Times New Roman" panose="02020603050405020304" pitchFamily="18" charset="0"/>
-                <a:ea typeface="Calibri" panose="020F0502020204030204" pitchFamily="34" charset="0"/>
-                <a:cs typeface="Times New Roman" panose="02020603050405020304" pitchFamily="18" charset="0"/>
+              <a:rPr lang="ru-RU" sz="1200" kern="1200" dirty="0">
+                <a:solidFill>
+                  <a:schemeClr val="tx1"/>
+                </a:solidFill>
+                <a:effectLst/>
+                <a:latin typeface="+mn-lt"/>
+                <a:ea typeface="+mn-ea"/>
+                <a:cs typeface="+mn-cs"/>
+              </a:rPr>
+              <a:t>• </a:t>
+            </a:r>
+            <a:r>
+              <a:rPr lang="ru-RU" sz="1200" b="1" kern="1200" dirty="0">
+                <a:solidFill>
+                  <a:schemeClr val="tx1"/>
+                </a:solidFill>
+                <a:effectLst/>
+                <a:latin typeface="+mn-lt"/>
+                <a:ea typeface="+mn-ea"/>
+                <a:cs typeface="+mn-cs"/>
               </a:rPr>
               <a:t>Prisma</a:t>
             </a:r>
             <a:r>
-              <a:rPr lang="ru-RU" sz="1800" b="1" dirty="0">
-                <a:effectLst/>
-                <a:latin typeface="Times New Roman" panose="02020603050405020304" pitchFamily="18" charset="0"/>
-                <a:ea typeface="Calibri" panose="020F0502020204030204" pitchFamily="34" charset="0"/>
-                <a:cs typeface="Times New Roman" panose="02020603050405020304" pitchFamily="18" charset="0"/>
-              </a:rPr>
-              <a:t> ORM</a:t>
-            </a:r>
-            <a:r>
-              <a:rPr lang="ru-RU" sz="1800" dirty="0">
-                <a:effectLst/>
-                <a:latin typeface="Times New Roman" panose="02020603050405020304" pitchFamily="18" charset="0"/>
-                <a:ea typeface="Calibri" panose="020F0502020204030204" pitchFamily="34" charset="0"/>
-              </a:rPr>
-              <a:t>.</a:t>
+              <a:rPr lang="ru-RU" sz="1200" kern="1200" dirty="0">
+                <a:solidFill>
+                  <a:schemeClr val="tx1"/>
+                </a:solidFill>
+                <a:effectLst/>
+                <a:latin typeface="+mn-lt"/>
+                <a:ea typeface="+mn-ea"/>
+                <a:cs typeface="+mn-cs"/>
+              </a:rPr>
+              <a:t> - в качестве инструмента для работы с базой данных.</a:t>
             </a:r>
             <a:br>
-              <a:rPr lang="ru-RU" sz="1800" dirty="0">
-                <a:effectLst/>
-                <a:latin typeface="Times New Roman" panose="02020603050405020304" pitchFamily="18" charset="0"/>
-                <a:ea typeface="Calibri" panose="020F0502020204030204" pitchFamily="34" charset="0"/>
+              <a:rPr lang="ru-RU" sz="1200" kern="1200" dirty="0">
+                <a:solidFill>
+                  <a:schemeClr val="tx1"/>
+                </a:solidFill>
+                <a:effectLst/>
+                <a:latin typeface="+mn-lt"/>
+                <a:ea typeface="+mn-ea"/>
+                <a:cs typeface="+mn-cs"/>
               </a:rPr>
             </a:br>
             <a:r>
-              <a:rPr lang="ru-RU" sz="1800" dirty="0">
-                <a:effectLst/>
-                <a:latin typeface="Times New Roman" panose="02020603050405020304" pitchFamily="18" charset="0"/>
-                <a:ea typeface="Calibri" panose="020F0502020204030204" pitchFamily="34" charset="0"/>
+              <a:rPr lang="ru-RU" sz="1200" kern="1200" dirty="0">
+                <a:solidFill>
+                  <a:schemeClr val="tx1"/>
+                </a:solidFill>
+                <a:effectLst/>
+                <a:latin typeface="+mn-lt"/>
+                <a:ea typeface="+mn-ea"/>
+                <a:cs typeface="+mn-cs"/>
               </a:rPr>
               <a:t>• </a:t>
             </a:r>
             <a:r>
-              <a:rPr lang="ru-RU" sz="1800" b="1" dirty="0">
-                <a:effectLst/>
-                <a:latin typeface="Times New Roman" panose="02020603050405020304" pitchFamily="18" charset="0"/>
-                <a:ea typeface="Calibri" panose="020F0502020204030204" pitchFamily="34" charset="0"/>
-                <a:cs typeface="Times New Roman" panose="02020603050405020304" pitchFamily="18" charset="0"/>
+              <a:rPr lang="ru-RU" sz="1200" b="1" kern="1200" dirty="0">
+                <a:solidFill>
+                  <a:schemeClr val="tx1"/>
+                </a:solidFill>
+                <a:effectLst/>
+                <a:latin typeface="+mn-lt"/>
+                <a:ea typeface="+mn-ea"/>
+                <a:cs typeface="+mn-cs"/>
               </a:rPr>
               <a:t>NextAuth.js</a:t>
             </a:r>
             <a:r>
-              <a:rPr lang="ru-RU" sz="1800" dirty="0">
-                <a:effectLst/>
-                <a:latin typeface="Times New Roman" panose="02020603050405020304" pitchFamily="18" charset="0"/>
-                <a:ea typeface="Calibri" panose="020F0502020204030204" pitchFamily="34" charset="0"/>
+              <a:rPr lang="ru-RU" sz="1200" kern="1200" dirty="0">
+                <a:solidFill>
+                  <a:schemeClr val="tx1"/>
+                </a:solidFill>
+                <a:effectLst/>
+                <a:latin typeface="+mn-lt"/>
+                <a:ea typeface="+mn-ea"/>
+                <a:cs typeface="+mn-cs"/>
               </a:rPr>
               <a:t> для аутентификации.</a:t>
             </a:r>
             <a:br>
-              <a:rPr lang="ru-RU" sz="1800" dirty="0">
-                <a:effectLst/>
-                <a:latin typeface="Times New Roman" panose="02020603050405020304" pitchFamily="18" charset="0"/>
-                <a:ea typeface="Calibri" panose="020F0502020204030204" pitchFamily="34" charset="0"/>
+              <a:rPr lang="ru-RU" sz="1200" kern="1200" dirty="0">
+                <a:solidFill>
+                  <a:schemeClr val="tx1"/>
+                </a:solidFill>
+                <a:effectLst/>
+                <a:latin typeface="+mn-lt"/>
+                <a:ea typeface="+mn-ea"/>
+                <a:cs typeface="+mn-cs"/>
               </a:rPr>
             </a:br>
             <a:r>
-              <a:rPr lang="ru-RU" sz="1800" dirty="0">
-                <a:effectLst/>
-                <a:latin typeface="Times New Roman" panose="02020603050405020304" pitchFamily="18" charset="0"/>
-                <a:ea typeface="Calibri" panose="020F0502020204030204" pitchFamily="34" charset="0"/>
+              <a:rPr lang="ru-RU" sz="1200" kern="1200" dirty="0">
+                <a:solidFill>
+                  <a:schemeClr val="tx1"/>
+                </a:solidFill>
+                <a:effectLst/>
+                <a:latin typeface="+mn-lt"/>
+                <a:ea typeface="+mn-ea"/>
+                <a:cs typeface="+mn-cs"/>
               </a:rPr>
               <a:t>• </a:t>
             </a:r>
             <a:r>
-              <a:rPr lang="ru-RU" sz="1800" b="1" dirty="0" err="1">
-                <a:effectLst/>
-                <a:latin typeface="Times New Roman" panose="02020603050405020304" pitchFamily="18" charset="0"/>
-                <a:ea typeface="Calibri" panose="020F0502020204030204" pitchFamily="34" charset="0"/>
-                <a:cs typeface="Times New Roman" panose="02020603050405020304" pitchFamily="18" charset="0"/>
-              </a:rPr>
-              <a:t>Tailwind</a:t>
-            </a:r>
-            <a:r>
-              <a:rPr lang="ru-RU" sz="1800" b="1" dirty="0">
-                <a:effectLst/>
-                <a:latin typeface="Times New Roman" panose="02020603050405020304" pitchFamily="18" charset="0"/>
-                <a:ea typeface="Calibri" panose="020F0502020204030204" pitchFamily="34" charset="0"/>
-                <a:cs typeface="Times New Roman" panose="02020603050405020304" pitchFamily="18" charset="0"/>
-              </a:rPr>
-              <a:t> CSS</a:t>
-            </a:r>
-            <a:r>
-              <a:rPr lang="ru-RU" sz="1800" dirty="0">
-                <a:effectLst/>
-                <a:latin typeface="Times New Roman" panose="02020603050405020304" pitchFamily="18" charset="0"/>
-                <a:ea typeface="Calibri" panose="020F0502020204030204" pitchFamily="34" charset="0"/>
+              <a:rPr lang="ru-RU" sz="1200" b="1" kern="1200" dirty="0">
+                <a:solidFill>
+                  <a:schemeClr val="tx1"/>
+                </a:solidFill>
+                <a:effectLst/>
+                <a:latin typeface="+mn-lt"/>
+                <a:ea typeface="+mn-ea"/>
+                <a:cs typeface="+mn-cs"/>
+              </a:rPr>
+              <a:t>Tailwind CSS</a:t>
+            </a:r>
+            <a:r>
+              <a:rPr lang="ru-RU" sz="1200" kern="1200" dirty="0">
+                <a:solidFill>
+                  <a:schemeClr val="tx1"/>
+                </a:solidFill>
+                <a:effectLst/>
+                <a:latin typeface="+mn-lt"/>
+                <a:ea typeface="+mn-ea"/>
+                <a:cs typeface="+mn-cs"/>
               </a:rPr>
               <a:t> —CSS‑фреймворк для стилизации.</a:t>
             </a:r>
             <a:br>
-              <a:rPr lang="ru-RU" sz="1800" dirty="0">
-                <a:effectLst/>
-                <a:latin typeface="Times New Roman" panose="02020603050405020304" pitchFamily="18" charset="0"/>
-                <a:ea typeface="Calibri" panose="020F0502020204030204" pitchFamily="34" charset="0"/>
+              <a:rPr lang="ru-RU" sz="1200" kern="1200" dirty="0">
+                <a:solidFill>
+                  <a:schemeClr val="tx1"/>
+                </a:solidFill>
+                <a:effectLst/>
+                <a:latin typeface="+mn-lt"/>
+                <a:ea typeface="+mn-ea"/>
+                <a:cs typeface="+mn-cs"/>
               </a:rPr>
             </a:br>
             <a:r>
-              <a:rPr lang="ru-RU" sz="1800" dirty="0">
-                <a:effectLst/>
-                <a:latin typeface="Times New Roman" panose="02020603050405020304" pitchFamily="18" charset="0"/>
-                <a:ea typeface="Calibri" panose="020F0502020204030204" pitchFamily="34" charset="0"/>
+              <a:rPr lang="ru-RU" sz="1200" kern="1200" dirty="0">
+                <a:solidFill>
+                  <a:schemeClr val="tx1"/>
+                </a:solidFill>
+                <a:effectLst/>
+                <a:latin typeface="+mn-lt"/>
+                <a:ea typeface="+mn-ea"/>
+                <a:cs typeface="+mn-cs"/>
               </a:rPr>
               <a:t>Такой набор технологий обеспечивает производительность, безопасность и SEO‑оптимизацию.</a:t>
             </a:r>
@@ -2373,183 +2440,7 @@
                 <a:latin typeface="Times New Roman" panose="02020603050405020304" pitchFamily="18" charset="0"/>
                 <a:ea typeface="Calibri" panose="020F0502020204030204" pitchFamily="34" charset="0"/>
               </a:rPr>
-              <a:t>На данном слайде вы можете видеть самые популярные среды разработки. После анализа их преимуществ был выбран </a:t>
-            </a:r>
-            <a:r>
-              <a:rPr lang="en-US" sz="1800" dirty="0">
-                <a:effectLst/>
-                <a:latin typeface="Times New Roman" panose="02020603050405020304" pitchFamily="18" charset="0"/>
-                <a:ea typeface="Calibri" panose="020F0502020204030204" pitchFamily="34" charset="0"/>
-              </a:rPr>
-              <a:t>Trae IDE, </a:t>
-            </a:r>
-            <a:r>
-              <a:rPr lang="ru-RU" sz="1800" dirty="0">
-                <a:effectLst/>
-                <a:latin typeface="Times New Roman" panose="02020603050405020304" pitchFamily="18" charset="0"/>
-                <a:ea typeface="Calibri" panose="020F0502020204030204" pitchFamily="34" charset="0"/>
-              </a:rPr>
-              <a:t>так как он</a:t>
-            </a:r>
-            <a:r>
-              <a:rPr lang="en-US" sz="1800" dirty="0">
-                <a:effectLst/>
-                <a:latin typeface="Times New Roman" panose="02020603050405020304" pitchFamily="18" charset="0"/>
-                <a:ea typeface="Calibri" panose="020F0502020204030204" pitchFamily="34" charset="0"/>
-              </a:rPr>
-              <a:t> </a:t>
-            </a:r>
-            <a:r>
-              <a:rPr lang="en-US" sz="1800" dirty="0" err="1">
-                <a:effectLst/>
-                <a:latin typeface="Times New Roman" panose="02020603050405020304" pitchFamily="18" charset="0"/>
-                <a:ea typeface="Calibri" panose="020F0502020204030204" pitchFamily="34" charset="0"/>
-              </a:rPr>
-              <a:t>специально</a:t>
-            </a:r>
-            <a:r>
-              <a:rPr lang="en-US" sz="1800" dirty="0">
-                <a:effectLst/>
-                <a:latin typeface="Times New Roman" panose="02020603050405020304" pitchFamily="18" charset="0"/>
-                <a:ea typeface="Calibri" panose="020F0502020204030204" pitchFamily="34" charset="0"/>
-              </a:rPr>
-              <a:t> </a:t>
-            </a:r>
-            <a:r>
-              <a:rPr lang="en-US" sz="1800" dirty="0" err="1">
-                <a:effectLst/>
-                <a:latin typeface="Times New Roman" panose="02020603050405020304" pitchFamily="18" charset="0"/>
-                <a:ea typeface="Calibri" panose="020F0502020204030204" pitchFamily="34" charset="0"/>
-              </a:rPr>
-              <a:t>создан</a:t>
-            </a:r>
-            <a:r>
-              <a:rPr lang="en-US" sz="1800" dirty="0">
-                <a:effectLst/>
-                <a:latin typeface="Times New Roman" panose="02020603050405020304" pitchFamily="18" charset="0"/>
-                <a:ea typeface="Calibri" panose="020F0502020204030204" pitchFamily="34" charset="0"/>
-              </a:rPr>
-              <a:t> </a:t>
-            </a:r>
-            <a:r>
-              <a:rPr lang="en-US" sz="1800" dirty="0" err="1">
-                <a:effectLst/>
-                <a:latin typeface="Times New Roman" panose="02020603050405020304" pitchFamily="18" charset="0"/>
-                <a:ea typeface="Calibri" panose="020F0502020204030204" pitchFamily="34" charset="0"/>
-              </a:rPr>
-              <a:t>для</a:t>
-            </a:r>
-            <a:r>
-              <a:rPr lang="en-US" sz="1800" dirty="0">
-                <a:effectLst/>
-                <a:latin typeface="Times New Roman" panose="02020603050405020304" pitchFamily="18" charset="0"/>
-                <a:ea typeface="Calibri" panose="020F0502020204030204" pitchFamily="34" charset="0"/>
-              </a:rPr>
-              <a:t> </a:t>
-            </a:r>
-            <a:r>
-              <a:rPr lang="en-US" sz="1800" dirty="0" err="1">
-                <a:effectLst/>
-                <a:latin typeface="Times New Roman" panose="02020603050405020304" pitchFamily="18" charset="0"/>
-                <a:ea typeface="Calibri" panose="020F0502020204030204" pitchFamily="34" charset="0"/>
-              </a:rPr>
-              <a:t>веб‑разработки</a:t>
-            </a:r>
-            <a:r>
-              <a:rPr lang="en-US" sz="1800" dirty="0">
-                <a:effectLst/>
-                <a:latin typeface="Times New Roman" panose="02020603050405020304" pitchFamily="18" charset="0"/>
-                <a:ea typeface="Calibri" panose="020F0502020204030204" pitchFamily="34" charset="0"/>
-              </a:rPr>
-              <a:t> и </a:t>
-            </a:r>
-            <a:r>
-              <a:rPr lang="ru-RU" sz="1800" dirty="0">
-                <a:effectLst/>
-                <a:latin typeface="Times New Roman" panose="02020603050405020304" pitchFamily="18" charset="0"/>
-                <a:ea typeface="Calibri" panose="020F0502020204030204" pitchFamily="34" charset="0"/>
-              </a:rPr>
-              <a:t>он </a:t>
-            </a:r>
-            <a:r>
-              <a:rPr lang="en-US" sz="1800" dirty="0" err="1">
-                <a:effectLst/>
-                <a:latin typeface="Times New Roman" panose="02020603050405020304" pitchFamily="18" charset="0"/>
-                <a:ea typeface="Calibri" panose="020F0502020204030204" pitchFamily="34" charset="0"/>
-              </a:rPr>
-              <a:t>работает</a:t>
-            </a:r>
-            <a:r>
-              <a:rPr lang="en-US" sz="1800" dirty="0">
-                <a:effectLst/>
-                <a:latin typeface="Times New Roman" panose="02020603050405020304" pitchFamily="18" charset="0"/>
-                <a:ea typeface="Calibri" panose="020F0502020204030204" pitchFamily="34" charset="0"/>
-              </a:rPr>
-              <a:t> с </a:t>
-            </a:r>
-            <a:r>
-              <a:rPr lang="en-US" sz="1800" dirty="0" err="1">
-                <a:effectLst/>
-                <a:latin typeface="Times New Roman" panose="02020603050405020304" pitchFamily="18" charset="0"/>
-                <a:ea typeface="Calibri" panose="020F0502020204030204" pitchFamily="34" charset="0"/>
-              </a:rPr>
-              <a:t>современными</a:t>
-            </a:r>
-            <a:r>
-              <a:rPr lang="en-US" sz="1800" dirty="0">
-                <a:effectLst/>
-                <a:latin typeface="Times New Roman" panose="02020603050405020304" pitchFamily="18" charset="0"/>
-                <a:ea typeface="Calibri" panose="020F0502020204030204" pitchFamily="34" charset="0"/>
-              </a:rPr>
-              <a:t> </a:t>
-            </a:r>
-            <a:r>
-              <a:rPr lang="en-US" sz="1800" dirty="0" err="1">
-                <a:effectLst/>
-                <a:latin typeface="Times New Roman" panose="02020603050405020304" pitchFamily="18" charset="0"/>
-                <a:ea typeface="Calibri" panose="020F0502020204030204" pitchFamily="34" charset="0"/>
-              </a:rPr>
-              <a:t>технологиями</a:t>
-            </a:r>
-            <a:r>
-              <a:rPr lang="en-US" sz="1800" dirty="0">
-                <a:effectLst/>
-                <a:latin typeface="Times New Roman" panose="02020603050405020304" pitchFamily="18" charset="0"/>
-                <a:ea typeface="Calibri" panose="020F0502020204030204" pitchFamily="34" charset="0"/>
-              </a:rPr>
-              <a:t>, </a:t>
-            </a:r>
-            <a:r>
-              <a:rPr lang="en-US" sz="1800" dirty="0" err="1">
-                <a:effectLst/>
-                <a:latin typeface="Times New Roman" panose="02020603050405020304" pitchFamily="18" charset="0"/>
-                <a:ea typeface="Calibri" panose="020F0502020204030204" pitchFamily="34" charset="0"/>
-              </a:rPr>
-              <a:t>такими</a:t>
-            </a:r>
-            <a:r>
-              <a:rPr lang="en-US" sz="1800" dirty="0">
-                <a:effectLst/>
-                <a:latin typeface="Times New Roman" panose="02020603050405020304" pitchFamily="18" charset="0"/>
-                <a:ea typeface="Calibri" panose="020F0502020204030204" pitchFamily="34" charset="0"/>
-              </a:rPr>
-              <a:t> </a:t>
-            </a:r>
-            <a:r>
-              <a:rPr lang="en-US" sz="1800" dirty="0" err="1">
-                <a:effectLst/>
-                <a:latin typeface="Times New Roman" panose="02020603050405020304" pitchFamily="18" charset="0"/>
-                <a:ea typeface="Calibri" panose="020F0502020204030204" pitchFamily="34" charset="0"/>
-              </a:rPr>
-              <a:t>как</a:t>
-            </a:r>
-            <a:r>
-              <a:rPr lang="en-US" sz="1800" dirty="0">
-                <a:effectLst/>
-                <a:latin typeface="Times New Roman" panose="02020603050405020304" pitchFamily="18" charset="0"/>
-                <a:ea typeface="Calibri" panose="020F0502020204030204" pitchFamily="34" charset="0"/>
-              </a:rPr>
-              <a:t> Next.js и Tailwind CSS</a:t>
+              <a:t>Для начала разработки потребовалось сформировать варианты дизайна для выборки наилучшего, их вы можете видеть на экране</a:t>
             </a:r>
             <a:endParaRPr lang="ru-RU" dirty="0"/>
           </a:p>
@@ -2581,7 +2472,7 @@
     </p:spTree>
     <p:extLst>
       <p:ext uri="{BB962C8B-B14F-4D97-AF65-F5344CB8AC3E}">
-        <p14:creationId xmlns:p14="http://schemas.microsoft.com/office/powerpoint/2010/main" val="138491341"/>
+        <p14:creationId xmlns:p14="http://schemas.microsoft.com/office/powerpoint/2010/main" val="1137489819"/>
       </p:ext>
     </p:extLst>
   </p:cSld>
@@ -2641,7 +2532,7 @@
                 <a:latin typeface="Times New Roman" panose="02020603050405020304" pitchFamily="18" charset="0"/>
                 <a:ea typeface="Calibri" panose="020F0502020204030204" pitchFamily="34" charset="0"/>
               </a:rPr>
-              <a:t>Для начала разработки потребовалось сформировать варианты дизайна для выборки наилучшего, их вы можете видеть на экране</a:t>
+              <a:t>В качестве основного цвета был выбран — глубокий синий с фиолетовым оттенком.</a:t>
             </a:r>
             <a:endParaRPr lang="ru-RU" dirty="0"/>
           </a:p>
@@ -2673,7 +2564,7 @@
     </p:spTree>
     <p:extLst>
       <p:ext uri="{BB962C8B-B14F-4D97-AF65-F5344CB8AC3E}">
-        <p14:creationId xmlns:p14="http://schemas.microsoft.com/office/powerpoint/2010/main" val="1137489819"/>
+        <p14:creationId xmlns:p14="http://schemas.microsoft.com/office/powerpoint/2010/main" val="1481550939"/>
       </p:ext>
     </p:extLst>
   </p:cSld>
@@ -2728,14 +2619,53 @@
           <a:lstStyle/>
           <a:p>
             <a:r>
-              <a:rPr lang="ru-RU" sz="1800" dirty="0">
-                <a:effectLst/>
-                <a:latin typeface="Times New Roman" panose="02020603050405020304" pitchFamily="18" charset="0"/>
-                <a:ea typeface="Calibri" panose="020F0502020204030204" pitchFamily="34" charset="0"/>
-              </a:rPr>
-              <a:t>В качестве основного цвета был выбран — глубокий синий с фиолетовым оттенком.</a:t>
-            </a:r>
-            <a:endParaRPr lang="ru-RU" dirty="0"/>
+              <a:rPr lang="ru-RU" sz="1200" b="0" kern="1200" dirty="0">
+                <a:solidFill>
+                  <a:schemeClr val="tx1"/>
+                </a:solidFill>
+                <a:effectLst/>
+                <a:latin typeface="+mn-lt"/>
+                <a:ea typeface="+mn-ea"/>
+                <a:cs typeface="+mn-cs"/>
+              </a:rPr>
+              <a:t>В результате проделанной работы было разработано полноценное веб-приложение, соответствующее всем поставленным требованиям и задачам проекта. </a:t>
+            </a:r>
+            <a:r>
+              <a:rPr lang="ru-RU" sz="1200" kern="1200" dirty="0">
+                <a:solidFill>
+                  <a:schemeClr val="tx1"/>
+                </a:solidFill>
+                <a:effectLst/>
+                <a:latin typeface="+mn-lt"/>
+                <a:ea typeface="+mn-ea"/>
+                <a:cs typeface="+mn-cs"/>
+              </a:rPr>
+              <a:t>Ну а сейчас я перейду к демонстрации своего продукта</a:t>
+            </a:r>
+            <a:br>
+              <a:rPr lang="ru-RU" sz="1200" kern="1200" dirty="0">
+                <a:solidFill>
+                  <a:schemeClr val="tx1"/>
+                </a:solidFill>
+                <a:effectLst/>
+                <a:latin typeface="+mn-lt"/>
+                <a:ea typeface="+mn-ea"/>
+                <a:cs typeface="+mn-cs"/>
+              </a:rPr>
+            </a:br>
+            <a:r>
+              <a:rPr lang="ru-RU" sz="1200" i="1" kern="1200" dirty="0">
+                <a:solidFill>
+                  <a:schemeClr val="tx1"/>
+                </a:solidFill>
+                <a:effectLst/>
+                <a:latin typeface="+mn-lt"/>
+                <a:ea typeface="+mn-ea"/>
+                <a:cs typeface="+mn-cs"/>
+              </a:rPr>
+              <a:t>Страницы -&gt; Юзер -&gt; Пользователь -&gt; Продавец -&gt; Админ -&gt; Продавец</a:t>
+            </a:r>
+            <a:endParaRPr lang="ru-RU" i="1" dirty="0"/>
           </a:p>
         </p:txBody>
       </p:sp>
@@ -2765,7 +2695,7 @@
     </p:spTree>
     <p:extLst>
       <p:ext uri="{BB962C8B-B14F-4D97-AF65-F5344CB8AC3E}">
-        <p14:creationId xmlns:p14="http://schemas.microsoft.com/office/powerpoint/2010/main" val="1481550939"/>
+        <p14:creationId xmlns:p14="http://schemas.microsoft.com/office/powerpoint/2010/main" val="3214782878"/>
       </p:ext>
     </p:extLst>
   </p:cSld>
@@ -6304,109 +6234,6 @@
         </p:nvSpPr>
         <p:spPr>
           <a:xfrm>
-            <a:off x="838200" y="316488"/>
-            <a:ext cx="10515600" cy="870288"/>
-          </a:xfrm>
-        </p:spPr>
-        <p:txBody>
-          <a:bodyPr>
-            <a:normAutofit/>
-          </a:bodyPr>
-          <a:lstStyle/>
-          <a:p>
-            <a:r>
-              <a:rPr lang="ru-RU" sz="3800" dirty="0"/>
-              <a:t>Продукт</a:t>
-            </a:r>
-          </a:p>
-        </p:txBody>
-      </p:sp>
-      <p:pic>
-        <p:nvPicPr>
-          <p:cNvPr id="4" name="Рисунок 3">
-            <a:hlinkClick r:id="rId3"/>
-            <a:extLst>
-              <a:ext uri="{FF2B5EF4-FFF2-40B4-BE49-F238E27FC236}">
-                <a16:creationId xmlns:a16="http://schemas.microsoft.com/office/drawing/2014/main" id="{2D848C5B-0A66-44A5-B7AC-825D5DCE2C3C}"/>
-              </a:ext>
-            </a:extLst>
-          </p:cNvPr>
-          <p:cNvPicPr>
-            <a:picLocks noChangeAspect="1"/>
-          </p:cNvPicPr>
-          <p:nvPr/>
-        </p:nvPicPr>
-        <p:blipFill>
-          <a:blip r:embed="rId4"/>
-          <a:stretch>
-            <a:fillRect/>
-          </a:stretch>
-        </p:blipFill>
-        <p:spPr>
-          <a:xfrm>
-            <a:off x="834338" y="1356968"/>
-            <a:ext cx="10519462" cy="5122759"/>
-          </a:xfrm>
-          <a:prstGeom prst="roundRect">
-            <a:avLst>
-              <a:gd name="adj" fmla="val 2918"/>
-            </a:avLst>
-          </a:prstGeom>
-          <a:ln w="28575">
-            <a:solidFill>
-              <a:srgbClr val="4438CA"/>
-            </a:solidFill>
-          </a:ln>
-        </p:spPr>
-      </p:pic>
-    </p:spTree>
-    <p:extLst>
-      <p:ext uri="{BB962C8B-B14F-4D97-AF65-F5344CB8AC3E}">
-        <p14:creationId xmlns:p14="http://schemas.microsoft.com/office/powerpoint/2010/main" val="631252363"/>
-      </p:ext>
-    </p:extLst>
-  </p:cSld>
-  <p:clrMapOvr>
-    <a:masterClrMapping/>
-  </p:clrMapOvr>
-</p:sld>
-</file>
-
-<file path=ppt/slides/slide11.xml><?xml version="1.0" encoding="utf-8"?>
-<p:sld xmlns:a="http://schemas.openxmlformats.org/drawingml/2006/main" xmlns:r="http://schemas.openxmlformats.org/officeDocument/2006/relationships" xmlns:p="http://schemas.openxmlformats.org/presentationml/2006/main">
-  <p:cSld>
-    <p:spTree>
-      <p:nvGrpSpPr>
-        <p:cNvPr id="1" name=""/>
-        <p:cNvGrpSpPr/>
-        <p:nvPr/>
-      </p:nvGrpSpPr>
-      <p:grpSpPr>
-        <a:xfrm>
-          <a:off x="0" y="0"/>
-          <a:ext cx="0" cy="0"/>
-          <a:chOff x="0" y="0"/>
-          <a:chExt cx="0" cy="0"/>
-        </a:xfrm>
-      </p:grpSpPr>
-      <p:sp>
-        <p:nvSpPr>
-          <p:cNvPr id="2" name="Заголовок 1">
-            <a:extLst>
-              <a:ext uri="{FF2B5EF4-FFF2-40B4-BE49-F238E27FC236}">
-                <a16:creationId xmlns:a16="http://schemas.microsoft.com/office/drawing/2014/main" id="{12CF625C-6495-41E5-8C78-E72C76DAFC9A}"/>
-              </a:ext>
-            </a:extLst>
-          </p:cNvPr>
-          <p:cNvSpPr>
-            <a:spLocks noGrp="1"/>
-          </p:cNvSpPr>
-          <p:nvPr>
-            <p:ph type="title"/>
-          </p:nvPr>
-        </p:nvSpPr>
-        <p:spPr>
-          <a:xfrm>
             <a:off x="838200" y="217634"/>
             <a:ext cx="10515600" cy="870288"/>
           </a:xfrm>
@@ -6541,7 +6368,7 @@
 </p:sld>
 </file>
 
-<file path=ppt/slides/slide12.xml><?xml version="1.0" encoding="utf-8"?>
+<file path=ppt/slides/slide11.xml><?xml version="1.0" encoding="utf-8"?>
 <p:sld xmlns:a="http://schemas.openxmlformats.org/drawingml/2006/main" xmlns:r="http://schemas.openxmlformats.org/officeDocument/2006/relationships" xmlns:p="http://schemas.openxmlformats.org/presentationml/2006/main">
   <p:cSld>
     <p:spTree>
@@ -6636,7 +6463,7 @@
 </p:sld>
 </file>
 
-<file path=ppt/slides/slide13.xml><?xml version="1.0" encoding="utf-8"?>
+<file path=ppt/slides/slide12.xml><?xml version="1.0" encoding="utf-8"?>
 <p:sld xmlns:a="http://schemas.openxmlformats.org/drawingml/2006/main" xmlns:r="http://schemas.openxmlformats.org/officeDocument/2006/relationships" xmlns:p="http://schemas.openxmlformats.org/presentationml/2006/main">
   <p:cSld>
     <p:spTree>
@@ -6761,7 +6588,7 @@
 </p:sld>
 </file>
 
-<file path=ppt/slides/slide14.xml><?xml version="1.0" encoding="utf-8"?>
+<file path=ppt/slides/slide13.xml><?xml version="1.0" encoding="utf-8"?>
 <p:sld xmlns:a="http://schemas.openxmlformats.org/drawingml/2006/main" xmlns:r="http://schemas.openxmlformats.org/officeDocument/2006/relationships" xmlns:p="http://schemas.openxmlformats.org/presentationml/2006/main">
   <p:cSld>
     <p:spTree>
@@ -6856,7 +6683,7 @@
 </p:sld>
 </file>
 
-<file path=ppt/slides/slide15.xml><?xml version="1.0" encoding="utf-8"?>
+<file path=ppt/slides/slide14.xml><?xml version="1.0" encoding="utf-8"?>
 <p:sld xmlns:a="http://schemas.openxmlformats.org/drawingml/2006/main" xmlns:r="http://schemas.openxmlformats.org/officeDocument/2006/relationships" xmlns:p="http://schemas.openxmlformats.org/presentationml/2006/main">
   <p:cSld>
     <p:spTree>
@@ -7043,84 +6870,209 @@
           </a:p>
         </p:txBody>
       </p:sp>
-      <p:pic>
-        <p:nvPicPr>
-          <p:cNvPr id="1026" name="Picture 2" descr="Выходное изображение">
-            <a:extLst>
-              <a:ext uri="{FF2B5EF4-FFF2-40B4-BE49-F238E27FC236}">
-                <a16:creationId xmlns:a16="http://schemas.microsoft.com/office/drawing/2014/main" id="{38D48E09-69C9-48F2-B988-DEA7ACC0786E}"/>
-              </a:ext>
-            </a:extLst>
-          </p:cNvPr>
-          <p:cNvPicPr>
-            <a:picLocks noChangeAspect="1" noChangeArrowheads="1"/>
-          </p:cNvPicPr>
-          <p:nvPr/>
-        </p:nvPicPr>
-        <p:blipFill rotWithShape="1">
-          <a:blip r:embed="rId3">
-            <a:extLst>
-              <a:ext uri="{28A0092B-C50C-407E-A947-70E740481C1C}">
-                <a14:useLocalDpi xmlns:a14="http://schemas.microsoft.com/office/drawing/2010/main" val="0"/>
-              </a:ext>
-            </a:extLst>
-          </a:blip>
-          <a:srcRect t="5455"/>
-          <a:stretch/>
-        </p:blipFill>
-        <p:spPr bwMode="auto">
-          <a:xfrm>
-            <a:off x="1607063" y="1527243"/>
-            <a:ext cx="8977874" cy="5058484"/>
-          </a:xfrm>
-          <a:prstGeom prst="rect">
-            <a:avLst/>
-          </a:prstGeom>
-          <a:noFill/>
-          <a:extLst>
-            <a:ext uri="{909E8E84-426E-40DD-AFC4-6F175D3DCCD1}">
-              <a14:hiddenFill xmlns:a14="http://schemas.microsoft.com/office/drawing/2010/main">
-                <a:solidFill>
-                  <a:srgbClr val="FFFFFF"/>
-                </a:solidFill>
-              </a14:hiddenFill>
-            </a:ext>
-          </a:extLst>
-        </p:spPr>
-      </p:pic>
-      <p:sp>
-        <p:nvSpPr>
-          <p:cNvPr id="4" name="TextBox 3">
-            <a:extLst>
-              <a:ext uri="{FF2B5EF4-FFF2-40B4-BE49-F238E27FC236}">
-                <a16:creationId xmlns:a16="http://schemas.microsoft.com/office/drawing/2014/main" id="{03D24EF4-1254-49AD-889C-50E14F2EB97B}"/>
-              </a:ext>
-            </a:extLst>
-          </p:cNvPr>
-          <p:cNvSpPr txBox="1"/>
-          <p:nvPr/>
+      <p:sp>
+        <p:nvSpPr>
+          <p:cNvPr id="3" name="Объект 2">
+            <a:extLst>
+              <a:ext uri="{FF2B5EF4-FFF2-40B4-BE49-F238E27FC236}">
+                <a16:creationId xmlns:a16="http://schemas.microsoft.com/office/drawing/2014/main" id="{483DED15-1E0A-42DC-8DB5-CE7F13BE555C}"/>
+              </a:ext>
+            </a:extLst>
+          </p:cNvPr>
+          <p:cNvSpPr>
+            <a:spLocks noGrp="1"/>
+          </p:cNvSpPr>
+          <p:nvPr>
+            <p:ph idx="1"/>
+          </p:nvPr>
         </p:nvSpPr>
         <p:spPr>
           <a:xfrm>
-            <a:off x="3591128" y="1157911"/>
-            <a:ext cx="5009744" cy="369332"/>
+            <a:off x="510363" y="1154918"/>
+            <a:ext cx="11171274" cy="5332378"/>
           </a:xfrm>
-          <a:prstGeom prst="rect">
-            <a:avLst/>
-          </a:prstGeom>
-          <a:noFill/>
         </p:spPr>
         <p:txBody>
-          <a:bodyPr wrap="square" rtlCol="0">
-            <a:spAutoFit/>
+          <a:bodyPr>
+            <a:normAutofit fontScale="92500" lnSpcReduction="10000"/>
           </a:bodyPr>
           <a:lstStyle/>
           <a:p>
-            <a:pPr algn="ctr"/>
-            <a:r>
-              <a:rPr lang="ru-RU" dirty="0"/>
-              <a:t>Динамика роста электронной коммерции</a:t>
-            </a:r>
+            <a:pPr indent="0" algn="just">
+              <a:lnSpc>
+                <a:spcPct val="150000"/>
+              </a:lnSpc>
+              <a:buNone/>
+            </a:pPr>
+            <a:r>
+              <a:rPr lang="ru-RU" sz="2400" b="1" dirty="0">
+                <a:effectLst/>
+                <a:ea typeface="Calibri" panose="020F0502020204030204" pitchFamily="34" charset="0"/>
+              </a:rPr>
+              <a:t>Проблема</a:t>
+            </a:r>
+            <a:r>
+              <a:rPr lang="ru-RU" sz="2400" dirty="0">
+                <a:effectLst/>
+                <a:ea typeface="Calibri" panose="020F0502020204030204" pitchFamily="34" charset="0"/>
+              </a:rPr>
+              <a:t>: Как разработать маркетплейс?</a:t>
+            </a:r>
+          </a:p>
+          <a:p>
+            <a:pPr indent="0" algn="just">
+              <a:lnSpc>
+                <a:spcPct val="150000"/>
+              </a:lnSpc>
+              <a:buNone/>
+            </a:pPr>
+            <a:r>
+              <a:rPr lang="ru-RU" sz="2400" b="1" dirty="0">
+                <a:effectLst/>
+                <a:ea typeface="Calibri" panose="020F0502020204030204" pitchFamily="34" charset="0"/>
+              </a:rPr>
+              <a:t>Цель</a:t>
+            </a:r>
+            <a:r>
+              <a:rPr lang="ru-RU" sz="2400" dirty="0">
+                <a:effectLst/>
+                <a:ea typeface="Calibri" panose="020F0502020204030204" pitchFamily="34" charset="0"/>
+              </a:rPr>
+              <a:t>: Разработка маркетплейс-площадки для компании «</a:t>
+            </a:r>
+            <a:r>
+              <a:rPr lang="ru-RU" sz="2400" dirty="0" err="1">
+                <a:effectLst/>
+                <a:ea typeface="Calibri" panose="020F0502020204030204" pitchFamily="34" charset="0"/>
+              </a:rPr>
+              <a:t>ruMarket</a:t>
+            </a:r>
+            <a:r>
+              <a:rPr lang="ru-RU" sz="2400" dirty="0">
+                <a:effectLst/>
+                <a:ea typeface="Calibri" panose="020F0502020204030204" pitchFamily="34" charset="0"/>
+              </a:rPr>
+              <a:t>» по продаже товаров</a:t>
+            </a:r>
+          </a:p>
+          <a:p>
+            <a:pPr indent="0" algn="just">
+              <a:lnSpc>
+                <a:spcPct val="150000"/>
+              </a:lnSpc>
+              <a:buNone/>
+            </a:pPr>
+            <a:r>
+              <a:rPr lang="ru-RU" sz="2400" b="1" dirty="0">
+                <a:effectLst/>
+                <a:ea typeface="Calibri" panose="020F0502020204030204" pitchFamily="34" charset="0"/>
+              </a:rPr>
+              <a:t>Задачи</a:t>
+            </a:r>
+            <a:r>
+              <a:rPr lang="ru-RU" sz="2400" dirty="0">
+                <a:effectLst/>
+                <a:ea typeface="Calibri" panose="020F0502020204030204" pitchFamily="34" charset="0"/>
+              </a:rPr>
+              <a:t>:</a:t>
+            </a:r>
+          </a:p>
+          <a:p>
+            <a:pPr marL="342900" lvl="0" indent="-342900" algn="just">
+              <a:lnSpc>
+                <a:spcPct val="150000"/>
+              </a:lnSpc>
+              <a:buFont typeface="+mj-lt"/>
+              <a:buAutoNum type="arabicPeriod"/>
+            </a:pPr>
+            <a:r>
+              <a:rPr lang="ru-RU" sz="2400" dirty="0">
+                <a:effectLst/>
+                <a:ea typeface="Calibri" panose="020F0502020204030204" pitchFamily="34" charset="0"/>
+              </a:rPr>
+              <a:t>Изучить информацию о маркетплейсах, их разработке, дать определения технологиям для разработки.</a:t>
+            </a:r>
+          </a:p>
+          <a:p>
+            <a:pPr marL="342900" lvl="0" indent="-342900" algn="just">
+              <a:lnSpc>
+                <a:spcPct val="150000"/>
+              </a:lnSpc>
+              <a:buFont typeface="+mj-lt"/>
+              <a:buAutoNum type="arabicPeriod"/>
+            </a:pPr>
+            <a:r>
+              <a:rPr lang="ru-RU" sz="2400" dirty="0">
+                <a:effectLst/>
+                <a:ea typeface="Calibri" panose="020F0502020204030204" pitchFamily="34" charset="0"/>
+              </a:rPr>
+              <a:t>Проанализировать программное обеспечение для разработки веб-приложения.</a:t>
+            </a:r>
+          </a:p>
+          <a:p>
+            <a:pPr marL="342900" lvl="0" indent="-342900" algn="just">
+              <a:lnSpc>
+                <a:spcPct val="150000"/>
+              </a:lnSpc>
+              <a:buFont typeface="+mj-lt"/>
+              <a:buAutoNum type="arabicPeriod"/>
+            </a:pPr>
+            <a:r>
+              <a:rPr lang="ru-RU" sz="2400" dirty="0">
+                <a:effectLst/>
+                <a:ea typeface="Calibri" panose="020F0502020204030204" pitchFamily="34" charset="0"/>
+              </a:rPr>
+              <a:t>Разработать маркетплейс для компании «</a:t>
+            </a:r>
+            <a:r>
+              <a:rPr lang="ru-RU" sz="2400" dirty="0" err="1">
+                <a:effectLst/>
+                <a:ea typeface="Calibri" panose="020F0502020204030204" pitchFamily="34" charset="0"/>
+              </a:rPr>
+              <a:t>ruMarket</a:t>
+            </a:r>
+            <a:r>
+              <a:rPr lang="ru-RU" sz="2400" dirty="0">
+                <a:effectLst/>
+                <a:ea typeface="Calibri" panose="020F0502020204030204" pitchFamily="34" charset="0"/>
+              </a:rPr>
+              <a:t>».</a:t>
+            </a:r>
+          </a:p>
+          <a:p>
+            <a:pPr marL="342900" lvl="0" indent="-342900" algn="just">
+              <a:lnSpc>
+                <a:spcPct val="150000"/>
+              </a:lnSpc>
+              <a:buFont typeface="+mj-lt"/>
+              <a:buAutoNum type="arabicPeriod"/>
+            </a:pPr>
+            <a:r>
+              <a:rPr lang="ru-RU" sz="2400" dirty="0">
+                <a:effectLst/>
+                <a:ea typeface="Calibri" panose="020F0502020204030204" pitchFamily="34" charset="0"/>
+              </a:rPr>
+              <a:t>Провести тестирование готового продукта.</a:t>
+            </a:r>
+          </a:p>
+          <a:p>
+            <a:pPr marL="342900" lvl="0" indent="-342900" algn="just">
+              <a:lnSpc>
+                <a:spcPct val="150000"/>
+              </a:lnSpc>
+              <a:buFont typeface="+mj-lt"/>
+              <a:buAutoNum type="arabicPeriod"/>
+            </a:pPr>
+            <a:r>
+              <a:rPr lang="ru-RU" sz="2400" dirty="0">
+                <a:effectLst/>
+                <a:ea typeface="Calibri" panose="020F0502020204030204" pitchFamily="34" charset="0"/>
+              </a:rPr>
+              <a:t>Разработать рекомендации по использованию маркетплейса и сопровождению.</a:t>
+            </a:r>
+          </a:p>
+          <a:p>
+            <a:endParaRPr lang="ru-RU" sz="3600" dirty="0"/>
           </a:p>
         </p:txBody>
       </p:sp>
@@ -7156,214 +7108,223 @@
       </p:grpSpPr>
       <p:sp>
         <p:nvSpPr>
-          <p:cNvPr id="3" name="Объект 2">
-            <a:extLst>
-              <a:ext uri="{FF2B5EF4-FFF2-40B4-BE49-F238E27FC236}">
-                <a16:creationId xmlns:a16="http://schemas.microsoft.com/office/drawing/2014/main" id="{483DED15-1E0A-42DC-8DB5-CE7F13BE555C}"/>
-              </a:ext>
-            </a:extLst>
-          </p:cNvPr>
-          <p:cNvSpPr>
-            <a:spLocks noGrp="1"/>
-          </p:cNvSpPr>
-          <p:nvPr>
-            <p:ph idx="1"/>
+          <p:cNvPr id="2" name="Заголовок 1">
+            <a:extLst>
+              <a:ext uri="{FF2B5EF4-FFF2-40B4-BE49-F238E27FC236}">
+                <a16:creationId xmlns:a16="http://schemas.microsoft.com/office/drawing/2014/main" id="{12CF625C-6495-41E5-8C78-E72C76DAFC9A}"/>
+              </a:ext>
+            </a:extLst>
+          </p:cNvPr>
+          <p:cNvSpPr>
+            <a:spLocks noGrp="1"/>
+          </p:cNvSpPr>
+          <p:nvPr>
+            <p:ph type="title"/>
           </p:nvPr>
         </p:nvSpPr>
         <p:spPr>
           <a:xfrm>
-            <a:off x="838200" y="395415"/>
-            <a:ext cx="10515600" cy="6091881"/>
+            <a:off x="838200" y="316488"/>
+            <a:ext cx="10515600" cy="870288"/>
           </a:xfrm>
         </p:spPr>
         <p:txBody>
           <a:bodyPr>
-            <a:normAutofit fontScale="92500"/>
+            <a:normAutofit/>
           </a:bodyPr>
           <a:lstStyle/>
           <a:p>
-            <a:pPr indent="0" algn="just">
+            <a:r>
+              <a:rPr lang="ru-RU" sz="3800" dirty="0"/>
+              <a:t>Понятие и Классификация</a:t>
+            </a:r>
+          </a:p>
+        </p:txBody>
+      </p:sp>
+      <p:sp>
+        <p:nvSpPr>
+          <p:cNvPr id="3" name="Объект 2">
+            <a:extLst>
+              <a:ext uri="{FF2B5EF4-FFF2-40B4-BE49-F238E27FC236}">
+                <a16:creationId xmlns:a16="http://schemas.microsoft.com/office/drawing/2014/main" id="{483DED15-1E0A-42DC-8DB5-CE7F13BE555C}"/>
+              </a:ext>
+            </a:extLst>
+          </p:cNvPr>
+          <p:cNvSpPr>
+            <a:spLocks noGrp="1"/>
+          </p:cNvSpPr>
+          <p:nvPr>
+            <p:ph idx="1"/>
+          </p:nvPr>
+        </p:nvSpPr>
+        <p:spPr>
+          <a:xfrm>
+            <a:off x="838200" y="1235414"/>
+            <a:ext cx="5928603" cy="2496866"/>
+          </a:xfrm>
+        </p:spPr>
+        <p:txBody>
+          <a:bodyPr anchor="ctr">
+            <a:normAutofit/>
+          </a:bodyPr>
+          <a:lstStyle/>
+          <a:p>
+            <a:pPr marL="0" indent="0" algn="ctr">
               <a:lnSpc>
                 <a:spcPct val="150000"/>
               </a:lnSpc>
               <a:buNone/>
             </a:pPr>
             <a:r>
-              <a:rPr lang="ru-RU" sz="2400" b="1" dirty="0">
-                <a:effectLst/>
-                <a:ea typeface="Calibri" panose="020F0502020204030204" pitchFamily="34" charset="0"/>
-              </a:rPr>
-              <a:t>Проблема</a:t>
-            </a:r>
-            <a:r>
-              <a:rPr lang="ru-RU" sz="2400" dirty="0">
-                <a:effectLst/>
-                <a:ea typeface="Calibri" panose="020F0502020204030204" pitchFamily="34" charset="0"/>
-              </a:rPr>
-              <a:t>: Как разработать маркетплейс?</a:t>
-            </a:r>
-          </a:p>
-          <a:p>
-            <a:pPr indent="0" algn="just">
-              <a:lnSpc>
-                <a:spcPct val="150000"/>
-              </a:lnSpc>
-              <a:buNone/>
-            </a:pPr>
-            <a:r>
-              <a:rPr lang="ru-RU" sz="2400" b="1" dirty="0">
-                <a:effectLst/>
-                <a:ea typeface="Calibri" panose="020F0502020204030204" pitchFamily="34" charset="0"/>
-              </a:rPr>
-              <a:t>Цель</a:t>
-            </a:r>
-            <a:r>
-              <a:rPr lang="ru-RU" sz="2400" dirty="0">
-                <a:effectLst/>
-                <a:ea typeface="Calibri" panose="020F0502020204030204" pitchFamily="34" charset="0"/>
-              </a:rPr>
-              <a:t>: Разработка маркетплейс-площадки для компании «</a:t>
-            </a:r>
-            <a:r>
-              <a:rPr lang="ru-RU" sz="2400" dirty="0" err="1">
-                <a:effectLst/>
-                <a:ea typeface="Calibri" panose="020F0502020204030204" pitchFamily="34" charset="0"/>
-              </a:rPr>
-              <a:t>ruMarket</a:t>
-            </a:r>
-            <a:r>
-              <a:rPr lang="ru-RU" sz="2400" dirty="0">
-                <a:effectLst/>
-                <a:ea typeface="Calibri" panose="020F0502020204030204" pitchFamily="34" charset="0"/>
-              </a:rPr>
-              <a:t>» по продаже товаров</a:t>
-            </a:r>
-          </a:p>
-          <a:p>
-            <a:pPr indent="0" algn="just">
-              <a:lnSpc>
-                <a:spcPct val="150000"/>
-              </a:lnSpc>
-              <a:buNone/>
-            </a:pPr>
-            <a:r>
-              <a:rPr lang="ru-RU" sz="2400" b="1" dirty="0">
-                <a:effectLst/>
-                <a:ea typeface="Calibri" panose="020F0502020204030204" pitchFamily="34" charset="0"/>
-              </a:rPr>
-              <a:t>Задачи</a:t>
-            </a:r>
-            <a:r>
-              <a:rPr lang="ru-RU" sz="2400" dirty="0">
-                <a:effectLst/>
-                <a:ea typeface="Calibri" panose="020F0502020204030204" pitchFamily="34" charset="0"/>
-              </a:rPr>
-              <a:t>:</a:t>
-            </a:r>
-          </a:p>
-          <a:p>
-            <a:pPr marL="342900" lvl="0" indent="-342900" algn="just">
-              <a:lnSpc>
-                <a:spcPct val="150000"/>
-              </a:lnSpc>
-              <a:buFont typeface="+mj-lt"/>
-              <a:buAutoNum type="arabicPeriod"/>
-            </a:pPr>
-            <a:r>
-              <a:rPr lang="ru-RU" sz="2400" dirty="0">
-                <a:effectLst/>
-                <a:ea typeface="Calibri" panose="020F0502020204030204" pitchFamily="34" charset="0"/>
-              </a:rPr>
-              <a:t>Изучить информацию о маркетплейсах, их разработке, дать определения технологиям для разработки.</a:t>
-            </a:r>
-          </a:p>
-          <a:p>
-            <a:pPr marL="342900" lvl="0" indent="-342900" algn="just">
-              <a:lnSpc>
-                <a:spcPct val="150000"/>
-              </a:lnSpc>
-              <a:buFont typeface="+mj-lt"/>
-              <a:buAutoNum type="arabicPeriod"/>
-            </a:pPr>
-            <a:r>
-              <a:rPr lang="ru-RU" sz="2400" dirty="0">
-                <a:effectLst/>
-                <a:ea typeface="Calibri" panose="020F0502020204030204" pitchFamily="34" charset="0"/>
-              </a:rPr>
-              <a:t>Проанализировать программное обеспечение для разработки веб-приложения.</a:t>
-            </a:r>
-          </a:p>
-          <a:p>
-            <a:pPr marL="342900" lvl="0" indent="-342900" algn="just">
-              <a:lnSpc>
-                <a:spcPct val="150000"/>
-              </a:lnSpc>
-              <a:buFont typeface="+mj-lt"/>
-              <a:buAutoNum type="arabicPeriod"/>
-            </a:pPr>
-            <a:r>
-              <a:rPr lang="ru-RU" sz="2400" dirty="0">
-                <a:effectLst/>
-                <a:ea typeface="Calibri" panose="020F0502020204030204" pitchFamily="34" charset="0"/>
-              </a:rPr>
-              <a:t>Разработать маркетплейс для компании «</a:t>
-            </a:r>
-            <a:r>
-              <a:rPr lang="ru-RU" sz="2400" dirty="0" err="1">
-                <a:effectLst/>
-                <a:ea typeface="Calibri" panose="020F0502020204030204" pitchFamily="34" charset="0"/>
-              </a:rPr>
-              <a:t>ruMarket</a:t>
-            </a:r>
-            <a:r>
-              <a:rPr lang="ru-RU" sz="2400" dirty="0">
-                <a:effectLst/>
-                <a:ea typeface="Calibri" panose="020F0502020204030204" pitchFamily="34" charset="0"/>
-              </a:rPr>
-              <a:t>».</a:t>
-            </a:r>
-          </a:p>
-          <a:p>
-            <a:pPr marL="342900" lvl="0" indent="-342900" algn="just">
-              <a:lnSpc>
-                <a:spcPct val="150000"/>
-              </a:lnSpc>
-              <a:buFont typeface="+mj-lt"/>
-              <a:buAutoNum type="arabicPeriod"/>
-            </a:pPr>
-            <a:r>
-              <a:rPr lang="ru-RU" sz="2400" dirty="0">
-                <a:effectLst/>
-                <a:ea typeface="Calibri" panose="020F0502020204030204" pitchFamily="34" charset="0"/>
-              </a:rPr>
-              <a:t>Провести тестирование готового продукта.</a:t>
-            </a:r>
-          </a:p>
-          <a:p>
-            <a:pPr marL="342900" lvl="0" indent="-342900" algn="just">
-              <a:lnSpc>
-                <a:spcPct val="150000"/>
-              </a:lnSpc>
-              <a:buFont typeface="+mj-lt"/>
-              <a:buAutoNum type="arabicPeriod"/>
-            </a:pPr>
-            <a:r>
-              <a:rPr lang="ru-RU" sz="2400" dirty="0">
-                <a:effectLst/>
-                <a:ea typeface="Calibri" panose="020F0502020204030204" pitchFamily="34" charset="0"/>
-              </a:rPr>
-              <a:t>Разработать рекомендации по использованию маркетплейса и сопровождению.</a:t>
-            </a:r>
-          </a:p>
-          <a:p>
-            <a:endParaRPr lang="ru-RU" sz="3600" dirty="0"/>
-          </a:p>
-        </p:txBody>
-      </p:sp>
+              <a:rPr lang="ru-RU" sz="2400" dirty="0"/>
+              <a:t>Маркетплейс = интернет-магазин посредник</a:t>
+            </a:r>
+          </a:p>
+        </p:txBody>
+      </p:sp>
+      <p:pic>
+        <p:nvPicPr>
+          <p:cNvPr id="2052" name="Picture 4" descr="Picture background">
+            <a:extLst>
+              <a:ext uri="{FF2B5EF4-FFF2-40B4-BE49-F238E27FC236}">
+                <a16:creationId xmlns:a16="http://schemas.microsoft.com/office/drawing/2014/main" id="{7DC01A77-7BE0-42A3-8C8B-05250EF8AF24}"/>
+              </a:ext>
+            </a:extLst>
+          </p:cNvPr>
+          <p:cNvPicPr>
+            <a:picLocks noChangeAspect="1" noChangeArrowheads="1"/>
+          </p:cNvPicPr>
+          <p:nvPr/>
+        </p:nvPicPr>
+        <p:blipFill rotWithShape="1">
+          <a:blip r:embed="rId3">
+            <a:extLst>
+              <a:ext uri="{28A0092B-C50C-407E-A947-70E740481C1C}">
+                <a14:useLocalDpi xmlns:a14="http://schemas.microsoft.com/office/drawing/2010/main" val="0"/>
+              </a:ext>
+            </a:extLst>
+          </a:blip>
+          <a:srcRect b="7872"/>
+          <a:stretch/>
+        </p:blipFill>
+        <p:spPr bwMode="auto">
+          <a:xfrm>
+            <a:off x="575553" y="3732280"/>
+            <a:ext cx="6191250" cy="2457045"/>
+          </a:xfrm>
+          <a:prstGeom prst="rect">
+            <a:avLst/>
+          </a:prstGeom>
+          <a:noFill/>
+          <a:extLst>
+            <a:ext uri="{909E8E84-426E-40DD-AFC4-6F175D3DCCD1}">
+              <a14:hiddenFill xmlns:a14="http://schemas.microsoft.com/office/drawing/2010/main">
+                <a:solidFill>
+                  <a:srgbClr val="FFFFFF"/>
+                </a:solidFill>
+              </a14:hiddenFill>
+            </a:ext>
+          </a:extLst>
+        </p:spPr>
+      </p:pic>
+      <p:pic>
+        <p:nvPicPr>
+          <p:cNvPr id="2054" name="Picture 6" descr="Выходное изображение">
+            <a:extLst>
+              <a:ext uri="{FF2B5EF4-FFF2-40B4-BE49-F238E27FC236}">
+                <a16:creationId xmlns:a16="http://schemas.microsoft.com/office/drawing/2014/main" id="{C53F45DD-B87E-4C55-804E-C187DDB2FAB3}"/>
+              </a:ext>
+            </a:extLst>
+          </p:cNvPr>
+          <p:cNvPicPr>
+            <a:picLocks noChangeAspect="1" noChangeArrowheads="1"/>
+          </p:cNvPicPr>
+          <p:nvPr/>
+        </p:nvPicPr>
+        <p:blipFill>
+          <a:blip r:embed="rId4">
+            <a:extLst>
+              <a:ext uri="{28A0092B-C50C-407E-A947-70E740481C1C}">
+                <a14:useLocalDpi xmlns:a14="http://schemas.microsoft.com/office/drawing/2010/main" val="0"/>
+              </a:ext>
+            </a:extLst>
+          </a:blip>
+          <a:srcRect/>
+          <a:stretch>
+            <a:fillRect/>
+          </a:stretch>
+        </p:blipFill>
+        <p:spPr bwMode="auto">
+          <a:xfrm>
+            <a:off x="7029450" y="708398"/>
+            <a:ext cx="4757636" cy="2720602"/>
+          </a:xfrm>
+          <a:prstGeom prst="rect">
+            <a:avLst/>
+          </a:prstGeom>
+          <a:noFill/>
+          <a:extLst>
+            <a:ext uri="{909E8E84-426E-40DD-AFC4-6F175D3DCCD1}">
+              <a14:hiddenFill xmlns:a14="http://schemas.microsoft.com/office/drawing/2010/main">
+                <a:solidFill>
+                  <a:srgbClr val="FFFFFF"/>
+                </a:solidFill>
+              </a14:hiddenFill>
+            </a:ext>
+          </a:extLst>
+        </p:spPr>
+      </p:pic>
+      <p:pic>
+        <p:nvPicPr>
+          <p:cNvPr id="2056" name="Picture 8" descr="Выходное изображение">
+            <a:extLst>
+              <a:ext uri="{FF2B5EF4-FFF2-40B4-BE49-F238E27FC236}">
+                <a16:creationId xmlns:a16="http://schemas.microsoft.com/office/drawing/2014/main" id="{0AAC0DA2-4139-4D63-9A3F-1145B20A061F}"/>
+              </a:ext>
+            </a:extLst>
+          </p:cNvPr>
+          <p:cNvPicPr>
+            <a:picLocks noChangeAspect="1" noChangeArrowheads="1"/>
+          </p:cNvPicPr>
+          <p:nvPr/>
+        </p:nvPicPr>
+        <p:blipFill>
+          <a:blip r:embed="rId5">
+            <a:extLst>
+              <a:ext uri="{28A0092B-C50C-407E-A947-70E740481C1C}">
+                <a14:useLocalDpi xmlns:a14="http://schemas.microsoft.com/office/drawing/2010/main" val="0"/>
+              </a:ext>
+            </a:extLst>
+          </a:blip>
+          <a:srcRect/>
+          <a:stretch>
+            <a:fillRect/>
+          </a:stretch>
+        </p:blipFill>
+        <p:spPr bwMode="auto">
+          <a:xfrm>
+            <a:off x="7510931" y="3597716"/>
+            <a:ext cx="4276155" cy="2591609"/>
+          </a:xfrm>
+          <a:prstGeom prst="rect">
+            <a:avLst/>
+          </a:prstGeom>
+          <a:noFill/>
+          <a:extLst>
+            <a:ext uri="{909E8E84-426E-40DD-AFC4-6F175D3DCCD1}">
+              <a14:hiddenFill xmlns:a14="http://schemas.microsoft.com/office/drawing/2010/main">
+                <a:solidFill>
+                  <a:srgbClr val="FFFFFF"/>
+                </a:solidFill>
+              </a14:hiddenFill>
+            </a:ext>
+          </a:extLst>
+        </p:spPr>
+      </p:pic>
     </p:spTree>
     <p:extLst>
       <p:ext uri="{BB962C8B-B14F-4D97-AF65-F5344CB8AC3E}">
-        <p14:creationId xmlns:p14="http://schemas.microsoft.com/office/powerpoint/2010/main" val="1505490469"/>
+        <p14:creationId xmlns:p14="http://schemas.microsoft.com/office/powerpoint/2010/main" val="2803620946"/>
       </p:ext>
     </p:extLst>
   </p:cSld>
@@ -7420,58 +7381,17 @@
           <a:p>
             <a:r>
               <a:rPr lang="ru-RU" sz="3800" dirty="0"/>
-              <a:t>Понятие и Классификация</a:t>
-            </a:r>
-          </a:p>
-        </p:txBody>
-      </p:sp>
-      <p:sp>
-        <p:nvSpPr>
-          <p:cNvPr id="3" name="Объект 2">
-            <a:extLst>
-              <a:ext uri="{FF2B5EF4-FFF2-40B4-BE49-F238E27FC236}">
-                <a16:creationId xmlns:a16="http://schemas.microsoft.com/office/drawing/2014/main" id="{483DED15-1E0A-42DC-8DB5-CE7F13BE555C}"/>
-              </a:ext>
-            </a:extLst>
-          </p:cNvPr>
-          <p:cNvSpPr>
-            <a:spLocks noGrp="1"/>
-          </p:cNvSpPr>
-          <p:nvPr>
-            <p:ph idx="1"/>
-          </p:nvPr>
-        </p:nvSpPr>
-        <p:spPr>
-          <a:xfrm>
-            <a:off x="838200" y="1235414"/>
-            <a:ext cx="5928603" cy="2496866"/>
-          </a:xfrm>
-        </p:spPr>
-        <p:txBody>
-          <a:bodyPr anchor="ctr">
-            <a:normAutofit/>
-          </a:bodyPr>
-          <a:lstStyle/>
-          <a:p>
-            <a:pPr marL="0" indent="0" algn="ctr">
-              <a:lnSpc>
-                <a:spcPct val="150000"/>
-              </a:lnSpc>
-              <a:buNone/>
-            </a:pPr>
-            <a:r>
-              <a:rPr lang="ru-RU" sz="2400" dirty="0"/>
-              <a:t>Маркетплейс = интернет-магазин посредник</a:t>
+              <a:t>Способы разработки</a:t>
             </a:r>
           </a:p>
         </p:txBody>
       </p:sp>
       <p:pic>
         <p:nvPicPr>
-          <p:cNvPr id="2052" name="Picture 4" descr="Picture background">
-            <a:extLst>
-              <a:ext uri="{FF2B5EF4-FFF2-40B4-BE49-F238E27FC236}">
-                <a16:creationId xmlns:a16="http://schemas.microsoft.com/office/drawing/2014/main" id="{7DC01A77-7BE0-42A3-8C8B-05250EF8AF24}"/>
+          <p:cNvPr id="3074" name="Picture 2" descr="Picture background">
+            <a:extLst>
+              <a:ext uri="{FF2B5EF4-FFF2-40B4-BE49-F238E27FC236}">
+                <a16:creationId xmlns:a16="http://schemas.microsoft.com/office/drawing/2014/main" id="{673E032A-23BF-439F-B66D-13122E10875E}"/>
               </a:ext>
             </a:extLst>
           </p:cNvPr>
@@ -7480,7 +7400,7 @@
           </p:cNvPicPr>
           <p:nvPr/>
         </p:nvPicPr>
-        <p:blipFill rotWithShape="1">
+        <p:blipFill>
           <a:blip r:embed="rId3">
             <a:extLst>
               <a:ext uri="{28A0092B-C50C-407E-A947-70E740481C1C}">
@@ -7488,13 +7408,15 @@
               </a:ext>
             </a:extLst>
           </a:blip>
-          <a:srcRect b="7872"/>
-          <a:stretch/>
+          <a:srcRect/>
+          <a:stretch>
+            <a:fillRect/>
+          </a:stretch>
         </p:blipFill>
         <p:spPr bwMode="auto">
           <a:xfrm>
-            <a:off x="575553" y="3732280"/>
-            <a:ext cx="6191250" cy="2457045"/>
+            <a:off x="2479708" y="1313234"/>
+            <a:ext cx="7232583" cy="5544766"/>
           </a:xfrm>
           <a:prstGeom prst="rect">
             <a:avLst/>
@@ -7511,104 +7433,10 @@
           </a:extLst>
         </p:spPr>
       </p:pic>
-      <p:pic>
-        <p:nvPicPr>
-          <p:cNvPr id="2054" name="Picture 6" descr="Выходное изображение">
-            <a:extLst>
-              <a:ext uri="{FF2B5EF4-FFF2-40B4-BE49-F238E27FC236}">
-                <a16:creationId xmlns:a16="http://schemas.microsoft.com/office/drawing/2014/main" id="{C53F45DD-B87E-4C55-804E-C187DDB2FAB3}"/>
-              </a:ext>
-            </a:extLst>
-          </p:cNvPr>
-          <p:cNvPicPr>
-            <a:picLocks noChangeAspect="1" noChangeArrowheads="1"/>
-          </p:cNvPicPr>
-          <p:nvPr/>
-        </p:nvPicPr>
-        <p:blipFill>
-          <a:blip r:embed="rId4">
-            <a:extLst>
-              <a:ext uri="{28A0092B-C50C-407E-A947-70E740481C1C}">
-                <a14:useLocalDpi xmlns:a14="http://schemas.microsoft.com/office/drawing/2010/main" val="0"/>
-              </a:ext>
-            </a:extLst>
-          </a:blip>
-          <a:srcRect/>
-          <a:stretch>
-            <a:fillRect/>
-          </a:stretch>
-        </p:blipFill>
-        <p:spPr bwMode="auto">
-          <a:xfrm>
-            <a:off x="7029450" y="708398"/>
-            <a:ext cx="4757636" cy="2720602"/>
-          </a:xfrm>
-          <a:prstGeom prst="rect">
-            <a:avLst/>
-          </a:prstGeom>
-          <a:noFill/>
-          <a:extLst>
-            <a:ext uri="{909E8E84-426E-40DD-AFC4-6F175D3DCCD1}">
-              <a14:hiddenFill xmlns:a14="http://schemas.microsoft.com/office/drawing/2010/main">
-                <a:solidFill>
-                  <a:srgbClr val="FFFFFF"/>
-                </a:solidFill>
-              </a14:hiddenFill>
-            </a:ext>
-          </a:extLst>
-        </p:spPr>
-      </p:pic>
-      <p:pic>
-        <p:nvPicPr>
-          <p:cNvPr id="2056" name="Picture 8" descr="Выходное изображение">
-            <a:extLst>
-              <a:ext uri="{FF2B5EF4-FFF2-40B4-BE49-F238E27FC236}">
-                <a16:creationId xmlns:a16="http://schemas.microsoft.com/office/drawing/2014/main" id="{0AAC0DA2-4139-4D63-9A3F-1145B20A061F}"/>
-              </a:ext>
-            </a:extLst>
-          </p:cNvPr>
-          <p:cNvPicPr>
-            <a:picLocks noChangeAspect="1" noChangeArrowheads="1"/>
-          </p:cNvPicPr>
-          <p:nvPr/>
-        </p:nvPicPr>
-        <p:blipFill>
-          <a:blip r:embed="rId5">
-            <a:extLst>
-              <a:ext uri="{28A0092B-C50C-407E-A947-70E740481C1C}">
-                <a14:useLocalDpi xmlns:a14="http://schemas.microsoft.com/office/drawing/2010/main" val="0"/>
-              </a:ext>
-            </a:extLst>
-          </a:blip>
-          <a:srcRect/>
-          <a:stretch>
-            <a:fillRect/>
-          </a:stretch>
-        </p:blipFill>
-        <p:spPr bwMode="auto">
-          <a:xfrm>
-            <a:off x="7510931" y="3597716"/>
-            <a:ext cx="4276155" cy="2591609"/>
-          </a:xfrm>
-          <a:prstGeom prst="rect">
-            <a:avLst/>
-          </a:prstGeom>
-          <a:noFill/>
-          <a:extLst>
-            <a:ext uri="{909E8E84-426E-40DD-AFC4-6F175D3DCCD1}">
-              <a14:hiddenFill xmlns:a14="http://schemas.microsoft.com/office/drawing/2010/main">
-                <a:solidFill>
-                  <a:srgbClr val="FFFFFF"/>
-                </a:solidFill>
-              </a14:hiddenFill>
-            </a:ext>
-          </a:extLst>
-        </p:spPr>
-      </p:pic>
     </p:spTree>
     <p:extLst>
       <p:ext uri="{BB962C8B-B14F-4D97-AF65-F5344CB8AC3E}">
-        <p14:creationId xmlns:p14="http://schemas.microsoft.com/office/powerpoint/2010/main" val="2803620946"/>
+        <p14:creationId xmlns:p14="http://schemas.microsoft.com/office/powerpoint/2010/main" val="2462634745"/>
       </p:ext>
     </p:extLst>
   </p:cSld>
@@ -7665,17 +7493,54 @@
           <a:p>
             <a:r>
               <a:rPr lang="ru-RU" sz="3800" dirty="0"/>
-              <a:t>Способы разработки</a:t>
-            </a:r>
+              <a:t>Среды разработки</a:t>
+            </a:r>
+          </a:p>
+        </p:txBody>
+      </p:sp>
+      <p:sp>
+        <p:nvSpPr>
+          <p:cNvPr id="5" name="TextBox 4">
+            <a:extLst>
+              <a:ext uri="{FF2B5EF4-FFF2-40B4-BE49-F238E27FC236}">
+                <a16:creationId xmlns:a16="http://schemas.microsoft.com/office/drawing/2014/main" id="{56D0A974-DD06-4F73-A054-73142525FDD3}"/>
+              </a:ext>
+            </a:extLst>
+          </p:cNvPr>
+          <p:cNvSpPr txBox="1"/>
+          <p:nvPr/>
+        </p:nvSpPr>
+        <p:spPr>
+          <a:xfrm>
+            <a:off x="2891035" y="5443151"/>
+            <a:ext cx="1765472" cy="830997"/>
+          </a:xfrm>
+          <a:prstGeom prst="rect">
+            <a:avLst/>
+          </a:prstGeom>
+          <a:noFill/>
+        </p:spPr>
+        <p:txBody>
+          <a:bodyPr wrap="square" rtlCol="0">
+            <a:spAutoFit/>
+          </a:bodyPr>
+          <a:lstStyle/>
+          <a:p>
+            <a:pPr algn="ctr"/>
+            <a:r>
+              <a:rPr lang="en-US" sz="2400" dirty="0"/>
+              <a:t>Visual Studio Code</a:t>
+            </a:r>
+            <a:endParaRPr lang="ru-RU" sz="2400" dirty="0"/>
           </a:p>
         </p:txBody>
       </p:sp>
       <p:pic>
         <p:nvPicPr>
-          <p:cNvPr id="3074" name="Picture 2" descr="Picture background">
-            <a:extLst>
-              <a:ext uri="{FF2B5EF4-FFF2-40B4-BE49-F238E27FC236}">
-                <a16:creationId xmlns:a16="http://schemas.microsoft.com/office/drawing/2014/main" id="{673E032A-23BF-439F-B66D-13122E10875E}"/>
+          <p:cNvPr id="3074" name="Picture 2">
+            <a:extLst>
+              <a:ext uri="{FF2B5EF4-FFF2-40B4-BE49-F238E27FC236}">
+                <a16:creationId xmlns:a16="http://schemas.microsoft.com/office/drawing/2014/main" id="{B1DAAFB4-C482-4532-A245-54BB0F68ADC2}"/>
               </a:ext>
             </a:extLst>
           </p:cNvPr>
@@ -7699,8 +7564,8 @@
         </p:blipFill>
         <p:spPr bwMode="auto">
           <a:xfrm>
-            <a:off x="2479708" y="1313234"/>
-            <a:ext cx="7232583" cy="5544766"/>
+            <a:off x="510100" y="1634176"/>
+            <a:ext cx="2143125" cy="2143125"/>
           </a:xfrm>
           <a:prstGeom prst="rect">
             <a:avLst/>
@@ -7717,10 +7582,342 @@
           </a:extLst>
         </p:spPr>
       </p:pic>
+      <p:pic>
+        <p:nvPicPr>
+          <p:cNvPr id="3076" name="Picture 4" descr="Picture background">
+            <a:extLst>
+              <a:ext uri="{FF2B5EF4-FFF2-40B4-BE49-F238E27FC236}">
+                <a16:creationId xmlns:a16="http://schemas.microsoft.com/office/drawing/2014/main" id="{C5FD4344-2DCF-4606-945F-95A58EC53630}"/>
+              </a:ext>
+            </a:extLst>
+          </p:cNvPr>
+          <p:cNvPicPr>
+            <a:picLocks noChangeAspect="1" noChangeArrowheads="1"/>
+          </p:cNvPicPr>
+          <p:nvPr/>
+        </p:nvPicPr>
+        <p:blipFill rotWithShape="1">
+          <a:blip r:embed="rId4">
+            <a:extLst>
+              <a:ext uri="{28A0092B-C50C-407E-A947-70E740481C1C}">
+                <a14:useLocalDpi xmlns:a14="http://schemas.microsoft.com/office/drawing/2010/main" val="0"/>
+              </a:ext>
+            </a:extLst>
+          </a:blip>
+          <a:srcRect l="26481" t="17305" r="27534" b="15856"/>
+          <a:stretch/>
+        </p:blipFill>
+        <p:spPr bwMode="auto">
+          <a:xfrm>
+            <a:off x="2523103" y="3429000"/>
+            <a:ext cx="2463514" cy="2014151"/>
+          </a:xfrm>
+          <a:prstGeom prst="rect">
+            <a:avLst/>
+          </a:prstGeom>
+          <a:noFill/>
+          <a:extLst>
+            <a:ext uri="{909E8E84-426E-40DD-AFC4-6F175D3DCCD1}">
+              <a14:hiddenFill xmlns:a14="http://schemas.microsoft.com/office/drawing/2010/main">
+                <a:solidFill>
+                  <a:srgbClr val="FFFFFF"/>
+                </a:solidFill>
+              </a14:hiddenFill>
+            </a:ext>
+          </a:extLst>
+        </p:spPr>
+      </p:pic>
+      <p:sp>
+        <p:nvSpPr>
+          <p:cNvPr id="12" name="TextBox 11">
+            <a:extLst>
+              <a:ext uri="{FF2B5EF4-FFF2-40B4-BE49-F238E27FC236}">
+                <a16:creationId xmlns:a16="http://schemas.microsoft.com/office/drawing/2014/main" id="{E80EA925-F754-4B26-BB1E-93C089AB29D1}"/>
+              </a:ext>
+            </a:extLst>
+          </p:cNvPr>
+          <p:cNvSpPr txBox="1"/>
+          <p:nvPr/>
+        </p:nvSpPr>
+        <p:spPr>
+          <a:xfrm>
+            <a:off x="321273" y="3801416"/>
+            <a:ext cx="2520778" cy="461665"/>
+          </a:xfrm>
+          <a:prstGeom prst="rect">
+            <a:avLst/>
+          </a:prstGeom>
+          <a:noFill/>
+        </p:spPr>
+        <p:txBody>
+          <a:bodyPr wrap="square" rtlCol="0">
+            <a:spAutoFit/>
+          </a:bodyPr>
+          <a:lstStyle/>
+          <a:p>
+            <a:pPr algn="ctr"/>
+            <a:r>
+              <a:rPr lang="en-US" sz="2400" u="sng" dirty="0"/>
+              <a:t>Trae IDE</a:t>
+            </a:r>
+            <a:endParaRPr lang="ru-RU" sz="2400" u="sng" dirty="0"/>
+          </a:p>
+        </p:txBody>
+      </p:sp>
+      <p:pic>
+        <p:nvPicPr>
+          <p:cNvPr id="3078" name="Picture 6" descr="Picture background">
+            <a:extLst>
+              <a:ext uri="{FF2B5EF4-FFF2-40B4-BE49-F238E27FC236}">
+                <a16:creationId xmlns:a16="http://schemas.microsoft.com/office/drawing/2014/main" id="{1C85050E-F9F4-4897-891D-B7A9ED9AD489}"/>
+              </a:ext>
+            </a:extLst>
+          </p:cNvPr>
+          <p:cNvPicPr>
+            <a:picLocks noChangeAspect="1" noChangeArrowheads="1"/>
+          </p:cNvPicPr>
+          <p:nvPr/>
+        </p:nvPicPr>
+        <p:blipFill>
+          <a:blip r:embed="rId5">
+            <a:extLst>
+              <a:ext uri="{28A0092B-C50C-407E-A947-70E740481C1C}">
+                <a14:useLocalDpi xmlns:a14="http://schemas.microsoft.com/office/drawing/2010/main" val="0"/>
+              </a:ext>
+            </a:extLst>
+          </a:blip>
+          <a:srcRect/>
+          <a:stretch>
+            <a:fillRect/>
+          </a:stretch>
+        </p:blipFill>
+        <p:spPr bwMode="auto">
+          <a:xfrm>
+            <a:off x="5133523" y="1875400"/>
+            <a:ext cx="1660674" cy="1660674"/>
+          </a:xfrm>
+          <a:prstGeom prst="rect">
+            <a:avLst/>
+          </a:prstGeom>
+          <a:noFill/>
+          <a:extLst>
+            <a:ext uri="{909E8E84-426E-40DD-AFC4-6F175D3DCCD1}">
+              <a14:hiddenFill xmlns:a14="http://schemas.microsoft.com/office/drawing/2010/main">
+                <a:solidFill>
+                  <a:srgbClr val="FFFFFF"/>
+                </a:solidFill>
+              </a14:hiddenFill>
+            </a:ext>
+          </a:extLst>
+        </p:spPr>
+      </p:pic>
+      <p:sp>
+        <p:nvSpPr>
+          <p:cNvPr id="14" name="TextBox 13">
+            <a:extLst>
+              <a:ext uri="{FF2B5EF4-FFF2-40B4-BE49-F238E27FC236}">
+                <a16:creationId xmlns:a16="http://schemas.microsoft.com/office/drawing/2014/main" id="{EEA2E056-35FB-410E-B15C-FBFF59D13E0F}"/>
+              </a:ext>
+            </a:extLst>
+          </p:cNvPr>
+          <p:cNvSpPr txBox="1"/>
+          <p:nvPr/>
+        </p:nvSpPr>
+        <p:spPr>
+          <a:xfrm>
+            <a:off x="4892298" y="3616749"/>
+            <a:ext cx="2143124" cy="830997"/>
+          </a:xfrm>
+          <a:prstGeom prst="rect">
+            <a:avLst/>
+          </a:prstGeom>
+          <a:noFill/>
+        </p:spPr>
+        <p:txBody>
+          <a:bodyPr wrap="square" rtlCol="0">
+            <a:spAutoFit/>
+          </a:bodyPr>
+          <a:lstStyle/>
+          <a:p>
+            <a:pPr algn="ctr"/>
+            <a:r>
+              <a:rPr lang="en-US" sz="2400" dirty="0"/>
+              <a:t>JetBrains WebStorm</a:t>
+            </a:r>
+            <a:endParaRPr lang="ru-RU" sz="2400" dirty="0"/>
+          </a:p>
+        </p:txBody>
+      </p:sp>
+      <p:pic>
+        <p:nvPicPr>
+          <p:cNvPr id="3080" name="Picture 8" descr="Picture background">
+            <a:extLst>
+              <a:ext uri="{FF2B5EF4-FFF2-40B4-BE49-F238E27FC236}">
+                <a16:creationId xmlns:a16="http://schemas.microsoft.com/office/drawing/2014/main" id="{C21DBD84-69B4-4A11-B8D6-4FB8331B67C8}"/>
+              </a:ext>
+            </a:extLst>
+          </p:cNvPr>
+          <p:cNvPicPr>
+            <a:picLocks noChangeAspect="1" noChangeArrowheads="1"/>
+          </p:cNvPicPr>
+          <p:nvPr/>
+        </p:nvPicPr>
+        <p:blipFill>
+          <a:blip r:embed="rId6">
+            <a:extLst>
+              <a:ext uri="{28A0092B-C50C-407E-A947-70E740481C1C}">
+                <a14:useLocalDpi xmlns:a14="http://schemas.microsoft.com/office/drawing/2010/main" val="0"/>
+              </a:ext>
+            </a:extLst>
+          </a:blip>
+          <a:srcRect/>
+          <a:stretch>
+            <a:fillRect/>
+          </a:stretch>
+        </p:blipFill>
+        <p:spPr bwMode="auto">
+          <a:xfrm>
+            <a:off x="6941103" y="3241251"/>
+            <a:ext cx="2463515" cy="2463515"/>
+          </a:xfrm>
+          <a:prstGeom prst="rect">
+            <a:avLst/>
+          </a:prstGeom>
+          <a:noFill/>
+          <a:extLst>
+            <a:ext uri="{909E8E84-426E-40DD-AFC4-6F175D3DCCD1}">
+              <a14:hiddenFill xmlns:a14="http://schemas.microsoft.com/office/drawing/2010/main">
+                <a:solidFill>
+                  <a:srgbClr val="FFFFFF"/>
+                </a:solidFill>
+              </a14:hiddenFill>
+            </a:ext>
+          </a:extLst>
+        </p:spPr>
+      </p:pic>
+      <p:sp>
+        <p:nvSpPr>
+          <p:cNvPr id="16" name="TextBox 15">
+            <a:extLst>
+              <a:ext uri="{FF2B5EF4-FFF2-40B4-BE49-F238E27FC236}">
+                <a16:creationId xmlns:a16="http://schemas.microsoft.com/office/drawing/2014/main" id="{3CEF2051-6CCC-43E2-9989-DB272B50FD08}"/>
+              </a:ext>
+            </a:extLst>
+          </p:cNvPr>
+          <p:cNvSpPr txBox="1"/>
+          <p:nvPr/>
+        </p:nvSpPr>
+        <p:spPr>
+          <a:xfrm>
+            <a:off x="7294269" y="5627816"/>
+            <a:ext cx="1765472" cy="461665"/>
+          </a:xfrm>
+          <a:prstGeom prst="rect">
+            <a:avLst/>
+          </a:prstGeom>
+          <a:noFill/>
+        </p:spPr>
+        <p:txBody>
+          <a:bodyPr wrap="square" rtlCol="0">
+            <a:spAutoFit/>
+          </a:bodyPr>
+          <a:lstStyle/>
+          <a:p>
+            <a:pPr algn="ctr"/>
+            <a:r>
+              <a:rPr lang="en-US" sz="2400" dirty="0"/>
+              <a:t>Sublime Text</a:t>
+            </a:r>
+            <a:endParaRPr lang="ru-RU" sz="2400" dirty="0"/>
+          </a:p>
+        </p:txBody>
+      </p:sp>
+      <p:pic>
+        <p:nvPicPr>
+          <p:cNvPr id="3082" name="Picture 10" descr="Picture background">
+            <a:extLst>
+              <a:ext uri="{FF2B5EF4-FFF2-40B4-BE49-F238E27FC236}">
+                <a16:creationId xmlns:a16="http://schemas.microsoft.com/office/drawing/2014/main" id="{31E38E3F-762E-45E4-864B-9F5D0A8C9716}"/>
+              </a:ext>
+            </a:extLst>
+          </p:cNvPr>
+          <p:cNvPicPr>
+            <a:picLocks noChangeAspect="1" noChangeArrowheads="1"/>
+          </p:cNvPicPr>
+          <p:nvPr/>
+        </p:nvPicPr>
+        <p:blipFill rotWithShape="1">
+          <a:blip r:embed="rId7">
+            <a:extLst>
+              <a:ext uri="{28A0092B-C50C-407E-A947-70E740481C1C}">
+                <a14:useLocalDpi xmlns:a14="http://schemas.microsoft.com/office/drawing/2010/main" val="0"/>
+              </a:ext>
+            </a:extLst>
+          </a:blip>
+          <a:srcRect t="-8703" b="-12414"/>
+          <a:stretch/>
+        </p:blipFill>
+        <p:spPr bwMode="auto">
+          <a:xfrm>
+            <a:off x="9500955" y="1583289"/>
+            <a:ext cx="2143124" cy="2244897"/>
+          </a:xfrm>
+          <a:prstGeom prst="rect">
+            <a:avLst/>
+          </a:prstGeom>
+          <a:noFill/>
+          <a:extLst>
+            <a:ext uri="{909E8E84-426E-40DD-AFC4-6F175D3DCCD1}">
+              <a14:hiddenFill xmlns:a14="http://schemas.microsoft.com/office/drawing/2010/main">
+                <a:solidFill>
+                  <a:srgbClr val="FFFFFF"/>
+                </a:solidFill>
+              </a14:hiddenFill>
+            </a:ext>
+          </a:extLst>
+        </p:spPr>
+      </p:pic>
+      <p:sp>
+        <p:nvSpPr>
+          <p:cNvPr id="18" name="TextBox 17">
+            <a:extLst>
+              <a:ext uri="{FF2B5EF4-FFF2-40B4-BE49-F238E27FC236}">
+                <a16:creationId xmlns:a16="http://schemas.microsoft.com/office/drawing/2014/main" id="{0A19A5A5-8D3A-49DE-B673-9510FDD9DE68}"/>
+              </a:ext>
+            </a:extLst>
+          </p:cNvPr>
+          <p:cNvSpPr txBox="1"/>
+          <p:nvPr/>
+        </p:nvSpPr>
+        <p:spPr>
+          <a:xfrm>
+            <a:off x="9538776" y="3616749"/>
+            <a:ext cx="2143124" cy="461665"/>
+          </a:xfrm>
+          <a:prstGeom prst="rect">
+            <a:avLst/>
+          </a:prstGeom>
+          <a:noFill/>
+        </p:spPr>
+        <p:txBody>
+          <a:bodyPr wrap="square" rtlCol="0">
+            <a:spAutoFit/>
+          </a:bodyPr>
+          <a:lstStyle/>
+          <a:p>
+            <a:pPr algn="ctr"/>
+            <a:r>
+              <a:rPr lang="en-US" sz="2400" dirty="0"/>
+              <a:t>Notepad++</a:t>
+            </a:r>
+            <a:endParaRPr lang="ru-RU" sz="2400" dirty="0"/>
+          </a:p>
+        </p:txBody>
+      </p:sp>
     </p:spTree>
     <p:extLst>
       <p:ext uri="{BB962C8B-B14F-4D97-AF65-F5344CB8AC3E}">
-        <p14:creationId xmlns:p14="http://schemas.microsoft.com/office/powerpoint/2010/main" val="2462634745"/>
+        <p14:creationId xmlns:p14="http://schemas.microsoft.com/office/powerpoint/2010/main" val="804317512"/>
       </p:ext>
     </p:extLst>
   </p:cSld>
@@ -8156,487 +8353,6 @@
           <a:p>
             <a:r>
               <a:rPr lang="ru-RU" sz="3800" dirty="0"/>
-              <a:t>Среды разработки</a:t>
-            </a:r>
-          </a:p>
-        </p:txBody>
-      </p:sp>
-      <p:sp>
-        <p:nvSpPr>
-          <p:cNvPr id="5" name="TextBox 4">
-            <a:extLst>
-              <a:ext uri="{FF2B5EF4-FFF2-40B4-BE49-F238E27FC236}">
-                <a16:creationId xmlns:a16="http://schemas.microsoft.com/office/drawing/2014/main" id="{56D0A974-DD06-4F73-A054-73142525FDD3}"/>
-              </a:ext>
-            </a:extLst>
-          </p:cNvPr>
-          <p:cNvSpPr txBox="1"/>
-          <p:nvPr/>
-        </p:nvSpPr>
-        <p:spPr>
-          <a:xfrm>
-            <a:off x="2891035" y="3429000"/>
-            <a:ext cx="1765472" cy="830997"/>
-          </a:xfrm>
-          <a:prstGeom prst="rect">
-            <a:avLst/>
-          </a:prstGeom>
-          <a:noFill/>
-        </p:spPr>
-        <p:txBody>
-          <a:bodyPr wrap="square" rtlCol="0">
-            <a:spAutoFit/>
-          </a:bodyPr>
-          <a:lstStyle/>
-          <a:p>
-            <a:pPr algn="ctr"/>
-            <a:r>
-              <a:rPr lang="en-US" sz="2400" dirty="0"/>
-              <a:t>Visual Studio Code</a:t>
-            </a:r>
-            <a:endParaRPr lang="ru-RU" sz="2400" dirty="0"/>
-          </a:p>
-        </p:txBody>
-      </p:sp>
-      <p:pic>
-        <p:nvPicPr>
-          <p:cNvPr id="3074" name="Picture 2">
-            <a:extLst>
-              <a:ext uri="{FF2B5EF4-FFF2-40B4-BE49-F238E27FC236}">
-                <a16:creationId xmlns:a16="http://schemas.microsoft.com/office/drawing/2014/main" id="{B1DAAFB4-C482-4532-A245-54BB0F68ADC2}"/>
-              </a:ext>
-            </a:extLst>
-          </p:cNvPr>
-          <p:cNvPicPr>
-            <a:picLocks noChangeAspect="1" noChangeArrowheads="1"/>
-          </p:cNvPicPr>
-          <p:nvPr/>
-        </p:nvPicPr>
-        <p:blipFill>
-          <a:blip r:embed="rId3">
-            <a:extLst>
-              <a:ext uri="{28A0092B-C50C-407E-A947-70E740481C1C}">
-                <a14:useLocalDpi xmlns:a14="http://schemas.microsoft.com/office/drawing/2010/main" val="0"/>
-              </a:ext>
-            </a:extLst>
-          </a:blip>
-          <a:srcRect/>
-          <a:stretch>
-            <a:fillRect/>
-          </a:stretch>
-        </p:blipFill>
-        <p:spPr bwMode="auto">
-          <a:xfrm>
-            <a:off x="510100" y="1634176"/>
-            <a:ext cx="2143125" cy="2143125"/>
-          </a:xfrm>
-          <a:prstGeom prst="rect">
-            <a:avLst/>
-          </a:prstGeom>
-          <a:noFill/>
-          <a:extLst>
-            <a:ext uri="{909E8E84-426E-40DD-AFC4-6F175D3DCCD1}">
-              <a14:hiddenFill xmlns:a14="http://schemas.microsoft.com/office/drawing/2010/main">
-                <a:solidFill>
-                  <a:srgbClr val="FFFFFF"/>
-                </a:solidFill>
-              </a14:hiddenFill>
-            </a:ext>
-          </a:extLst>
-        </p:spPr>
-      </p:pic>
-      <p:pic>
-        <p:nvPicPr>
-          <p:cNvPr id="3076" name="Picture 4" descr="Picture background">
-            <a:extLst>
-              <a:ext uri="{FF2B5EF4-FFF2-40B4-BE49-F238E27FC236}">
-                <a16:creationId xmlns:a16="http://schemas.microsoft.com/office/drawing/2014/main" id="{C5FD4344-2DCF-4606-945F-95A58EC53630}"/>
-              </a:ext>
-            </a:extLst>
-          </p:cNvPr>
-          <p:cNvPicPr>
-            <a:picLocks noChangeAspect="1" noChangeArrowheads="1"/>
-          </p:cNvPicPr>
-          <p:nvPr/>
-        </p:nvPicPr>
-        <p:blipFill rotWithShape="1">
-          <a:blip r:embed="rId4">
-            <a:extLst>
-              <a:ext uri="{28A0092B-C50C-407E-A947-70E740481C1C}">
-                <a14:useLocalDpi xmlns:a14="http://schemas.microsoft.com/office/drawing/2010/main" val="0"/>
-              </a:ext>
-            </a:extLst>
-          </a:blip>
-          <a:srcRect l="26481" t="17305" r="27534" b="15856"/>
-          <a:stretch/>
-        </p:blipFill>
-        <p:spPr bwMode="auto">
-          <a:xfrm>
-            <a:off x="2542014" y="4322379"/>
-            <a:ext cx="2463514" cy="2014151"/>
-          </a:xfrm>
-          <a:prstGeom prst="rect">
-            <a:avLst/>
-          </a:prstGeom>
-          <a:noFill/>
-          <a:extLst>
-            <a:ext uri="{909E8E84-426E-40DD-AFC4-6F175D3DCCD1}">
-              <a14:hiddenFill xmlns:a14="http://schemas.microsoft.com/office/drawing/2010/main">
-                <a:solidFill>
-                  <a:srgbClr val="FFFFFF"/>
-                </a:solidFill>
-              </a14:hiddenFill>
-            </a:ext>
-          </a:extLst>
-        </p:spPr>
-      </p:pic>
-      <p:sp>
-        <p:nvSpPr>
-          <p:cNvPr id="12" name="TextBox 11">
-            <a:extLst>
-              <a:ext uri="{FF2B5EF4-FFF2-40B4-BE49-F238E27FC236}">
-                <a16:creationId xmlns:a16="http://schemas.microsoft.com/office/drawing/2014/main" id="{E80EA925-F754-4B26-BB1E-93C089AB29D1}"/>
-              </a:ext>
-            </a:extLst>
-          </p:cNvPr>
-          <p:cNvSpPr txBox="1"/>
-          <p:nvPr/>
-        </p:nvSpPr>
-        <p:spPr>
-          <a:xfrm>
-            <a:off x="321273" y="3801416"/>
-            <a:ext cx="2520778" cy="461665"/>
-          </a:xfrm>
-          <a:prstGeom prst="rect">
-            <a:avLst/>
-          </a:prstGeom>
-          <a:noFill/>
-        </p:spPr>
-        <p:txBody>
-          <a:bodyPr wrap="square" rtlCol="0">
-            <a:spAutoFit/>
-          </a:bodyPr>
-          <a:lstStyle/>
-          <a:p>
-            <a:pPr algn="ctr"/>
-            <a:r>
-              <a:rPr lang="en-US" sz="2400" u="sng" dirty="0"/>
-              <a:t>Trae IDE</a:t>
-            </a:r>
-            <a:endParaRPr lang="ru-RU" sz="2400" u="sng" dirty="0"/>
-          </a:p>
-        </p:txBody>
-      </p:sp>
-      <p:pic>
-        <p:nvPicPr>
-          <p:cNvPr id="3078" name="Picture 6" descr="Picture background">
-            <a:extLst>
-              <a:ext uri="{FF2B5EF4-FFF2-40B4-BE49-F238E27FC236}">
-                <a16:creationId xmlns:a16="http://schemas.microsoft.com/office/drawing/2014/main" id="{1C85050E-F9F4-4897-891D-B7A9ED9AD489}"/>
-              </a:ext>
-            </a:extLst>
-          </p:cNvPr>
-          <p:cNvPicPr>
-            <a:picLocks noChangeAspect="1" noChangeArrowheads="1"/>
-          </p:cNvPicPr>
-          <p:nvPr/>
-        </p:nvPicPr>
-        <p:blipFill>
-          <a:blip r:embed="rId5">
-            <a:extLst>
-              <a:ext uri="{28A0092B-C50C-407E-A947-70E740481C1C}">
-                <a14:useLocalDpi xmlns:a14="http://schemas.microsoft.com/office/drawing/2010/main" val="0"/>
-              </a:ext>
-            </a:extLst>
-          </a:blip>
-          <a:srcRect/>
-          <a:stretch>
-            <a:fillRect/>
-          </a:stretch>
-        </p:blipFill>
-        <p:spPr bwMode="auto">
-          <a:xfrm>
-            <a:off x="5246753" y="1876861"/>
-            <a:ext cx="1660674" cy="1660674"/>
-          </a:xfrm>
-          <a:prstGeom prst="rect">
-            <a:avLst/>
-          </a:prstGeom>
-          <a:noFill/>
-          <a:extLst>
-            <a:ext uri="{909E8E84-426E-40DD-AFC4-6F175D3DCCD1}">
-              <a14:hiddenFill xmlns:a14="http://schemas.microsoft.com/office/drawing/2010/main">
-                <a:solidFill>
-                  <a:srgbClr val="FFFFFF"/>
-                </a:solidFill>
-              </a14:hiddenFill>
-            </a:ext>
-          </a:extLst>
-        </p:spPr>
-      </p:pic>
-      <p:sp>
-        <p:nvSpPr>
-          <p:cNvPr id="14" name="TextBox 13">
-            <a:extLst>
-              <a:ext uri="{FF2B5EF4-FFF2-40B4-BE49-F238E27FC236}">
-                <a16:creationId xmlns:a16="http://schemas.microsoft.com/office/drawing/2014/main" id="{EEA2E056-35FB-410E-B15C-FBFF59D13E0F}"/>
-              </a:ext>
-            </a:extLst>
-          </p:cNvPr>
-          <p:cNvSpPr txBox="1"/>
-          <p:nvPr/>
-        </p:nvSpPr>
-        <p:spPr>
-          <a:xfrm>
-            <a:off x="5024438" y="3616749"/>
-            <a:ext cx="2143124" cy="830997"/>
-          </a:xfrm>
-          <a:prstGeom prst="rect">
-            <a:avLst/>
-          </a:prstGeom>
-          <a:noFill/>
-        </p:spPr>
-        <p:txBody>
-          <a:bodyPr wrap="square" rtlCol="0">
-            <a:spAutoFit/>
-          </a:bodyPr>
-          <a:lstStyle/>
-          <a:p>
-            <a:pPr algn="ctr"/>
-            <a:r>
-              <a:rPr lang="en-US" sz="2400" dirty="0"/>
-              <a:t>JetBrains WebStorm</a:t>
-            </a:r>
-            <a:endParaRPr lang="ru-RU" sz="2400" dirty="0"/>
-          </a:p>
-        </p:txBody>
-      </p:sp>
-      <p:pic>
-        <p:nvPicPr>
-          <p:cNvPr id="3080" name="Picture 8" descr="Picture background">
-            <a:extLst>
-              <a:ext uri="{FF2B5EF4-FFF2-40B4-BE49-F238E27FC236}">
-                <a16:creationId xmlns:a16="http://schemas.microsoft.com/office/drawing/2014/main" id="{C21DBD84-69B4-4A11-B8D6-4FB8331B67C8}"/>
-              </a:ext>
-            </a:extLst>
-          </p:cNvPr>
-          <p:cNvPicPr>
-            <a:picLocks noChangeAspect="1" noChangeArrowheads="1"/>
-          </p:cNvPicPr>
-          <p:nvPr/>
-        </p:nvPicPr>
-        <p:blipFill>
-          <a:blip r:embed="rId6">
-            <a:extLst>
-              <a:ext uri="{28A0092B-C50C-407E-A947-70E740481C1C}">
-                <a14:useLocalDpi xmlns:a14="http://schemas.microsoft.com/office/drawing/2010/main" val="0"/>
-              </a:ext>
-            </a:extLst>
-          </a:blip>
-          <a:srcRect/>
-          <a:stretch>
-            <a:fillRect/>
-          </a:stretch>
-        </p:blipFill>
-        <p:spPr bwMode="auto">
-          <a:xfrm>
-            <a:off x="6837450" y="4032247"/>
-            <a:ext cx="2463515" cy="2463515"/>
-          </a:xfrm>
-          <a:prstGeom prst="rect">
-            <a:avLst/>
-          </a:prstGeom>
-          <a:noFill/>
-          <a:extLst>
-            <a:ext uri="{909E8E84-426E-40DD-AFC4-6F175D3DCCD1}">
-              <a14:hiddenFill xmlns:a14="http://schemas.microsoft.com/office/drawing/2010/main">
-                <a:solidFill>
-                  <a:srgbClr val="FFFFFF"/>
-                </a:solidFill>
-              </a14:hiddenFill>
-            </a:ext>
-          </a:extLst>
-        </p:spPr>
-      </p:pic>
-      <p:sp>
-        <p:nvSpPr>
-          <p:cNvPr id="16" name="TextBox 15">
-            <a:extLst>
-              <a:ext uri="{FF2B5EF4-FFF2-40B4-BE49-F238E27FC236}">
-                <a16:creationId xmlns:a16="http://schemas.microsoft.com/office/drawing/2014/main" id="{3CEF2051-6CCC-43E2-9989-DB272B50FD08}"/>
-              </a:ext>
-            </a:extLst>
-          </p:cNvPr>
-          <p:cNvSpPr txBox="1"/>
-          <p:nvPr/>
-        </p:nvSpPr>
-        <p:spPr>
-          <a:xfrm>
-            <a:off x="7186471" y="3616749"/>
-            <a:ext cx="1765472" cy="461665"/>
-          </a:xfrm>
-          <a:prstGeom prst="rect">
-            <a:avLst/>
-          </a:prstGeom>
-          <a:noFill/>
-        </p:spPr>
-        <p:txBody>
-          <a:bodyPr wrap="square" rtlCol="0">
-            <a:spAutoFit/>
-          </a:bodyPr>
-          <a:lstStyle/>
-          <a:p>
-            <a:pPr algn="ctr"/>
-            <a:r>
-              <a:rPr lang="en-US" sz="2400" dirty="0"/>
-              <a:t>Sublime Text</a:t>
-            </a:r>
-            <a:endParaRPr lang="ru-RU" sz="2400" dirty="0"/>
-          </a:p>
-        </p:txBody>
-      </p:sp>
-      <p:pic>
-        <p:nvPicPr>
-          <p:cNvPr id="3082" name="Picture 10" descr="Picture background">
-            <a:extLst>
-              <a:ext uri="{FF2B5EF4-FFF2-40B4-BE49-F238E27FC236}">
-                <a16:creationId xmlns:a16="http://schemas.microsoft.com/office/drawing/2014/main" id="{31E38E3F-762E-45E4-864B-9F5D0A8C9716}"/>
-              </a:ext>
-            </a:extLst>
-          </p:cNvPr>
-          <p:cNvPicPr>
-            <a:picLocks noChangeAspect="1" noChangeArrowheads="1"/>
-          </p:cNvPicPr>
-          <p:nvPr/>
-        </p:nvPicPr>
-        <p:blipFill rotWithShape="1">
-          <a:blip r:embed="rId7">
-            <a:extLst>
-              <a:ext uri="{28A0092B-C50C-407E-A947-70E740481C1C}">
-                <a14:useLocalDpi xmlns:a14="http://schemas.microsoft.com/office/drawing/2010/main" val="0"/>
-              </a:ext>
-            </a:extLst>
-          </a:blip>
-          <a:srcRect t="-8703" b="-12414"/>
-          <a:stretch/>
-        </p:blipFill>
-        <p:spPr bwMode="auto">
-          <a:xfrm>
-            <a:off x="9500955" y="1583289"/>
-            <a:ext cx="2143124" cy="2244897"/>
-          </a:xfrm>
-          <a:prstGeom prst="rect">
-            <a:avLst/>
-          </a:prstGeom>
-          <a:noFill/>
-          <a:extLst>
-            <a:ext uri="{909E8E84-426E-40DD-AFC4-6F175D3DCCD1}">
-              <a14:hiddenFill xmlns:a14="http://schemas.microsoft.com/office/drawing/2010/main">
-                <a:solidFill>
-                  <a:srgbClr val="FFFFFF"/>
-                </a:solidFill>
-              </a14:hiddenFill>
-            </a:ext>
-          </a:extLst>
-        </p:spPr>
-      </p:pic>
-      <p:sp>
-        <p:nvSpPr>
-          <p:cNvPr id="18" name="TextBox 17">
-            <a:extLst>
-              <a:ext uri="{FF2B5EF4-FFF2-40B4-BE49-F238E27FC236}">
-                <a16:creationId xmlns:a16="http://schemas.microsoft.com/office/drawing/2014/main" id="{0A19A5A5-8D3A-49DE-B673-9510FDD9DE68}"/>
-              </a:ext>
-            </a:extLst>
-          </p:cNvPr>
-          <p:cNvSpPr txBox="1"/>
-          <p:nvPr/>
-        </p:nvSpPr>
-        <p:spPr>
-          <a:xfrm>
-            <a:off x="9538776" y="3616749"/>
-            <a:ext cx="2143124" cy="461665"/>
-          </a:xfrm>
-          <a:prstGeom prst="rect">
-            <a:avLst/>
-          </a:prstGeom>
-          <a:noFill/>
-        </p:spPr>
-        <p:txBody>
-          <a:bodyPr wrap="square" rtlCol="0">
-            <a:spAutoFit/>
-          </a:bodyPr>
-          <a:lstStyle/>
-          <a:p>
-            <a:pPr algn="ctr"/>
-            <a:r>
-              <a:rPr lang="en-US" sz="2400" dirty="0"/>
-              <a:t>Notepad++</a:t>
-            </a:r>
-            <a:endParaRPr lang="ru-RU" sz="2400" dirty="0"/>
-          </a:p>
-        </p:txBody>
-      </p:sp>
-    </p:spTree>
-    <p:extLst>
-      <p:ext uri="{BB962C8B-B14F-4D97-AF65-F5344CB8AC3E}">
-        <p14:creationId xmlns:p14="http://schemas.microsoft.com/office/powerpoint/2010/main" val="804317512"/>
-      </p:ext>
-    </p:extLst>
-  </p:cSld>
-  <p:clrMapOvr>
-    <a:masterClrMapping/>
-  </p:clrMapOvr>
-</p:sld>
-</file>
-
-<file path=ppt/slides/slide8.xml><?xml version="1.0" encoding="utf-8"?>
-<p:sld xmlns:a="http://schemas.openxmlformats.org/drawingml/2006/main" xmlns:r="http://schemas.openxmlformats.org/officeDocument/2006/relationships" xmlns:p="http://schemas.openxmlformats.org/presentationml/2006/main">
-  <p:cSld>
-    <p:spTree>
-      <p:nvGrpSpPr>
-        <p:cNvPr id="1" name=""/>
-        <p:cNvGrpSpPr/>
-        <p:nvPr/>
-      </p:nvGrpSpPr>
-      <p:grpSpPr>
-        <a:xfrm>
-          <a:off x="0" y="0"/>
-          <a:ext cx="0" cy="0"/>
-          <a:chOff x="0" y="0"/>
-          <a:chExt cx="0" cy="0"/>
-        </a:xfrm>
-      </p:grpSpPr>
-      <p:sp>
-        <p:nvSpPr>
-          <p:cNvPr id="2" name="Заголовок 1">
-            <a:extLst>
-              <a:ext uri="{FF2B5EF4-FFF2-40B4-BE49-F238E27FC236}">
-                <a16:creationId xmlns:a16="http://schemas.microsoft.com/office/drawing/2014/main" id="{12CF625C-6495-41E5-8C78-E72C76DAFC9A}"/>
-              </a:ext>
-            </a:extLst>
-          </p:cNvPr>
-          <p:cNvSpPr>
-            <a:spLocks noGrp="1"/>
-          </p:cNvSpPr>
-          <p:nvPr>
-            <p:ph type="title"/>
-          </p:nvPr>
-        </p:nvSpPr>
-        <p:spPr>
-          <a:xfrm>
-            <a:off x="838200" y="316488"/>
-            <a:ext cx="10515600" cy="870288"/>
-          </a:xfrm>
-        </p:spPr>
-        <p:txBody>
-          <a:bodyPr>
-            <a:normAutofit/>
-          </a:bodyPr>
-          <a:lstStyle/>
-          <a:p>
-            <a:r>
-              <a:rPr lang="ru-RU" sz="3800" dirty="0"/>
               <a:t>Дизайн</a:t>
             </a:r>
           </a:p>
@@ -8865,7 +8581,7 @@
 </p:sld>
 </file>
 
-<file path=ppt/slides/slide9.xml><?xml version="1.0" encoding="utf-8"?>
+<file path=ppt/slides/slide8.xml><?xml version="1.0" encoding="utf-8"?>
 <p:sld xmlns:a="http://schemas.openxmlformats.org/drawingml/2006/main" xmlns:r="http://schemas.openxmlformats.org/officeDocument/2006/relationships" xmlns:p="http://schemas.openxmlformats.org/presentationml/2006/main">
   <p:cSld>
     <p:spTree>
@@ -9010,6 +8726,109 @@
     <p:extLst>
       <p:ext uri="{BB962C8B-B14F-4D97-AF65-F5344CB8AC3E}">
         <p14:creationId xmlns:p14="http://schemas.microsoft.com/office/powerpoint/2010/main" val="3285639846"/>
+      </p:ext>
+    </p:extLst>
+  </p:cSld>
+  <p:clrMapOvr>
+    <a:masterClrMapping/>
+  </p:clrMapOvr>
+</p:sld>
+</file>
+
+<file path=ppt/slides/slide9.xml><?xml version="1.0" encoding="utf-8"?>
+<p:sld xmlns:a="http://schemas.openxmlformats.org/drawingml/2006/main" xmlns:r="http://schemas.openxmlformats.org/officeDocument/2006/relationships" xmlns:p="http://schemas.openxmlformats.org/presentationml/2006/main">
+  <p:cSld>
+    <p:spTree>
+      <p:nvGrpSpPr>
+        <p:cNvPr id="1" name=""/>
+        <p:cNvGrpSpPr/>
+        <p:nvPr/>
+      </p:nvGrpSpPr>
+      <p:grpSpPr>
+        <a:xfrm>
+          <a:off x="0" y="0"/>
+          <a:ext cx="0" cy="0"/>
+          <a:chOff x="0" y="0"/>
+          <a:chExt cx="0" cy="0"/>
+        </a:xfrm>
+      </p:grpSpPr>
+      <p:sp>
+        <p:nvSpPr>
+          <p:cNvPr id="2" name="Заголовок 1">
+            <a:extLst>
+              <a:ext uri="{FF2B5EF4-FFF2-40B4-BE49-F238E27FC236}">
+                <a16:creationId xmlns:a16="http://schemas.microsoft.com/office/drawing/2014/main" id="{12CF625C-6495-41E5-8C78-E72C76DAFC9A}"/>
+              </a:ext>
+            </a:extLst>
+          </p:cNvPr>
+          <p:cNvSpPr>
+            <a:spLocks noGrp="1"/>
+          </p:cNvSpPr>
+          <p:nvPr>
+            <p:ph type="title"/>
+          </p:nvPr>
+        </p:nvSpPr>
+        <p:spPr>
+          <a:xfrm>
+            <a:off x="838200" y="316488"/>
+            <a:ext cx="10515600" cy="870288"/>
+          </a:xfrm>
+        </p:spPr>
+        <p:txBody>
+          <a:bodyPr>
+            <a:normAutofit/>
+          </a:bodyPr>
+          <a:lstStyle/>
+          <a:p>
+            <a:r>
+              <a:rPr lang="ru-RU" sz="3800" dirty="0"/>
+              <a:t>Продукт</a:t>
+            </a:r>
+          </a:p>
+        </p:txBody>
+      </p:sp>
+      <p:pic>
+        <p:nvPicPr>
+          <p:cNvPr id="4" name="Рисунок 3">
+            <a:hlinkClick r:id="rId3"/>
+            <a:extLst>
+              <a:ext uri="{FF2B5EF4-FFF2-40B4-BE49-F238E27FC236}">
+                <a16:creationId xmlns:a16="http://schemas.microsoft.com/office/drawing/2014/main" id="{2D848C5B-0A66-44A5-B7AC-825D5DCE2C3C}"/>
+              </a:ext>
+            </a:extLst>
+          </p:cNvPr>
+          <p:cNvPicPr>
+            <a:picLocks noChangeAspect="1"/>
+          </p:cNvPicPr>
+          <p:nvPr/>
+        </p:nvPicPr>
+        <p:blipFill>
+          <a:blip r:embed="rId4"/>
+          <a:stretch>
+            <a:fillRect/>
+          </a:stretch>
+        </p:blipFill>
+        <p:spPr>
+          <a:xfrm>
+            <a:off x="834338" y="1356968"/>
+            <a:ext cx="10519462" cy="5122759"/>
+          </a:xfrm>
+          <a:prstGeom prst="roundRect">
+            <a:avLst>
+              <a:gd name="adj" fmla="val 2918"/>
+            </a:avLst>
+          </a:prstGeom>
+          <a:ln w="28575">
+            <a:solidFill>
+              <a:srgbClr val="4438CA"/>
+            </a:solidFill>
+          </a:ln>
+        </p:spPr>
+      </p:pic>
+    </p:spTree>
+    <p:extLst>
+      <p:ext uri="{BB962C8B-B14F-4D97-AF65-F5344CB8AC3E}">
+        <p14:creationId xmlns:p14="http://schemas.microsoft.com/office/powerpoint/2010/main" val="631252363"/>
       </p:ext>
     </p:extLst>
   </p:cSld>
